--- a/The power of SPA.pptx
+++ b/The power of SPA.pptx
@@ -5,24 +5,26 @@
     <p:sldMasterId id="2147483660" r:id="rId1"/>
   </p:sldMasterIdLst>
   <p:notesMasterIdLst>
-    <p:notesMasterId r:id="rId17"/>
+    <p:notesMasterId r:id="rId19"/>
   </p:notesMasterIdLst>
   <p:sldIdLst>
     <p:sldId id="256" r:id="rId2"/>
     <p:sldId id="257" r:id="rId3"/>
-    <p:sldId id="258" r:id="rId4"/>
+    <p:sldId id="272" r:id="rId4"/>
     <p:sldId id="259" r:id="rId5"/>
-    <p:sldId id="264" r:id="rId6"/>
-    <p:sldId id="265" r:id="rId7"/>
-    <p:sldId id="270" r:id="rId8"/>
-    <p:sldId id="269" r:id="rId9"/>
-    <p:sldId id="260" r:id="rId10"/>
-    <p:sldId id="261" r:id="rId11"/>
-    <p:sldId id="268" r:id="rId12"/>
-    <p:sldId id="262" r:id="rId13"/>
-    <p:sldId id="263" r:id="rId14"/>
-    <p:sldId id="271" r:id="rId15"/>
-    <p:sldId id="267" r:id="rId16"/>
+    <p:sldId id="273" r:id="rId6"/>
+    <p:sldId id="264" r:id="rId7"/>
+    <p:sldId id="265" r:id="rId8"/>
+    <p:sldId id="270" r:id="rId9"/>
+    <p:sldId id="269" r:id="rId10"/>
+    <p:sldId id="260" r:id="rId11"/>
+    <p:sldId id="261" r:id="rId12"/>
+    <p:sldId id="268" r:id="rId13"/>
+    <p:sldId id="262" r:id="rId14"/>
+    <p:sldId id="263" r:id="rId15"/>
+    <p:sldId id="271" r:id="rId16"/>
+    <p:sldId id="267" r:id="rId17"/>
+    <p:sldId id="274" r:id="rId18"/>
   </p:sldIdLst>
   <p:sldSz cx="12192000" cy="6858000"/>
   <p:notesSz cx="6858000" cy="9144000"/>
@@ -211,7 +213,7 @@
           <a:p>
             <a:fld id="{B014ADF8-7371-423C-9FDB-C081830EA6AA}" type="datetimeFigureOut">
               <a:rPr lang="pt-PT" smtClean="0"/>
-              <a:t>21/04/2015</a:t>
+              <a:t>22/04/2015</a:t>
             </a:fld>
             <a:endParaRPr lang="pt-PT"/>
           </a:p>
@@ -637,7 +639,7 @@
     </p:spTree>
     <p:extLst>
       <p:ext uri="{BB962C8B-B14F-4D97-AF65-F5344CB8AC3E}">
-        <p14:creationId xmlns:p14="http://schemas.microsoft.com/office/powerpoint/2010/main" val="2247078700"/>
+        <p14:creationId xmlns:p14="http://schemas.microsoft.com/office/powerpoint/2010/main" val="1909894738"/>
       </p:ext>
     </p:extLst>
   </p:cSld>
@@ -721,7 +723,7 @@
     </p:spTree>
     <p:extLst>
       <p:ext uri="{BB962C8B-B14F-4D97-AF65-F5344CB8AC3E}">
-        <p14:creationId xmlns:p14="http://schemas.microsoft.com/office/powerpoint/2010/main" val="2847389325"/>
+        <p14:creationId xmlns:p14="http://schemas.microsoft.com/office/powerpoint/2010/main" val="2247078700"/>
       </p:ext>
     </p:extLst>
   </p:cSld>
@@ -805,7 +807,7 @@
     </p:spTree>
     <p:extLst>
       <p:ext uri="{BB962C8B-B14F-4D97-AF65-F5344CB8AC3E}">
-        <p14:creationId xmlns:p14="http://schemas.microsoft.com/office/powerpoint/2010/main" val="53047839"/>
+        <p14:creationId xmlns:p14="http://schemas.microsoft.com/office/powerpoint/2010/main" val="2847389325"/>
       </p:ext>
     </p:extLst>
   </p:cSld>
@@ -889,7 +891,7 @@
     </p:spTree>
     <p:extLst>
       <p:ext uri="{BB962C8B-B14F-4D97-AF65-F5344CB8AC3E}">
-        <p14:creationId xmlns:p14="http://schemas.microsoft.com/office/powerpoint/2010/main" val="3420445213"/>
+        <p14:creationId xmlns:p14="http://schemas.microsoft.com/office/powerpoint/2010/main" val="53047839"/>
       </p:ext>
     </p:extLst>
   </p:cSld>
@@ -973,7 +975,175 @@
     </p:spTree>
     <p:extLst>
       <p:ext uri="{BB962C8B-B14F-4D97-AF65-F5344CB8AC3E}">
+        <p14:creationId xmlns:p14="http://schemas.microsoft.com/office/powerpoint/2010/main" val="3420445213"/>
+      </p:ext>
+    </p:extLst>
+  </p:cSld>
+  <p:clrMapOvr>
+    <a:masterClrMapping/>
+  </p:clrMapOvr>
+</p:notes>
+</file>
+
+<file path=ppt/notesSlides/notesSlide15.xml><?xml version="1.0" encoding="utf-8"?>
+<p:notes xmlns:a="http://schemas.openxmlformats.org/drawingml/2006/main" xmlns:r="http://schemas.openxmlformats.org/officeDocument/2006/relationships" xmlns:p="http://schemas.openxmlformats.org/presentationml/2006/main">
+  <p:cSld>
+    <p:spTree>
+      <p:nvGrpSpPr>
+        <p:cNvPr id="1" name=""/>
+        <p:cNvGrpSpPr/>
+        <p:nvPr/>
+      </p:nvGrpSpPr>
+      <p:grpSpPr>
+        <a:xfrm>
+          <a:off x="0" y="0"/>
+          <a:ext cx="0" cy="0"/>
+          <a:chOff x="0" y="0"/>
+          <a:chExt cx="0" cy="0"/>
+        </a:xfrm>
+      </p:grpSpPr>
+      <p:sp>
+        <p:nvSpPr>
+          <p:cNvPr id="2" name="Marcador de Posição da Imagem do Diapositivo 1"/>
+          <p:cNvSpPr>
+            <a:spLocks noGrp="1" noRot="1" noChangeAspect="1"/>
+          </p:cNvSpPr>
+          <p:nvPr>
+            <p:ph type="sldImg"/>
+          </p:nvPr>
+        </p:nvSpPr>
+        <p:spPr/>
+      </p:sp>
+      <p:sp>
+        <p:nvSpPr>
+          <p:cNvPr id="3" name="Marcador de Posição de Notas 2"/>
+          <p:cNvSpPr>
+            <a:spLocks noGrp="1"/>
+          </p:cNvSpPr>
+          <p:nvPr>
+            <p:ph type="body" idx="1"/>
+          </p:nvPr>
+        </p:nvSpPr>
+        <p:spPr/>
+        <p:txBody>
+          <a:bodyPr/>
+          <a:lstStyle/>
+          <a:p>
+            <a:endParaRPr lang="pt-PT"/>
+          </a:p>
+        </p:txBody>
+      </p:sp>
+      <p:sp>
+        <p:nvSpPr>
+          <p:cNvPr id="4" name="Marcador de Posição do Número do Diapositivo 3"/>
+          <p:cNvSpPr>
+            <a:spLocks noGrp="1"/>
+          </p:cNvSpPr>
+          <p:nvPr>
+            <p:ph type="sldNum" sz="quarter" idx="10"/>
+          </p:nvPr>
+        </p:nvSpPr>
+        <p:spPr/>
+        <p:txBody>
+          <a:bodyPr/>
+          <a:lstStyle/>
+          <a:p>
+            <a:fld id="{DFBB3733-4710-42DC-B738-DA4D68C972C8}" type="slidenum">
+              <a:rPr lang="pt-PT" smtClean="0"/>
+              <a:t>16</a:t>
+            </a:fld>
+            <a:endParaRPr lang="pt-PT"/>
+          </a:p>
+        </p:txBody>
+      </p:sp>
+    </p:spTree>
+    <p:extLst>
+      <p:ext uri="{BB962C8B-B14F-4D97-AF65-F5344CB8AC3E}">
         <p14:creationId xmlns:p14="http://schemas.microsoft.com/office/powerpoint/2010/main" val="1192795800"/>
+      </p:ext>
+    </p:extLst>
+  </p:cSld>
+  <p:clrMapOvr>
+    <a:masterClrMapping/>
+  </p:clrMapOvr>
+</p:notes>
+</file>
+
+<file path=ppt/notesSlides/notesSlide16.xml><?xml version="1.0" encoding="utf-8"?>
+<p:notes xmlns:a="http://schemas.openxmlformats.org/drawingml/2006/main" xmlns:r="http://schemas.openxmlformats.org/officeDocument/2006/relationships" xmlns:p="http://schemas.openxmlformats.org/presentationml/2006/main">
+  <p:cSld>
+    <p:spTree>
+      <p:nvGrpSpPr>
+        <p:cNvPr id="1" name=""/>
+        <p:cNvGrpSpPr/>
+        <p:nvPr/>
+      </p:nvGrpSpPr>
+      <p:grpSpPr>
+        <a:xfrm>
+          <a:off x="0" y="0"/>
+          <a:ext cx="0" cy="0"/>
+          <a:chOff x="0" y="0"/>
+          <a:chExt cx="0" cy="0"/>
+        </a:xfrm>
+      </p:grpSpPr>
+      <p:sp>
+        <p:nvSpPr>
+          <p:cNvPr id="2" name="Marcador de Posição da Imagem do Diapositivo 1"/>
+          <p:cNvSpPr>
+            <a:spLocks noGrp="1" noRot="1" noChangeAspect="1"/>
+          </p:cNvSpPr>
+          <p:nvPr>
+            <p:ph type="sldImg"/>
+          </p:nvPr>
+        </p:nvSpPr>
+        <p:spPr/>
+      </p:sp>
+      <p:sp>
+        <p:nvSpPr>
+          <p:cNvPr id="3" name="Marcador de Posição de Notas 2"/>
+          <p:cNvSpPr>
+            <a:spLocks noGrp="1"/>
+          </p:cNvSpPr>
+          <p:nvPr>
+            <p:ph type="body" idx="1"/>
+          </p:nvPr>
+        </p:nvSpPr>
+        <p:spPr/>
+        <p:txBody>
+          <a:bodyPr/>
+          <a:lstStyle/>
+          <a:p>
+            <a:endParaRPr lang="pt-PT"/>
+          </a:p>
+        </p:txBody>
+      </p:sp>
+      <p:sp>
+        <p:nvSpPr>
+          <p:cNvPr id="4" name="Marcador de Posição do Número do Diapositivo 3"/>
+          <p:cNvSpPr>
+            <a:spLocks noGrp="1"/>
+          </p:cNvSpPr>
+          <p:nvPr>
+            <p:ph type="sldNum" sz="quarter" idx="10"/>
+          </p:nvPr>
+        </p:nvSpPr>
+        <p:spPr/>
+        <p:txBody>
+          <a:bodyPr/>
+          <a:lstStyle/>
+          <a:p>
+            <a:fld id="{DFBB3733-4710-42DC-B738-DA4D68C972C8}" type="slidenum">
+              <a:rPr lang="pt-PT" smtClean="0"/>
+              <a:t>17</a:t>
+            </a:fld>
+            <a:endParaRPr lang="pt-PT"/>
+          </a:p>
+        </p:txBody>
+      </p:sp>
+    </p:spTree>
+    <p:extLst>
+      <p:ext uri="{BB962C8B-B14F-4D97-AF65-F5344CB8AC3E}">
+        <p14:creationId xmlns:p14="http://schemas.microsoft.com/office/powerpoint/2010/main" val="2934100244"/>
       </p:ext>
     </p:extLst>
   </p:cSld>
@@ -1057,7 +1227,7 @@
     </p:spTree>
     <p:extLst>
       <p:ext uri="{BB962C8B-B14F-4D97-AF65-F5344CB8AC3E}">
-        <p14:creationId xmlns:p14="http://schemas.microsoft.com/office/powerpoint/2010/main" val="4161257791"/>
+        <p14:creationId xmlns:p14="http://schemas.microsoft.com/office/powerpoint/2010/main" val="1887879380"/>
       </p:ext>
     </p:extLst>
   </p:cSld>
@@ -1225,7 +1395,7 @@
     </p:spTree>
     <p:extLst>
       <p:ext uri="{BB962C8B-B14F-4D97-AF65-F5344CB8AC3E}">
-        <p14:creationId xmlns:p14="http://schemas.microsoft.com/office/powerpoint/2010/main" val="1314234410"/>
+        <p14:creationId xmlns:p14="http://schemas.microsoft.com/office/powerpoint/2010/main" val="4070429745"/>
       </p:ext>
     </p:extLst>
   </p:cSld>
@@ -1309,7 +1479,7 @@
     </p:spTree>
     <p:extLst>
       <p:ext uri="{BB962C8B-B14F-4D97-AF65-F5344CB8AC3E}">
-        <p14:creationId xmlns:p14="http://schemas.microsoft.com/office/powerpoint/2010/main" val="1014345678"/>
+        <p14:creationId xmlns:p14="http://schemas.microsoft.com/office/powerpoint/2010/main" val="1314234410"/>
       </p:ext>
     </p:extLst>
   </p:cSld>
@@ -1393,7 +1563,7 @@
     </p:spTree>
     <p:extLst>
       <p:ext uri="{BB962C8B-B14F-4D97-AF65-F5344CB8AC3E}">
-        <p14:creationId xmlns:p14="http://schemas.microsoft.com/office/powerpoint/2010/main" val="1548157779"/>
+        <p14:creationId xmlns:p14="http://schemas.microsoft.com/office/powerpoint/2010/main" val="1014345678"/>
       </p:ext>
     </p:extLst>
   </p:cSld>
@@ -1477,7 +1647,7 @@
     </p:spTree>
     <p:extLst>
       <p:ext uri="{BB962C8B-B14F-4D97-AF65-F5344CB8AC3E}">
-        <p14:creationId xmlns:p14="http://schemas.microsoft.com/office/powerpoint/2010/main" val="3091564927"/>
+        <p14:creationId xmlns:p14="http://schemas.microsoft.com/office/powerpoint/2010/main" val="1548157779"/>
       </p:ext>
     </p:extLst>
   </p:cSld>
@@ -1561,7 +1731,7 @@
     </p:spTree>
     <p:extLst>
       <p:ext uri="{BB962C8B-B14F-4D97-AF65-F5344CB8AC3E}">
-        <p14:creationId xmlns:p14="http://schemas.microsoft.com/office/powerpoint/2010/main" val="128199496"/>
+        <p14:creationId xmlns:p14="http://schemas.microsoft.com/office/powerpoint/2010/main" val="3091564927"/>
       </p:ext>
     </p:extLst>
   </p:cSld>
@@ -1645,7 +1815,7 @@
     </p:spTree>
     <p:extLst>
       <p:ext uri="{BB962C8B-B14F-4D97-AF65-F5344CB8AC3E}">
-        <p14:creationId xmlns:p14="http://schemas.microsoft.com/office/powerpoint/2010/main" val="1909894738"/>
+        <p14:creationId xmlns:p14="http://schemas.microsoft.com/office/powerpoint/2010/main" val="128199496"/>
       </p:ext>
     </p:extLst>
   </p:cSld>
@@ -1847,7 +2017,7 @@
           <a:p>
             <a:fld id="{408AB035-A402-43DC-AEEE-742885BD4112}" type="datetime1">
               <a:rPr lang="pt-PT" smtClean="0"/>
-              <a:t>21/04/2015</a:t>
+              <a:t>22/04/2015</a:t>
             </a:fld>
             <a:endParaRPr lang="pt-PT"/>
           </a:p>
@@ -2021,7 +2191,7 @@
           <a:p>
             <a:fld id="{C048B1F7-3208-4E5C-84A4-35266FA3692F}" type="datetime1">
               <a:rPr lang="pt-PT" smtClean="0"/>
-              <a:t>21/04/2015</a:t>
+              <a:t>22/04/2015</a:t>
             </a:fld>
             <a:endParaRPr lang="pt-PT"/>
           </a:p>
@@ -2205,7 +2375,7 @@
           <a:p>
             <a:fld id="{3B9ACBEB-6F27-432F-8808-DFB91069B26F}" type="datetime1">
               <a:rPr lang="pt-PT" smtClean="0"/>
-              <a:t>21/04/2015</a:t>
+              <a:t>22/04/2015</a:t>
             </a:fld>
             <a:endParaRPr lang="pt-PT"/>
           </a:p>
@@ -2397,7 +2567,7 @@
           <a:p>
             <a:fld id="{BD5A6FC7-D8D8-4329-ACD8-89F692019E5F}" type="datetime1">
               <a:rPr lang="pt-PT" smtClean="0"/>
-              <a:t>21/04/2015</a:t>
+              <a:t>22/04/2015</a:t>
             </a:fld>
             <a:endParaRPr lang="pt-PT"/>
           </a:p>
@@ -2668,7 +2838,7 @@
           <a:p>
             <a:fld id="{6B333A15-1F30-46D5-81BD-E068F35AF832}" type="datetime1">
               <a:rPr lang="pt-PT" smtClean="0"/>
-              <a:t>21/04/2015</a:t>
+              <a:t>22/04/2015</a:t>
             </a:fld>
             <a:endParaRPr lang="pt-PT"/>
           </a:p>
@@ -3025,7 +3195,7 @@
           <a:p>
             <a:fld id="{3E03E351-A478-4D88-BF1C-FB19B9B98EBF}" type="datetime1">
               <a:rPr lang="pt-PT" smtClean="0"/>
-              <a:t>21/04/2015</a:t>
+              <a:t>22/04/2015</a:t>
             </a:fld>
             <a:endParaRPr lang="pt-PT"/>
           </a:p>
@@ -3342,7 +3512,7 @@
           <a:p>
             <a:fld id="{C2D746D5-D1B0-4874-90D4-6505AE6E2D75}" type="datetime1">
               <a:rPr lang="pt-PT" smtClean="0"/>
-              <a:t>21/04/2015</a:t>
+              <a:t>22/04/2015</a:t>
             </a:fld>
             <a:endParaRPr lang="pt-PT"/>
           </a:p>
@@ -3578,7 +3748,7 @@
           <a:p>
             <a:fld id="{853EA6A0-481A-40FA-9E81-8D69D9EDBCD3}" type="datetime1">
               <a:rPr lang="pt-PT" smtClean="0"/>
-              <a:t>21/04/2015</a:t>
+              <a:t>22/04/2015</a:t>
             </a:fld>
             <a:endParaRPr lang="pt-PT"/>
           </a:p>
@@ -3677,7 +3847,7 @@
           <a:p>
             <a:fld id="{684B9C87-0596-40D7-A4F6-E69DC6B961CE}" type="datetime1">
               <a:rPr lang="pt-PT" smtClean="0"/>
-              <a:t>21/04/2015</a:t>
+              <a:t>22/04/2015</a:t>
             </a:fld>
             <a:endParaRPr lang="pt-PT"/>
           </a:p>
@@ -3974,7 +4144,7 @@
           <a:p>
             <a:fld id="{3109861F-5572-4F4B-83CA-C797BB6ED892}" type="datetime1">
               <a:rPr lang="pt-PT" smtClean="0"/>
-              <a:t>21/04/2015</a:t>
+              <a:t>22/04/2015</a:t>
             </a:fld>
             <a:endParaRPr lang="pt-PT"/>
           </a:p>
@@ -4252,7 +4422,7 @@
           <a:p>
             <a:fld id="{9A923148-4993-42F0-8463-7C0F4F8667A3}" type="datetime1">
               <a:rPr lang="pt-PT" smtClean="0"/>
-              <a:t>21/04/2015</a:t>
+              <a:t>22/04/2015</a:t>
             </a:fld>
             <a:endParaRPr lang="pt-PT"/>
           </a:p>
@@ -4471,7 +4641,7 @@
           <a:p>
             <a:fld id="{6ECE908B-9FD3-4FD6-A9AB-3FB3EABC170A}" type="datetime1">
               <a:rPr lang="pt-PT" smtClean="0"/>
-              <a:t>21/04/2015</a:t>
+              <a:t>22/04/2015</a:t>
             </a:fld>
             <a:endParaRPr lang="pt-PT"/>
           </a:p>
@@ -5025,23 +5195,7 @@
                   <a:srgbClr val="006600"/>
                 </a:solidFill>
               </a:rPr>
-              <a:t>The </a:t>
-            </a:r>
-            <a:r>
-              <a:rPr lang="pt-PT" dirty="0" err="1" smtClean="0">
-                <a:solidFill>
-                  <a:srgbClr val="006600"/>
-                </a:solidFill>
-              </a:rPr>
-              <a:t>Power</a:t>
-            </a:r>
-            <a:r>
-              <a:rPr lang="pt-PT" dirty="0" smtClean="0">
-                <a:solidFill>
-                  <a:srgbClr val="006600"/>
-                </a:solidFill>
-              </a:rPr>
-              <a:t> of SPA</a:t>
+              <a:t>The Power of SPA</a:t>
             </a:r>
             <a:endParaRPr lang="pt-PT" dirty="0">
               <a:solidFill>
@@ -5063,18 +5217,18 @@
         </p:nvSpPr>
         <p:spPr>
           <a:xfrm>
-            <a:off x="3446405" y="5149273"/>
-            <a:ext cx="5299191" cy="757028"/>
+            <a:off x="3231715" y="5085567"/>
+            <a:ext cx="5513881" cy="795682"/>
           </a:xfrm>
         </p:spPr>
         <p:txBody>
           <a:bodyPr>
-            <a:normAutofit fontScale="92500" lnSpcReduction="20000"/>
+            <a:normAutofit fontScale="70000" lnSpcReduction="20000"/>
           </a:bodyPr>
           <a:lstStyle/>
           <a:p>
             <a:r>
-              <a:rPr lang="pt-PT" dirty="0" smtClean="0">
+              <a:rPr lang="pt-PT" sz="2600" b="1" dirty="0" smtClean="0">
                 <a:solidFill>
                   <a:schemeClr val="tx1">
                     <a:lumMod val="65000"/>
@@ -5082,12 +5236,10 @@
                   </a:schemeClr>
                 </a:solidFill>
               </a:rPr>
-              <a:t>Mónica Rodrigues</a:t>
-            </a:r>
-          </a:p>
-          <a:p>
-            <a:r>
-              <a:rPr lang="pt-PT" dirty="0" smtClean="0">
+              <a:t>Mónica </a:t>
+            </a:r>
+            <a:r>
+              <a:rPr lang="pt-PT" sz="2600" b="1" dirty="0" smtClean="0">
                 <a:solidFill>
                   <a:schemeClr val="tx1">
                     <a:lumMod val="65000"/>
@@ -5095,7 +5247,20 @@
                   </a:schemeClr>
                 </a:solidFill>
               </a:rPr>
-              <a:t>monica85rodrigues@gmail.com</a:t>
+              <a:t>Rodrigues</a:t>
+            </a:r>
+          </a:p>
+          <a:p>
+            <a:r>
+              <a:rPr lang="pt-PT" dirty="0" smtClean="0">
+                <a:solidFill>
+                  <a:schemeClr val="tx1">
+                    <a:lumMod val="65000"/>
+                    <a:lumOff val="35000"/>
+                  </a:schemeClr>
+                </a:solidFill>
+              </a:rPr>
+              <a:t>https://github.com/monica85rodrigues/PGGD26</a:t>
             </a:r>
             <a:endParaRPr lang="pt-PT" dirty="0">
               <a:solidFill>
@@ -5414,6 +5579,888 @@
         </p:nvSpPr>
         <p:spPr>
           <a:xfrm>
+            <a:off x="1118252" y="100066"/>
+            <a:ext cx="9818249" cy="986922"/>
+          </a:xfrm>
+          <a:prstGeom prst="rect">
+            <a:avLst/>
+          </a:prstGeom>
+        </p:spPr>
+        <p:txBody>
+          <a:bodyPr vert="horz" lIns="91440" tIns="45720" rIns="91440" bIns="45720" rtlCol="0" anchor="b">
+            <a:noAutofit/>
+          </a:bodyPr>
+          <a:lstStyle>
+            <a:lvl1pPr algn="ctr" defTabSz="914400" rtl="0" eaLnBrk="1" latinLnBrk="0" hangingPunct="1">
+              <a:lnSpc>
+                <a:spcPts val="5800"/>
+              </a:lnSpc>
+              <a:spcBef>
+                <a:spcPct val="0"/>
+              </a:spcBef>
+              <a:buNone/>
+              <a:defRPr sz="5400" kern="1200">
+                <a:solidFill>
+                  <a:schemeClr val="tx2"/>
+                </a:solidFill>
+                <a:effectLst>
+                  <a:outerShdw blurRad="63500" dist="38100" dir="5400000" algn="t" rotWithShape="0">
+                    <a:prstClr val="black">
+                      <a:alpha val="25000"/>
+                    </a:prstClr>
+                  </a:outerShdw>
+                </a:effectLst>
+                <a:latin typeface="+mn-lt"/>
+                <a:ea typeface="+mj-ea"/>
+                <a:cs typeface="+mj-cs"/>
+              </a:defRPr>
+            </a:lvl1pPr>
+          </a:lstStyle>
+          <a:p>
+            <a:r>
+              <a:rPr lang="pt-PT" dirty="0" err="1">
+                <a:solidFill>
+                  <a:srgbClr val="006600"/>
+                </a:solidFill>
+              </a:rPr>
+              <a:t>Multiple</a:t>
+            </a:r>
+            <a:r>
+              <a:rPr lang="pt-PT" dirty="0">
+                <a:solidFill>
+                  <a:srgbClr val="006600"/>
+                </a:solidFill>
+              </a:rPr>
+              <a:t> </a:t>
+            </a:r>
+            <a:r>
+              <a:rPr lang="pt-PT" dirty="0" err="1">
+                <a:solidFill>
+                  <a:srgbClr val="006600"/>
+                </a:solidFill>
+              </a:rPr>
+              <a:t>Page</a:t>
+            </a:r>
+            <a:r>
+              <a:rPr lang="pt-PT" dirty="0">
+                <a:solidFill>
+                  <a:srgbClr val="006600"/>
+                </a:solidFill>
+              </a:rPr>
+              <a:t> </a:t>
+            </a:r>
+            <a:r>
+              <a:rPr lang="pt-PT" dirty="0" err="1">
+                <a:solidFill>
+                  <a:srgbClr val="006600"/>
+                </a:solidFill>
+              </a:rPr>
+              <a:t>Application</a:t>
+            </a:r>
+            <a:endParaRPr lang="pt-PT" dirty="0">
+              <a:solidFill>
+                <a:srgbClr val="006600"/>
+              </a:solidFill>
+            </a:endParaRPr>
+          </a:p>
+        </p:txBody>
+      </p:sp>
+      <p:pic>
+        <p:nvPicPr>
+          <p:cNvPr id="9" name="Imagem 8"/>
+          <p:cNvPicPr>
+            <a:picLocks noChangeAspect="1"/>
+          </p:cNvPicPr>
+          <p:nvPr/>
+        </p:nvPicPr>
+        <p:blipFill>
+          <a:blip r:embed="rId3" cstate="print">
+            <a:extLst>
+              <a:ext uri="{28A0092B-C50C-407E-A947-70E740481C1C}">
+                <a14:useLocalDpi xmlns:a14="http://schemas.microsoft.com/office/drawing/2010/main" val="0"/>
+              </a:ext>
+            </a:extLst>
+          </a:blip>
+          <a:stretch>
+            <a:fillRect/>
+          </a:stretch>
+        </p:blipFill>
+        <p:spPr>
+          <a:xfrm>
+            <a:off x="6652417" y="2741044"/>
+            <a:ext cx="1077092" cy="1293804"/>
+          </a:xfrm>
+          <a:prstGeom prst="rect">
+            <a:avLst/>
+          </a:prstGeom>
+        </p:spPr>
+      </p:pic>
+      <p:sp>
+        <p:nvSpPr>
+          <p:cNvPr id="31" name="Seta curvada à esquerda 30"/>
+          <p:cNvSpPr/>
+          <p:nvPr/>
+        </p:nvSpPr>
+        <p:spPr>
+          <a:xfrm>
+            <a:off x="7526357" y="2857448"/>
+            <a:ext cx="743617" cy="305709"/>
+          </a:xfrm>
+          <a:prstGeom prst="curvedLeftArrow">
+            <a:avLst>
+              <a:gd name="adj1" fmla="val 0"/>
+              <a:gd name="adj2" fmla="val 51899"/>
+              <a:gd name="adj3" fmla="val 25000"/>
+            </a:avLst>
+          </a:prstGeom>
+        </p:spPr>
+        <p:style>
+          <a:lnRef idx="2">
+            <a:schemeClr val="accent1"/>
+          </a:lnRef>
+          <a:fillRef idx="1">
+            <a:schemeClr val="lt1"/>
+          </a:fillRef>
+          <a:effectRef idx="0">
+            <a:schemeClr val="accent1"/>
+          </a:effectRef>
+          <a:fontRef idx="minor">
+            <a:schemeClr val="dk1"/>
+          </a:fontRef>
+        </p:style>
+        <p:txBody>
+          <a:bodyPr rtlCol="0" anchor="ctr"/>
+          <a:lstStyle/>
+          <a:p>
+            <a:pPr algn="ctr"/>
+            <a:endParaRPr lang="pt-PT">
+              <a:solidFill>
+                <a:schemeClr val="tx1"/>
+              </a:solidFill>
+            </a:endParaRPr>
+          </a:p>
+        </p:txBody>
+      </p:sp>
+      <p:sp>
+        <p:nvSpPr>
+          <p:cNvPr id="32" name="Seta para a direita 31"/>
+          <p:cNvSpPr/>
+          <p:nvPr/>
+        </p:nvSpPr>
+        <p:spPr>
+          <a:xfrm>
+            <a:off x="3899653" y="3019290"/>
+            <a:ext cx="2560026" cy="104302"/>
+          </a:xfrm>
+          <a:prstGeom prst="rightArrow">
+            <a:avLst/>
+          </a:prstGeom>
+        </p:spPr>
+        <p:style>
+          <a:lnRef idx="2">
+            <a:schemeClr val="accent1"/>
+          </a:lnRef>
+          <a:fillRef idx="1">
+            <a:schemeClr val="lt1"/>
+          </a:fillRef>
+          <a:effectRef idx="0">
+            <a:schemeClr val="accent1"/>
+          </a:effectRef>
+          <a:fontRef idx="minor">
+            <a:schemeClr val="dk1"/>
+          </a:fontRef>
+        </p:style>
+        <p:txBody>
+          <a:bodyPr rtlCol="0" anchor="ctr"/>
+          <a:lstStyle/>
+          <a:p>
+            <a:pPr algn="ctr"/>
+            <a:endParaRPr lang="pt-PT"/>
+          </a:p>
+        </p:txBody>
+      </p:sp>
+      <p:sp>
+        <p:nvSpPr>
+          <p:cNvPr id="33" name="Seta para a direita 32"/>
+          <p:cNvSpPr/>
+          <p:nvPr/>
+        </p:nvSpPr>
+        <p:spPr>
+          <a:xfrm flipH="1">
+            <a:off x="3899653" y="3463457"/>
+            <a:ext cx="2560026" cy="104302"/>
+          </a:xfrm>
+          <a:prstGeom prst="rightArrow">
+            <a:avLst/>
+          </a:prstGeom>
+        </p:spPr>
+        <p:style>
+          <a:lnRef idx="2">
+            <a:schemeClr val="accent1"/>
+          </a:lnRef>
+          <a:fillRef idx="1">
+            <a:schemeClr val="lt1"/>
+          </a:fillRef>
+          <a:effectRef idx="0">
+            <a:schemeClr val="accent1"/>
+          </a:effectRef>
+          <a:fontRef idx="minor">
+            <a:schemeClr val="dk1"/>
+          </a:fontRef>
+        </p:style>
+        <p:txBody>
+          <a:bodyPr rtlCol="0" anchor="ctr"/>
+          <a:lstStyle/>
+          <a:p>
+            <a:pPr algn="ctr"/>
+            <a:endParaRPr lang="pt-PT"/>
+          </a:p>
+        </p:txBody>
+      </p:sp>
+      <p:sp>
+        <p:nvSpPr>
+          <p:cNvPr id="35" name="CaixaDeTexto 34"/>
+          <p:cNvSpPr txBox="1"/>
+          <p:nvPr/>
+        </p:nvSpPr>
+        <p:spPr>
+          <a:xfrm>
+            <a:off x="4265889" y="2649958"/>
+            <a:ext cx="2314323" cy="369332"/>
+          </a:xfrm>
+          <a:prstGeom prst="rect">
+            <a:avLst/>
+          </a:prstGeom>
+          <a:noFill/>
+        </p:spPr>
+        <p:txBody>
+          <a:bodyPr wrap="square" rtlCol="0">
+            <a:spAutoFit/>
+          </a:bodyPr>
+          <a:lstStyle/>
+          <a:p>
+            <a:r>
+              <a:rPr lang="pt-PT" dirty="0" err="1" smtClean="0">
+                <a:solidFill>
+                  <a:schemeClr val="tx1">
+                    <a:lumMod val="65000"/>
+                    <a:lumOff val="35000"/>
+                  </a:schemeClr>
+                </a:solidFill>
+              </a:rPr>
+              <a:t>Page</a:t>
+            </a:r>
+            <a:r>
+              <a:rPr lang="pt-PT" dirty="0" smtClean="0">
+                <a:solidFill>
+                  <a:schemeClr val="tx1">
+                    <a:lumMod val="65000"/>
+                    <a:lumOff val="35000"/>
+                  </a:schemeClr>
+                </a:solidFill>
+              </a:rPr>
+              <a:t> </a:t>
+            </a:r>
+            <a:r>
+              <a:rPr lang="pt-PT" dirty="0" err="1" smtClean="0">
+                <a:solidFill>
+                  <a:schemeClr val="tx1">
+                    <a:lumMod val="65000"/>
+                    <a:lumOff val="35000"/>
+                  </a:schemeClr>
+                </a:solidFill>
+              </a:rPr>
+              <a:t>access</a:t>
+            </a:r>
+            <a:endParaRPr lang="pt-PT" dirty="0"/>
+          </a:p>
+        </p:txBody>
+      </p:sp>
+      <p:sp>
+        <p:nvSpPr>
+          <p:cNvPr id="36" name="CaixaDeTexto 35"/>
+          <p:cNvSpPr txBox="1"/>
+          <p:nvPr/>
+        </p:nvSpPr>
+        <p:spPr>
+          <a:xfrm>
+            <a:off x="4233633" y="3574061"/>
+            <a:ext cx="2314323" cy="646331"/>
+          </a:xfrm>
+          <a:prstGeom prst="rect">
+            <a:avLst/>
+          </a:prstGeom>
+          <a:noFill/>
+        </p:spPr>
+        <p:txBody>
+          <a:bodyPr wrap="square" rtlCol="0">
+            <a:spAutoFit/>
+          </a:bodyPr>
+          <a:lstStyle/>
+          <a:p>
+            <a:r>
+              <a:rPr lang="en-GB" dirty="0" smtClean="0">
+                <a:solidFill>
+                  <a:schemeClr val="tx1">
+                    <a:lumMod val="65000"/>
+                    <a:lumOff val="35000"/>
+                  </a:schemeClr>
+                </a:solidFill>
+              </a:rPr>
+              <a:t>Returns rendered page</a:t>
+            </a:r>
+            <a:endParaRPr lang="en-GB" dirty="0"/>
+          </a:p>
+        </p:txBody>
+      </p:sp>
+      <p:sp>
+        <p:nvSpPr>
+          <p:cNvPr id="37" name="CaixaDeTexto 36"/>
+          <p:cNvSpPr txBox="1"/>
+          <p:nvPr/>
+        </p:nvSpPr>
+        <p:spPr>
+          <a:xfrm>
+            <a:off x="8342179" y="2788265"/>
+            <a:ext cx="1844987" cy="369332"/>
+          </a:xfrm>
+          <a:prstGeom prst="rect">
+            <a:avLst/>
+          </a:prstGeom>
+          <a:noFill/>
+        </p:spPr>
+        <p:txBody>
+          <a:bodyPr wrap="square" rtlCol="0">
+            <a:spAutoFit/>
+          </a:bodyPr>
+          <a:lstStyle/>
+          <a:p>
+            <a:r>
+              <a:rPr lang="pt-PT" dirty="0" err="1" smtClean="0">
+                <a:solidFill>
+                  <a:schemeClr val="tx1">
+                    <a:lumMod val="65000"/>
+                    <a:lumOff val="35000"/>
+                  </a:schemeClr>
+                </a:solidFill>
+              </a:rPr>
+              <a:t>Page</a:t>
+            </a:r>
+            <a:r>
+              <a:rPr lang="pt-PT" dirty="0" smtClean="0">
+                <a:solidFill>
+                  <a:schemeClr val="tx1">
+                    <a:lumMod val="65000"/>
+                    <a:lumOff val="35000"/>
+                  </a:schemeClr>
+                </a:solidFill>
+              </a:rPr>
+              <a:t> </a:t>
+            </a:r>
+            <a:r>
+              <a:rPr lang="pt-PT" dirty="0" err="1" smtClean="0">
+                <a:solidFill>
+                  <a:schemeClr val="tx1">
+                    <a:lumMod val="65000"/>
+                    <a:lumOff val="35000"/>
+                  </a:schemeClr>
+                </a:solidFill>
+              </a:rPr>
+              <a:t>rendering</a:t>
+            </a:r>
+            <a:endParaRPr lang="pt-PT" dirty="0"/>
+          </a:p>
+        </p:txBody>
+      </p:sp>
+      <p:sp>
+        <p:nvSpPr>
+          <p:cNvPr id="15" name="Marcador de Posição do Rodapé 3"/>
+          <p:cNvSpPr>
+            <a:spLocks noGrp="1"/>
+          </p:cNvSpPr>
+          <p:nvPr>
+            <p:ph type="ftr" sz="quarter" idx="11"/>
+          </p:nvPr>
+        </p:nvSpPr>
+        <p:spPr>
+          <a:xfrm>
+            <a:off x="11026318" y="97822"/>
+            <a:ext cx="999947" cy="365125"/>
+          </a:xfrm>
+        </p:spPr>
+        <p:txBody>
+          <a:bodyPr/>
+          <a:lstStyle/>
+          <a:p>
+            <a:r>
+              <a:rPr lang="pt-PT" b="1" dirty="0" smtClean="0">
+                <a:solidFill>
+                  <a:srgbClr val="FE0000"/>
+                </a:solidFill>
+              </a:rPr>
+              <a:t>#PGGD26</a:t>
+            </a:r>
+            <a:endParaRPr lang="pt-PT" b="1" dirty="0">
+              <a:solidFill>
+                <a:srgbClr val="FE0000"/>
+              </a:solidFill>
+            </a:endParaRPr>
+          </a:p>
+        </p:txBody>
+      </p:sp>
+      <p:pic>
+        <p:nvPicPr>
+          <p:cNvPr id="16" name="Imagem 15"/>
+          <p:cNvPicPr>
+            <a:picLocks noChangeAspect="1"/>
+          </p:cNvPicPr>
+          <p:nvPr/>
+        </p:nvPicPr>
+        <p:blipFill>
+          <a:blip r:embed="rId4">
+            <a:extLst>
+              <a:ext uri="{28A0092B-C50C-407E-A947-70E740481C1C}">
+                <a14:useLocalDpi xmlns:a14="http://schemas.microsoft.com/office/drawing/2010/main" val="0"/>
+              </a:ext>
+            </a:extLst>
+          </a:blip>
+          <a:stretch>
+            <a:fillRect/>
+          </a:stretch>
+        </p:blipFill>
+        <p:spPr>
+          <a:xfrm>
+            <a:off x="153748" y="147921"/>
+            <a:ext cx="1326294" cy="891213"/>
+          </a:xfrm>
+          <a:prstGeom prst="rect">
+            <a:avLst/>
+          </a:prstGeom>
+        </p:spPr>
+      </p:pic>
+      <p:pic>
+        <p:nvPicPr>
+          <p:cNvPr id="2" name="Imagem 1"/>
+          <p:cNvPicPr>
+            <a:picLocks noChangeAspect="1"/>
+          </p:cNvPicPr>
+          <p:nvPr/>
+        </p:nvPicPr>
+        <p:blipFill>
+          <a:blip r:embed="rId5" cstate="print">
+            <a:extLst>
+              <a:ext uri="{28A0092B-C50C-407E-A947-70E740481C1C}">
+                <a14:useLocalDpi xmlns:a14="http://schemas.microsoft.com/office/drawing/2010/main" val="0"/>
+              </a:ext>
+            </a:extLst>
+          </a:blip>
+          <a:stretch>
+            <a:fillRect/>
+          </a:stretch>
+        </p:blipFill>
+        <p:spPr>
+          <a:xfrm>
+            <a:off x="1714933" y="2649958"/>
+            <a:ext cx="2132490" cy="1285766"/>
+          </a:xfrm>
+          <a:prstGeom prst="rect">
+            <a:avLst/>
+          </a:prstGeom>
+        </p:spPr>
+      </p:pic>
+      <p:sp>
+        <p:nvSpPr>
+          <p:cNvPr id="52" name="Oval 51"/>
+          <p:cNvSpPr/>
+          <p:nvPr/>
+        </p:nvSpPr>
+        <p:spPr>
+          <a:xfrm>
+            <a:off x="3487586" y="2986574"/>
+            <a:ext cx="129473" cy="129473"/>
+          </a:xfrm>
+          <a:prstGeom prst="ellipse">
+            <a:avLst/>
+          </a:prstGeom>
+        </p:spPr>
+        <p:style>
+          <a:lnRef idx="2">
+            <a:schemeClr val="accent5">
+              <a:shade val="50000"/>
+            </a:schemeClr>
+          </a:lnRef>
+          <a:fillRef idx="1">
+            <a:schemeClr val="accent5"/>
+          </a:fillRef>
+          <a:effectRef idx="0">
+            <a:schemeClr val="accent5"/>
+          </a:effectRef>
+          <a:fontRef idx="minor">
+            <a:schemeClr val="lt1"/>
+          </a:fontRef>
+        </p:style>
+        <p:txBody>
+          <a:bodyPr rtlCol="0" anchor="ctr"/>
+          <a:lstStyle/>
+          <a:p>
+            <a:pPr algn="ctr"/>
+            <a:endParaRPr lang="pt-PT"/>
+          </a:p>
+        </p:txBody>
+      </p:sp>
+    </p:spTree>
+    <p:extLst>
+      <p:ext uri="{BB962C8B-B14F-4D97-AF65-F5344CB8AC3E}">
+        <p14:creationId xmlns:p14="http://schemas.microsoft.com/office/powerpoint/2010/main" val="559912168"/>
+      </p:ext>
+    </p:extLst>
+  </p:cSld>
+  <p:clrMapOvr>
+    <a:masterClrMapping/>
+  </p:clrMapOvr>
+  <p:timing>
+    <p:tnLst>
+      <p:par>
+        <p:cTn id="1" dur="indefinite" restart="never" nodeType="tmRoot">
+          <p:childTnLst>
+            <p:seq concurrent="1" nextAc="seek">
+              <p:cTn id="2" dur="indefinite" nodeType="mainSeq">
+                <p:childTnLst>
+                  <p:par>
+                    <p:cTn id="3" fill="hold">
+                      <p:stCondLst>
+                        <p:cond delay="indefinite"/>
+                      </p:stCondLst>
+                      <p:childTnLst>
+                        <p:par>
+                          <p:cTn id="4" fill="hold">
+                            <p:stCondLst>
+                              <p:cond delay="0"/>
+                            </p:stCondLst>
+                            <p:childTnLst>
+                              <p:par>
+                                <p:cTn id="5" presetID="10" presetClass="entr" presetSubtype="0" fill="hold" grpId="4" nodeType="clickEffect">
+                                  <p:stCondLst>
+                                    <p:cond delay="0"/>
+                                  </p:stCondLst>
+                                  <p:childTnLst>
+                                    <p:set>
+                                      <p:cBhvr>
+                                        <p:cTn id="6" dur="1" fill="hold">
+                                          <p:stCondLst>
+                                            <p:cond delay="0"/>
+                                          </p:stCondLst>
+                                        </p:cTn>
+                                        <p:tgtEl>
+                                          <p:spTgt spid="52"/>
+                                        </p:tgtEl>
+                                        <p:attrNameLst>
+                                          <p:attrName>style.visibility</p:attrName>
+                                        </p:attrNameLst>
+                                      </p:cBhvr>
+                                      <p:to>
+                                        <p:strVal val="visible"/>
+                                      </p:to>
+                                    </p:set>
+                                    <p:animEffect transition="in" filter="fade">
+                                      <p:cBhvr>
+                                        <p:cTn id="7" dur="500"/>
+                                        <p:tgtEl>
+                                          <p:spTgt spid="52"/>
+                                        </p:tgtEl>
+                                      </p:cBhvr>
+                                    </p:animEffect>
+                                  </p:childTnLst>
+                                </p:cTn>
+                              </p:par>
+                            </p:childTnLst>
+                          </p:cTn>
+                        </p:par>
+                        <p:par>
+                          <p:cTn id="8" fill="hold">
+                            <p:stCondLst>
+                              <p:cond delay="500"/>
+                            </p:stCondLst>
+                            <p:childTnLst>
+                              <p:par>
+                                <p:cTn id="9" presetID="42" presetClass="path" presetSubtype="0" accel="50000" decel="50000" fill="hold" grpId="0" nodeType="afterEffect">
+                                  <p:stCondLst>
+                                    <p:cond delay="0"/>
+                                  </p:stCondLst>
+                                  <p:childTnLst>
+                                    <p:animMotion origin="layout" path="M 0.00533 0.00208 L 0.2582 -0.00579 " pathEditMode="relative" rAng="0" ptsTypes="AA">
+                                      <p:cBhvr>
+                                        <p:cTn id="10" dur="2000" fill="hold"/>
+                                        <p:tgtEl>
+                                          <p:spTgt spid="52"/>
+                                        </p:tgtEl>
+                                        <p:attrNameLst>
+                                          <p:attrName>ppt_x</p:attrName>
+                                          <p:attrName>ppt_y</p:attrName>
+                                        </p:attrNameLst>
+                                      </p:cBhvr>
+                                      <p:rCtr x="12643" y="-394"/>
+                                    </p:animMotion>
+                                  </p:childTnLst>
+                                </p:cTn>
+                              </p:par>
+                            </p:childTnLst>
+                          </p:cTn>
+                        </p:par>
+                      </p:childTnLst>
+                    </p:cTn>
+                  </p:par>
+                  <p:par>
+                    <p:cTn id="11" fill="hold">
+                      <p:stCondLst>
+                        <p:cond delay="indefinite"/>
+                      </p:stCondLst>
+                      <p:childTnLst>
+                        <p:par>
+                          <p:cTn id="12" fill="hold">
+                            <p:stCondLst>
+                              <p:cond delay="0"/>
+                            </p:stCondLst>
+                            <p:childTnLst>
+                              <p:par>
+                                <p:cTn id="13" presetID="1" presetClass="path" presetSubtype="0" accel="50000" decel="50000" fill="hold" grpId="1" nodeType="clickEffect">
+                                  <p:stCondLst>
+                                    <p:cond delay="0"/>
+                                  </p:stCondLst>
+                                  <p:childTnLst>
+                                    <p:animMotion origin="layout" path="M 0.26914 -0.00579 C 0.27825 -0.00718 0.28645 0.00856 0.28737 0.02963 C 0.28815 0.05023 0.28125 0.06852 0.272 0.06944 C 0.26289 0.0706 0.25481 0.0544 0.2539 0.03379 C 0.25312 0.01273 0.25989 -0.00486 0.26914 -0.00579 Z " pathEditMode="relative" rAng="21360000" ptsTypes="AAAAA">
+                                      <p:cBhvr>
+                                        <p:cTn id="14" dur="2000" fill="hold"/>
+                                        <p:tgtEl>
+                                          <p:spTgt spid="52"/>
+                                        </p:tgtEl>
+                                        <p:attrNameLst>
+                                          <p:attrName>ppt_x</p:attrName>
+                                          <p:attrName>ppt_y</p:attrName>
+                                        </p:attrNameLst>
+                                      </p:cBhvr>
+                                      <p:rCtr x="143" y="3750"/>
+                                    </p:animMotion>
+                                  </p:childTnLst>
+                                </p:cTn>
+                              </p:par>
+                            </p:childTnLst>
+                          </p:cTn>
+                        </p:par>
+                        <p:par>
+                          <p:cTn id="15" fill="hold">
+                            <p:stCondLst>
+                              <p:cond delay="2000"/>
+                            </p:stCondLst>
+                            <p:childTnLst>
+                              <p:par>
+                                <p:cTn id="16" presetID="58" presetClass="path" presetSubtype="0" accel="50000" decel="50000" fill="hold" grpId="3" nodeType="afterEffect">
+                                  <p:stCondLst>
+                                    <p:cond delay="0"/>
+                                  </p:stCondLst>
+                                  <p:childTnLst>
+                                    <p:animMotion origin="layout" path="M 0.27239 -0.00579 L 0.28346 0.01574 C 0.28606 0.02037 0.2875 0.02708 0.2875 0.03426 C 0.2875 0.04236 0.28606 0.04884 0.28346 0.05347 L 0.27239 0.07523 " pathEditMode="relative" rAng="0" ptsTypes="AAAAA">
+                                      <p:cBhvr>
+                                        <p:cTn id="17" dur="2000" fill="hold"/>
+                                        <p:tgtEl>
+                                          <p:spTgt spid="52"/>
+                                        </p:tgtEl>
+                                        <p:attrNameLst>
+                                          <p:attrName>ppt_x</p:attrName>
+                                          <p:attrName>ppt_y</p:attrName>
+                                        </p:attrNameLst>
+                                      </p:cBhvr>
+                                      <p:rCtr x="755" y="4051"/>
+                                    </p:animMotion>
+                                  </p:childTnLst>
+                                </p:cTn>
+                              </p:par>
+                            </p:childTnLst>
+                          </p:cTn>
+                        </p:par>
+                      </p:childTnLst>
+                    </p:cTn>
+                  </p:par>
+                  <p:par>
+                    <p:cTn id="18" fill="hold">
+                      <p:stCondLst>
+                        <p:cond delay="indefinite"/>
+                      </p:stCondLst>
+                      <p:childTnLst>
+                        <p:par>
+                          <p:cTn id="19" fill="hold">
+                            <p:stCondLst>
+                              <p:cond delay="0"/>
+                            </p:stCondLst>
+                            <p:childTnLst>
+                              <p:par>
+                                <p:cTn id="20" presetID="42" presetClass="path" presetSubtype="0" accel="50000" decel="50000" fill="hold" grpId="2" nodeType="clickEffect">
+                                  <p:stCondLst>
+                                    <p:cond delay="0"/>
+                                  </p:stCondLst>
+                                  <p:childTnLst>
+                                    <p:animMotion origin="layout" path="M 0.26054 0.06967 L 0.00612 0.0618 " pathEditMode="relative" rAng="0" ptsTypes="AA">
+                                      <p:cBhvr>
+                                        <p:cTn id="21" dur="2000" fill="hold"/>
+                                        <p:tgtEl>
+                                          <p:spTgt spid="52"/>
+                                        </p:tgtEl>
+                                        <p:attrNameLst>
+                                          <p:attrName>ppt_x</p:attrName>
+                                          <p:attrName>ppt_y</p:attrName>
+                                        </p:attrNameLst>
+                                      </p:cBhvr>
+                                      <p:rCtr x="-12721" y="-394"/>
+                                    </p:animMotion>
+                                  </p:childTnLst>
+                                </p:cTn>
+                              </p:par>
+                            </p:childTnLst>
+                          </p:cTn>
+                        </p:par>
+                        <p:par>
+                          <p:cTn id="22" fill="hold">
+                            <p:stCondLst>
+                              <p:cond delay="2000"/>
+                            </p:stCondLst>
+                            <p:childTnLst>
+                              <p:par>
+                                <p:cTn id="23" presetID="10" presetClass="exit" presetSubtype="0" fill="hold" grpId="5" nodeType="afterEffect">
+                                  <p:stCondLst>
+                                    <p:cond delay="0"/>
+                                  </p:stCondLst>
+                                  <p:childTnLst>
+                                    <p:animEffect transition="out" filter="fade">
+                                      <p:cBhvr>
+                                        <p:cTn id="24" dur="500"/>
+                                        <p:tgtEl>
+                                          <p:spTgt spid="52"/>
+                                        </p:tgtEl>
+                                      </p:cBhvr>
+                                    </p:animEffect>
+                                    <p:set>
+                                      <p:cBhvr>
+                                        <p:cTn id="25" dur="1" fill="hold">
+                                          <p:stCondLst>
+                                            <p:cond delay="499"/>
+                                          </p:stCondLst>
+                                        </p:cTn>
+                                        <p:tgtEl>
+                                          <p:spTgt spid="52"/>
+                                        </p:tgtEl>
+                                        <p:attrNameLst>
+                                          <p:attrName>style.visibility</p:attrName>
+                                        </p:attrNameLst>
+                                      </p:cBhvr>
+                                      <p:to>
+                                        <p:strVal val="hidden"/>
+                                      </p:to>
+                                    </p:set>
+                                  </p:childTnLst>
+                                </p:cTn>
+                              </p:par>
+                            </p:childTnLst>
+                          </p:cTn>
+                        </p:par>
+                      </p:childTnLst>
+                    </p:cTn>
+                  </p:par>
+                </p:childTnLst>
+              </p:cTn>
+              <p:prevCondLst>
+                <p:cond evt="onPrev" delay="0">
+                  <p:tgtEl>
+                    <p:sldTgt/>
+                  </p:tgtEl>
+                </p:cond>
+              </p:prevCondLst>
+              <p:nextCondLst>
+                <p:cond evt="onNext" delay="0">
+                  <p:tgtEl>
+                    <p:sldTgt/>
+                  </p:tgtEl>
+                </p:cond>
+              </p:nextCondLst>
+            </p:seq>
+          </p:childTnLst>
+        </p:cTn>
+      </p:par>
+    </p:tnLst>
+    <p:bldLst>
+      <p:bldP spid="52" grpId="0" animBg="1"/>
+      <p:bldP spid="52" grpId="1" animBg="1"/>
+      <p:bldP spid="52" grpId="2" animBg="1"/>
+      <p:bldP spid="52" grpId="3" animBg="1"/>
+      <p:bldP spid="52" grpId="4" animBg="1"/>
+      <p:bldP spid="52" grpId="5" animBg="1"/>
+    </p:bldLst>
+  </p:timing>
+</p:sld>
+</file>
+
+<file path=ppt/slides/slide11.xml><?xml version="1.0" encoding="utf-8"?>
+<p:sld xmlns:a="http://schemas.openxmlformats.org/drawingml/2006/main" xmlns:r="http://schemas.openxmlformats.org/officeDocument/2006/relationships" xmlns:p="http://schemas.openxmlformats.org/presentationml/2006/main">
+  <p:cSld>
+    <p:spTree>
+      <p:nvGrpSpPr>
+        <p:cNvPr id="1" name=""/>
+        <p:cNvGrpSpPr/>
+        <p:nvPr/>
+      </p:nvGrpSpPr>
+      <p:grpSpPr>
+        <a:xfrm>
+          <a:off x="0" y="0"/>
+          <a:ext cx="0" cy="0"/>
+          <a:chOff x="0" y="0"/>
+          <a:chExt cx="0" cy="0"/>
+        </a:xfrm>
+      </p:grpSpPr>
+      <p:sp>
+        <p:nvSpPr>
+          <p:cNvPr id="5" name="Marcador de Posição do Número do Diapositivo 4"/>
+          <p:cNvSpPr>
+            <a:spLocks noGrp="1"/>
+          </p:cNvSpPr>
+          <p:nvPr>
+            <p:ph type="sldNum" sz="quarter" idx="12"/>
+          </p:nvPr>
+        </p:nvSpPr>
+        <p:spPr>
+          <a:xfrm>
+            <a:off x="11442700" y="6356349"/>
+            <a:ext cx="749300" cy="365125"/>
+          </a:xfrm>
+        </p:spPr>
+        <p:txBody>
+          <a:bodyPr/>
+          <a:lstStyle/>
+          <a:p>
+            <a:fld id="{E466FD6C-A3C8-4AEA-B271-9B3656C67E08}" type="slidenum">
+              <a:rPr lang="pt-PT" b="1" smtClean="0">
+                <a:solidFill>
+                  <a:srgbClr val="006600"/>
+                </a:solidFill>
+              </a:rPr>
+              <a:t>11</a:t>
+            </a:fld>
+            <a:endParaRPr lang="pt-PT" b="1" dirty="0">
+              <a:solidFill>
+                <a:srgbClr val="006600"/>
+              </a:solidFill>
+            </a:endParaRPr>
+          </a:p>
+        </p:txBody>
+      </p:sp>
+      <p:sp>
+        <p:nvSpPr>
+          <p:cNvPr id="7" name="Título 1"/>
+          <p:cNvSpPr txBox="1">
+            <a:spLocks/>
+          </p:cNvSpPr>
+          <p:nvPr/>
+        </p:nvSpPr>
+        <p:spPr>
+          <a:xfrm>
             <a:off x="4173948" y="142478"/>
             <a:ext cx="3707694" cy="968134"/>
           </a:xfrm>
@@ -5597,7 +6644,7 @@
           <a:lstStyle/>
           <a:p>
             <a:r>
-              <a:rPr lang="pt-PT" dirty="0" smtClean="0">
+              <a:rPr lang="pt-PT" dirty="0" err="1" smtClean="0">
                 <a:solidFill>
                   <a:schemeClr val="tx1">
                     <a:lumMod val="65000"/>
@@ -5605,7 +6652,18 @@
                   </a:schemeClr>
                 </a:solidFill>
               </a:rPr>
-              <a:t>Requer dados</a:t>
+              <a:t>Requests</a:t>
+            </a:r>
+            <a:r>
+              <a:rPr lang="pt-PT" dirty="0" smtClean="0">
+                <a:solidFill>
+                  <a:schemeClr val="tx1">
+                    <a:lumMod val="65000"/>
+                    <a:lumOff val="35000"/>
+                  </a:schemeClr>
+                </a:solidFill>
+              </a:rPr>
+              <a:t> data</a:t>
             </a:r>
             <a:endParaRPr lang="pt-PT" dirty="0"/>
           </a:p>
@@ -5634,7 +6692,7 @@
           <a:lstStyle/>
           <a:p>
             <a:r>
-              <a:rPr lang="pt-PT" dirty="0" smtClean="0">
+              <a:rPr lang="pt-PT" dirty="0" err="1" smtClean="0">
                 <a:solidFill>
                   <a:schemeClr val="tx1">
                     <a:lumMod val="65000"/>
@@ -5642,7 +6700,18 @@
                   </a:schemeClr>
                 </a:solidFill>
               </a:rPr>
-              <a:t>Retorna dados</a:t>
+              <a:t>Returns</a:t>
+            </a:r>
+            <a:r>
+              <a:rPr lang="pt-PT" dirty="0" smtClean="0">
+                <a:solidFill>
+                  <a:schemeClr val="tx1">
+                    <a:lumMod val="65000"/>
+                    <a:lumOff val="35000"/>
+                  </a:schemeClr>
+                </a:solidFill>
+              </a:rPr>
+              <a:t> data</a:t>
             </a:r>
             <a:endParaRPr lang="pt-PT" dirty="0"/>
           </a:p>
@@ -5702,8 +6771,8 @@
         </p:nvSpPr>
         <p:spPr>
           <a:xfrm>
-            <a:off x="1565220" y="2618424"/>
-            <a:ext cx="1260151" cy="923330"/>
+            <a:off x="1181437" y="2653474"/>
+            <a:ext cx="1634089" cy="1200329"/>
           </a:xfrm>
           <a:prstGeom prst="rect">
             <a:avLst/>
@@ -5725,12 +6794,10 @@
                   </a:schemeClr>
                 </a:solidFill>
               </a:rPr>
-              <a:t>Processa e manipula </a:t>
-            </a:r>
-          </a:p>
-          <a:p>
-            <a:r>
-              <a:rPr lang="pt-PT" dirty="0" smtClean="0">
+              <a:t>DOM </a:t>
+            </a:r>
+            <a:r>
+              <a:rPr lang="pt-PT" dirty="0" err="1" smtClean="0">
                 <a:solidFill>
                   <a:schemeClr val="tx1">
                     <a:lumMod val="65000"/>
@@ -5738,9 +6805,60 @@
                   </a:schemeClr>
                 </a:solidFill>
               </a:rPr>
-              <a:t>DOM</a:t>
-            </a:r>
-            <a:endParaRPr lang="pt-PT" dirty="0"/>
+              <a:t>processing</a:t>
+            </a:r>
+            <a:r>
+              <a:rPr lang="pt-PT" dirty="0" smtClean="0">
+                <a:solidFill>
+                  <a:schemeClr val="tx1">
+                    <a:lumMod val="65000"/>
+                    <a:lumOff val="35000"/>
+                  </a:schemeClr>
+                </a:solidFill>
+              </a:rPr>
+              <a:t> </a:t>
+            </a:r>
+            <a:r>
+              <a:rPr lang="pt-PT" dirty="0" err="1" smtClean="0">
+                <a:solidFill>
+                  <a:schemeClr val="tx1">
+                    <a:lumMod val="65000"/>
+                    <a:lumOff val="35000"/>
+                  </a:schemeClr>
+                </a:solidFill>
+              </a:rPr>
+              <a:t>and</a:t>
+            </a:r>
+            <a:r>
+              <a:rPr lang="pt-PT" dirty="0" smtClean="0">
+                <a:solidFill>
+                  <a:schemeClr val="tx1">
+                    <a:lumMod val="65000"/>
+                    <a:lumOff val="35000"/>
+                  </a:schemeClr>
+                </a:solidFill>
+              </a:rPr>
+              <a:t> </a:t>
+            </a:r>
+            <a:r>
+              <a:rPr lang="pt-PT" dirty="0" err="1" smtClean="0">
+                <a:solidFill>
+                  <a:schemeClr val="tx1">
+                    <a:lumMod val="65000"/>
+                    <a:lumOff val="35000"/>
+                  </a:schemeClr>
+                </a:solidFill>
+              </a:rPr>
+              <a:t>manipulation</a:t>
+            </a:r>
+            <a:endParaRPr lang="pt-PT" dirty="0" smtClean="0">
+              <a:solidFill>
+                <a:schemeClr val="tx1">
+                  <a:lumMod val="65000"/>
+                  <a:lumOff val="35000"/>
+                </a:schemeClr>
+              </a:solidFill>
+            </a:endParaRPr>
           </a:p>
         </p:txBody>
       </p:sp>
@@ -5840,6 +6958,46 @@
           </a:prstGeom>
         </p:spPr>
       </p:pic>
+      <p:sp>
+        <p:nvSpPr>
+          <p:cNvPr id="14" name="Oval 13"/>
+          <p:cNvSpPr/>
+          <p:nvPr/>
+        </p:nvSpPr>
+        <p:spPr>
+          <a:xfrm>
+            <a:off x="5464711" y="2843052"/>
+            <a:ext cx="129473" cy="129473"/>
+          </a:xfrm>
+          <a:prstGeom prst="ellipse">
+            <a:avLst/>
+          </a:prstGeom>
+        </p:spPr>
+        <p:style>
+          <a:lnRef idx="2">
+            <a:schemeClr val="accent5">
+              <a:shade val="50000"/>
+            </a:schemeClr>
+          </a:lnRef>
+          <a:fillRef idx="1">
+            <a:schemeClr val="accent5"/>
+          </a:fillRef>
+          <a:effectRef idx="0">
+            <a:schemeClr val="accent5"/>
+          </a:effectRef>
+          <a:fontRef idx="minor">
+            <a:schemeClr val="lt1"/>
+          </a:fontRef>
+        </p:style>
+        <p:txBody>
+          <a:bodyPr rtlCol="0" anchor="ctr"/>
+          <a:lstStyle/>
+          <a:p>
+            <a:pPr algn="ctr"/>
+            <a:endParaRPr lang="pt-PT"/>
+          </a:p>
+        </p:txBody>
+      </p:sp>
     </p:spTree>
     <p:extLst>
       <p:ext uri="{BB962C8B-B14F-4D97-AF65-F5344CB8AC3E}">
@@ -5853,14 +7011,207 @@
   <p:timing>
     <p:tnLst>
       <p:par>
-        <p:cTn id="1" dur="indefinite" restart="never" nodeType="tmRoot"/>
+        <p:cTn id="1" dur="indefinite" restart="never" nodeType="tmRoot">
+          <p:childTnLst>
+            <p:seq concurrent="1" nextAc="seek">
+              <p:cTn id="2" dur="indefinite" nodeType="mainSeq">
+                <p:childTnLst>
+                  <p:par>
+                    <p:cTn id="3" fill="hold">
+                      <p:stCondLst>
+                        <p:cond delay="indefinite"/>
+                      </p:stCondLst>
+                      <p:childTnLst>
+                        <p:par>
+                          <p:cTn id="4" fill="hold">
+                            <p:stCondLst>
+                              <p:cond delay="0"/>
+                            </p:stCondLst>
+                            <p:childTnLst>
+                              <p:par>
+                                <p:cTn id="5" presetID="10" presetClass="entr" presetSubtype="0" fill="hold" grpId="4" nodeType="clickEffect">
+                                  <p:stCondLst>
+                                    <p:cond delay="0"/>
+                                  </p:stCondLst>
+                                  <p:childTnLst>
+                                    <p:set>
+                                      <p:cBhvr>
+                                        <p:cTn id="6" dur="1" fill="hold">
+                                          <p:stCondLst>
+                                            <p:cond delay="0"/>
+                                          </p:stCondLst>
+                                        </p:cTn>
+                                        <p:tgtEl>
+                                          <p:spTgt spid="14"/>
+                                        </p:tgtEl>
+                                        <p:attrNameLst>
+                                          <p:attrName>style.visibility</p:attrName>
+                                        </p:attrNameLst>
+                                      </p:cBhvr>
+                                      <p:to>
+                                        <p:strVal val="visible"/>
+                                      </p:to>
+                                    </p:set>
+                                    <p:animEffect transition="in" filter="fade">
+                                      <p:cBhvr>
+                                        <p:cTn id="7" dur="500"/>
+                                        <p:tgtEl>
+                                          <p:spTgt spid="14"/>
+                                        </p:tgtEl>
+                                      </p:cBhvr>
+                                    </p:animEffect>
+                                  </p:childTnLst>
+                                </p:cTn>
+                              </p:par>
+                            </p:childTnLst>
+                          </p:cTn>
+                        </p:par>
+                        <p:par>
+                          <p:cTn id="8" fill="hold">
+                            <p:stCondLst>
+                              <p:cond delay="500"/>
+                            </p:stCondLst>
+                            <p:childTnLst>
+                              <p:par>
+                                <p:cTn id="9" presetID="42" presetClass="path" presetSubtype="0" accel="50000" decel="50000" fill="hold" grpId="0" nodeType="afterEffect">
+                                  <p:stCondLst>
+                                    <p:cond delay="0"/>
+                                  </p:stCondLst>
+                                  <p:childTnLst>
+                                    <p:animMotion origin="layout" path="M 0.00533 0.00209 L 0.2582 -0.00578 " pathEditMode="relative" rAng="0" ptsTypes="AA">
+                                      <p:cBhvr>
+                                        <p:cTn id="10" dur="2000" fill="hold"/>
+                                        <p:tgtEl>
+                                          <p:spTgt spid="14"/>
+                                        </p:tgtEl>
+                                        <p:attrNameLst>
+                                          <p:attrName>ppt_x</p:attrName>
+                                          <p:attrName>ppt_y</p:attrName>
+                                        </p:attrNameLst>
+                                      </p:cBhvr>
+                                      <p:rCtr x="12643" y="-394"/>
+                                    </p:animMotion>
+                                  </p:childTnLst>
+                                </p:cTn>
+                              </p:par>
+                            </p:childTnLst>
+                          </p:cTn>
+                        </p:par>
+                      </p:childTnLst>
+                    </p:cTn>
+                  </p:par>
+                  <p:par>
+                    <p:cTn id="11" fill="hold">
+                      <p:stCondLst>
+                        <p:cond delay="indefinite"/>
+                      </p:stCondLst>
+                      <p:childTnLst>
+                        <p:par>
+                          <p:cTn id="12" fill="hold">
+                            <p:stCondLst>
+                              <p:cond delay="0"/>
+                            </p:stCondLst>
+                            <p:childTnLst>
+                              <p:par>
+                                <p:cTn id="13" presetID="42" presetClass="path" presetSubtype="0" accel="50000" decel="50000" fill="hold" grpId="2" nodeType="clickEffect">
+                                  <p:stCondLst>
+                                    <p:cond delay="0"/>
+                                  </p:stCondLst>
+                                  <p:childTnLst>
+                                    <p:animMotion origin="layout" path="M 0.26054 0.06968 L 0.00612 0.06181 " pathEditMode="relative" rAng="0" ptsTypes="AA">
+                                      <p:cBhvr>
+                                        <p:cTn id="14" dur="2000" fill="hold"/>
+                                        <p:tgtEl>
+                                          <p:spTgt spid="14"/>
+                                        </p:tgtEl>
+                                        <p:attrNameLst>
+                                          <p:attrName>ppt_x</p:attrName>
+                                          <p:attrName>ppt_y</p:attrName>
+                                        </p:attrNameLst>
+                                      </p:cBhvr>
+                                      <p:rCtr x="-12721" y="-394"/>
+                                    </p:animMotion>
+                                  </p:childTnLst>
+                                </p:cTn>
+                              </p:par>
+                            </p:childTnLst>
+                          </p:cTn>
+                        </p:par>
+                      </p:childTnLst>
+                    </p:cTn>
+                  </p:par>
+                  <p:par>
+                    <p:cTn id="15" fill="hold">
+                      <p:stCondLst>
+                        <p:cond delay="indefinite"/>
+                      </p:stCondLst>
+                      <p:childTnLst>
+                        <p:par>
+                          <p:cTn id="16" fill="hold">
+                            <p:stCondLst>
+                              <p:cond delay="0"/>
+                            </p:stCondLst>
+                            <p:childTnLst>
+                              <p:par>
+                                <p:cTn id="17" presetID="1" presetClass="path" presetSubtype="0" accel="50000" decel="50000" fill="hold" grpId="6" nodeType="clickEffect">
+                                  <p:stCondLst>
+                                    <p:cond delay="0"/>
+                                  </p:stCondLst>
+                                  <p:childTnLst>
+                                    <p:animMotion origin="layout" path="M 0.00612 0.0618 C 0.00612 0.09792 -0.00899 0.12754 -0.02787 0.12754 C -0.04649 0.12754 -0.06185 0.09792 -0.06185 0.0618 C -0.06185 0.02546 -0.04649 -0.00394 -0.02787 -0.00394 C -0.00899 -0.00394 0.00612 0.02546 0.00612 0.0618 Z " pathEditMode="relative" rAng="5400000" ptsTypes="AAAAA">
+                                      <p:cBhvr>
+                                        <p:cTn id="18" dur="2000" fill="hold"/>
+                                        <p:tgtEl>
+                                          <p:spTgt spid="14"/>
+                                        </p:tgtEl>
+                                        <p:attrNameLst>
+                                          <p:attrName>ppt_x</p:attrName>
+                                          <p:attrName>ppt_y</p:attrName>
+                                        </p:attrNameLst>
+                                      </p:cBhvr>
+                                      <p:rCtr x="-3398" y="0"/>
+                                    </p:animMotion>
+                                  </p:childTnLst>
+                                </p:cTn>
+                              </p:par>
+                            </p:childTnLst>
+                          </p:cTn>
+                        </p:par>
+                      </p:childTnLst>
+                    </p:cTn>
+                  </p:par>
+                </p:childTnLst>
+              </p:cTn>
+              <p:prevCondLst>
+                <p:cond evt="onPrev" delay="0">
+                  <p:tgtEl>
+                    <p:sldTgt/>
+                  </p:tgtEl>
+                </p:cond>
+              </p:prevCondLst>
+              <p:nextCondLst>
+                <p:cond evt="onNext" delay="0">
+                  <p:tgtEl>
+                    <p:sldTgt/>
+                  </p:tgtEl>
+                </p:cond>
+              </p:nextCondLst>
+            </p:seq>
+          </p:childTnLst>
+        </p:cTn>
       </p:par>
     </p:tnLst>
+    <p:bldLst>
+      <p:bldP spid="14" grpId="0" animBg="1"/>
+      <p:bldP spid="14" grpId="2" animBg="1"/>
+      <p:bldP spid="14" grpId="4" animBg="1"/>
+      <p:bldP spid="14" grpId="6" animBg="1"/>
+    </p:bldLst>
   </p:timing>
 </p:sld>
 </file>
 
-<file path=ppt/slides/slide11.xml><?xml version="1.0" encoding="utf-8"?>
+<file path=ppt/slides/slide12.xml><?xml version="1.0" encoding="utf-8"?>
 <p:sld xmlns:a="http://schemas.openxmlformats.org/drawingml/2006/main" xmlns:r="http://schemas.openxmlformats.org/officeDocument/2006/relationships" xmlns:p="http://schemas.openxmlformats.org/presentationml/2006/main">
   <p:cSld>
     <p:spTree>
@@ -5903,7 +7254,7 @@
                   <a:srgbClr val="006600"/>
                 </a:solidFill>
               </a:rPr>
-              <a:t>11</a:t>
+              <a:t>12</a:t>
             </a:fld>
             <a:endParaRPr lang="pt-PT" b="1" dirty="0">
               <a:solidFill>
@@ -6321,8 +7672,8 @@
         </p:blipFill>
         <p:spPr>
           <a:xfrm>
-            <a:off x="1731696" y="1756995"/>
-            <a:ext cx="4290886" cy="1115945"/>
+            <a:off x="1567747" y="1384714"/>
+            <a:ext cx="3618028" cy="940953"/>
           </a:xfrm>
           <a:prstGeom prst="rect">
             <a:avLst/>
@@ -6351,8 +7702,8 @@
         </p:blipFill>
         <p:spPr>
           <a:xfrm>
-            <a:off x="4944234" y="3425934"/>
-            <a:ext cx="4685288" cy="1173712"/>
+            <a:off x="5870223" y="2394840"/>
+            <a:ext cx="4200313" cy="1052221"/>
           </a:xfrm>
           <a:prstGeom prst="rect">
             <a:avLst/>
@@ -6381,8 +7732,38 @@
         </p:blipFill>
         <p:spPr>
           <a:xfrm>
-            <a:off x="1731696" y="5152640"/>
+            <a:off x="1567747" y="3724673"/>
             <a:ext cx="4138528" cy="736557"/>
+          </a:xfrm>
+          <a:prstGeom prst="rect">
+            <a:avLst/>
+          </a:prstGeom>
+        </p:spPr>
+      </p:pic>
+      <p:pic>
+        <p:nvPicPr>
+          <p:cNvPr id="7" name="Imagem 6"/>
+          <p:cNvPicPr>
+            <a:picLocks noChangeAspect="1"/>
+          </p:cNvPicPr>
+          <p:nvPr/>
+        </p:nvPicPr>
+        <p:blipFill>
+          <a:blip r:embed="rId7">
+            <a:extLst>
+              <a:ext uri="{28A0092B-C50C-407E-A947-70E740481C1C}">
+                <a14:useLocalDpi xmlns:a14="http://schemas.microsoft.com/office/drawing/2010/main" val="0"/>
+              </a:ext>
+            </a:extLst>
+          </a:blip>
+          <a:stretch>
+            <a:fillRect/>
+          </a:stretch>
+        </p:blipFill>
+        <p:spPr>
+          <a:xfrm>
+            <a:off x="6253180" y="4663132"/>
+            <a:ext cx="3714807" cy="1033955"/>
           </a:xfrm>
           <a:prstGeom prst="rect">
             <a:avLst/>
@@ -6566,6 +7947,59 @@
                       </p:childTnLst>
                     </p:cTn>
                   </p:par>
+                  <p:par>
+                    <p:cTn id="18" fill="hold">
+                      <p:stCondLst>
+                        <p:cond delay="indefinite"/>
+                      </p:stCondLst>
+                      <p:childTnLst>
+                        <p:par>
+                          <p:cTn id="19" fill="hold">
+                            <p:stCondLst>
+                              <p:cond delay="0"/>
+                            </p:stCondLst>
+                            <p:childTnLst>
+                              <p:par>
+                                <p:cTn id="20" presetID="10" presetClass="entr" presetSubtype="0" fill="hold" nodeType="clickEffect">
+                                  <p:stCondLst>
+                                    <p:cond delay="0"/>
+                                  </p:stCondLst>
+                                  <p:childTnLst>
+                                    <p:set>
+                                      <p:cBhvr>
+                                        <p:cTn id="21" dur="1" fill="hold">
+                                          <p:stCondLst>
+                                            <p:cond delay="0"/>
+                                          </p:stCondLst>
+                                        </p:cTn>
+                                        <p:tgtEl>
+                                          <p:spTgt spid="7"/>
+                                        </p:tgtEl>
+                                        <p:attrNameLst>
+                                          <p:attrName>style.visibility</p:attrName>
+                                        </p:attrNameLst>
+                                      </p:cBhvr>
+                                      <p:to>
+                                        <p:strVal val="visible"/>
+                                      </p:to>
+                                    </p:set>
+                                    <p:animEffect transition="in" filter="fade">
+                                      <p:cBhvr>
+                                        <p:cTn id="22" dur="500"/>
+                                        <p:tgtEl>
+                                          <p:spTgt spid="7"/>
+                                        </p:tgtEl>
+                                      </p:cBhvr>
+                                    </p:animEffect>
+                                  </p:childTnLst>
+                                </p:cTn>
+                              </p:par>
+                            </p:childTnLst>
+                          </p:cTn>
+                        </p:par>
+                      </p:childTnLst>
+                    </p:cTn>
+                  </p:par>
                 </p:childTnLst>
               </p:cTn>
               <p:prevCondLst>
@@ -6591,7 +8025,7 @@
 </p:sld>
 </file>
 
-<file path=ppt/slides/slide12.xml><?xml version="1.0" encoding="utf-8"?>
+<file path=ppt/slides/slide13.xml><?xml version="1.0" encoding="utf-8"?>
 <p:sld xmlns:a="http://schemas.openxmlformats.org/drawingml/2006/main" xmlns:r="http://schemas.openxmlformats.org/officeDocument/2006/relationships" xmlns:p="http://schemas.openxmlformats.org/presentationml/2006/main">
   <p:cSld>
     <p:spTree>
@@ -6634,7 +8068,7 @@
                   <a:srgbClr val="006600"/>
                 </a:solidFill>
               </a:rPr>
-              <a:t>12</a:t>
+              <a:t>13</a:t>
             </a:fld>
             <a:endParaRPr lang="pt-PT" b="1" dirty="0">
               <a:solidFill>
@@ -6698,7 +8132,7 @@
                   <a:srgbClr val="006600"/>
                 </a:solidFill>
               </a:rPr>
-              <a:t>Samples of SPA</a:t>
+              <a:t>SPA Samples</a:t>
             </a:r>
             <a:endParaRPr lang="pt-PT" sz="6000" dirty="0">
               <a:solidFill>
@@ -7598,7 +9032,7 @@
 </p:sld>
 </file>
 
-<file path=ppt/slides/slide13.xml><?xml version="1.0" encoding="utf-8"?>
+<file path=ppt/slides/slide14.xml><?xml version="1.0" encoding="utf-8"?>
 <p:sld xmlns:a="http://schemas.openxmlformats.org/drawingml/2006/main" xmlns:r="http://schemas.openxmlformats.org/officeDocument/2006/relationships" xmlns:p="http://schemas.openxmlformats.org/presentationml/2006/main">
   <p:cSld>
     <p:spTree>
@@ -7641,7 +9075,7 @@
                   <a:srgbClr val="006600"/>
                 </a:solidFill>
               </a:rPr>
-              <a:t>13</a:t>
+              <a:t>14</a:t>
             </a:fld>
             <a:endParaRPr lang="pt-PT" b="1" dirty="0">
               <a:solidFill>
@@ -8092,652 +9526,6 @@
     <p:extLst>
       <p:ext uri="{BB962C8B-B14F-4D97-AF65-F5344CB8AC3E}">
         <p14:creationId xmlns:p14="http://schemas.microsoft.com/office/powerpoint/2010/main" val="3151458836"/>
-      </p:ext>
-    </p:extLst>
-  </p:cSld>
-  <p:clrMapOvr>
-    <a:masterClrMapping/>
-  </p:clrMapOvr>
-  <p:timing>
-    <p:tnLst>
-      <p:par>
-        <p:cTn id="1" dur="indefinite" restart="never" nodeType="tmRoot"/>
-      </p:par>
-    </p:tnLst>
-  </p:timing>
-</p:sld>
-</file>
-
-<file path=ppt/slides/slide14.xml><?xml version="1.0" encoding="utf-8"?>
-<p:sld xmlns:a="http://schemas.openxmlformats.org/drawingml/2006/main" xmlns:r="http://schemas.openxmlformats.org/officeDocument/2006/relationships" xmlns:p="http://schemas.openxmlformats.org/presentationml/2006/main">
-  <p:cSld>
-    <p:spTree>
-      <p:nvGrpSpPr>
-        <p:cNvPr id="1" name=""/>
-        <p:cNvGrpSpPr/>
-        <p:nvPr/>
-      </p:nvGrpSpPr>
-      <p:grpSpPr>
-        <a:xfrm>
-          <a:off x="0" y="0"/>
-          <a:ext cx="0" cy="0"/>
-          <a:chOff x="0" y="0"/>
-          <a:chExt cx="0" cy="0"/>
-        </a:xfrm>
-      </p:grpSpPr>
-      <p:sp>
-        <p:nvSpPr>
-          <p:cNvPr id="5" name="Marcador de Posição do Número do Diapositivo 4"/>
-          <p:cNvSpPr>
-            <a:spLocks noGrp="1"/>
-          </p:cNvSpPr>
-          <p:nvPr>
-            <p:ph type="sldNum" sz="quarter" idx="12"/>
-          </p:nvPr>
-        </p:nvSpPr>
-        <p:spPr>
-          <a:xfrm>
-            <a:off x="11442700" y="6356349"/>
-            <a:ext cx="749300" cy="365125"/>
-          </a:xfrm>
-        </p:spPr>
-        <p:txBody>
-          <a:bodyPr/>
-          <a:lstStyle/>
-          <a:p>
-            <a:fld id="{E466FD6C-A3C8-4AEA-B271-9B3656C67E08}" type="slidenum">
-              <a:rPr lang="pt-PT" b="1" smtClean="0">
-                <a:solidFill>
-                  <a:srgbClr val="006600"/>
-                </a:solidFill>
-              </a:rPr>
-              <a:t>14</a:t>
-            </a:fld>
-            <a:endParaRPr lang="pt-PT" b="1" dirty="0">
-              <a:solidFill>
-                <a:srgbClr val="006600"/>
-              </a:solidFill>
-            </a:endParaRPr>
-          </a:p>
-        </p:txBody>
-      </p:sp>
-      <p:sp>
-        <p:nvSpPr>
-          <p:cNvPr id="7" name="Título 1"/>
-          <p:cNvSpPr txBox="1">
-            <a:spLocks/>
-          </p:cNvSpPr>
-          <p:nvPr/>
-        </p:nvSpPr>
-        <p:spPr>
-          <a:xfrm>
-            <a:off x="3721719" y="147921"/>
-            <a:ext cx="4281120" cy="968134"/>
-          </a:xfrm>
-          <a:prstGeom prst="rect">
-            <a:avLst/>
-          </a:prstGeom>
-        </p:spPr>
-        <p:txBody>
-          <a:bodyPr vert="horz" lIns="91440" tIns="45720" rIns="91440" bIns="45720" rtlCol="0" anchor="b">
-            <a:noAutofit/>
-          </a:bodyPr>
-          <a:lstStyle>
-            <a:lvl1pPr algn="ctr" defTabSz="914400" rtl="0" eaLnBrk="1" latinLnBrk="0" hangingPunct="1">
-              <a:lnSpc>
-                <a:spcPts val="5800"/>
-              </a:lnSpc>
-              <a:spcBef>
-                <a:spcPct val="0"/>
-              </a:spcBef>
-              <a:buNone/>
-              <a:defRPr sz="5400" kern="1200">
-                <a:solidFill>
-                  <a:schemeClr val="tx2"/>
-                </a:solidFill>
-                <a:effectLst>
-                  <a:outerShdw blurRad="63500" dist="38100" dir="5400000" algn="t" rotWithShape="0">
-                    <a:prstClr val="black">
-                      <a:alpha val="25000"/>
-                    </a:prstClr>
-                  </a:outerShdw>
-                </a:effectLst>
-                <a:latin typeface="+mn-lt"/>
-                <a:ea typeface="+mj-ea"/>
-                <a:cs typeface="+mj-cs"/>
-              </a:defRPr>
-            </a:lvl1pPr>
-          </a:lstStyle>
-          <a:p>
-            <a:r>
-              <a:rPr lang="pt-PT" sz="6000" dirty="0" smtClean="0">
-                <a:solidFill>
-                  <a:srgbClr val="006600"/>
-                </a:solidFill>
-              </a:rPr>
-              <a:t>Referências</a:t>
-            </a:r>
-            <a:endParaRPr lang="pt-PT" sz="6000" dirty="0">
-              <a:solidFill>
-                <a:srgbClr val="006600"/>
-              </a:solidFill>
-            </a:endParaRPr>
-          </a:p>
-        </p:txBody>
-      </p:sp>
-      <p:sp>
-        <p:nvSpPr>
-          <p:cNvPr id="17" name="Subtítulo 2"/>
-          <p:cNvSpPr txBox="1">
-            <a:spLocks/>
-          </p:cNvSpPr>
-          <p:nvPr/>
-        </p:nvSpPr>
-        <p:spPr>
-          <a:xfrm>
-            <a:off x="3989373" y="1545579"/>
-            <a:ext cx="3738520" cy="679731"/>
-          </a:xfrm>
-          <a:prstGeom prst="rect">
-            <a:avLst/>
-          </a:prstGeom>
-        </p:spPr>
-        <p:txBody>
-          <a:bodyPr vert="horz" lIns="91440" tIns="45720" rIns="91440" bIns="45720" rtlCol="0">
-            <a:normAutofit/>
-          </a:bodyPr>
-          <a:lstStyle>
-            <a:lvl1pPr marL="342900" indent="-342900" algn="l" defTabSz="914400" rtl="0" eaLnBrk="1" latinLnBrk="0" hangingPunct="1">
-              <a:spcBef>
-                <a:spcPct val="20000"/>
-              </a:spcBef>
-              <a:buFont typeface="Arial" pitchFamily="34" charset="0"/>
-              <a:buChar char="•"/>
-              <a:defRPr sz="2400" kern="1200">
-                <a:solidFill>
-                  <a:schemeClr val="tx1">
-                    <a:lumMod val="50000"/>
-                    <a:lumOff val="50000"/>
-                  </a:schemeClr>
-                </a:solidFill>
-                <a:latin typeface="+mj-lt"/>
-                <a:ea typeface="+mn-ea"/>
-                <a:cs typeface="+mn-cs"/>
-              </a:defRPr>
-            </a:lvl1pPr>
-            <a:lvl2pPr marL="742950" indent="-285750" algn="l" defTabSz="914400" rtl="0" eaLnBrk="1" latinLnBrk="0" hangingPunct="1">
-              <a:spcBef>
-                <a:spcPct val="20000"/>
-              </a:spcBef>
-              <a:buFont typeface="Courier New" pitchFamily="49" charset="0"/>
-              <a:buChar char="o"/>
-              <a:defRPr sz="1600" kern="1200">
-                <a:solidFill>
-                  <a:schemeClr val="tx1">
-                    <a:lumMod val="50000"/>
-                    <a:lumOff val="50000"/>
-                  </a:schemeClr>
-                </a:solidFill>
-                <a:latin typeface="+mj-lt"/>
-                <a:ea typeface="+mn-ea"/>
-                <a:cs typeface="+mn-cs"/>
-              </a:defRPr>
-            </a:lvl2pPr>
-            <a:lvl3pPr marL="1143000" indent="-228600" algn="l" defTabSz="914400" rtl="0" eaLnBrk="1" latinLnBrk="0" hangingPunct="1">
-              <a:spcBef>
-                <a:spcPct val="20000"/>
-              </a:spcBef>
-              <a:buFont typeface="Arial" pitchFamily="34" charset="0"/>
-              <a:buChar char="•"/>
-              <a:defRPr sz="1600" kern="1200">
-                <a:solidFill>
-                  <a:schemeClr val="tx1">
-                    <a:lumMod val="50000"/>
-                    <a:lumOff val="50000"/>
-                  </a:schemeClr>
-                </a:solidFill>
-                <a:latin typeface="+mj-lt"/>
-                <a:ea typeface="+mn-ea"/>
-                <a:cs typeface="+mn-cs"/>
-              </a:defRPr>
-            </a:lvl3pPr>
-            <a:lvl4pPr marL="1600200" indent="-228600" algn="l" defTabSz="914400" rtl="0" eaLnBrk="1" latinLnBrk="0" hangingPunct="1">
-              <a:spcBef>
-                <a:spcPct val="20000"/>
-              </a:spcBef>
-              <a:buFont typeface="Courier New" pitchFamily="49" charset="0"/>
-              <a:buChar char="o"/>
-              <a:defRPr sz="1600" kern="1200">
-                <a:solidFill>
-                  <a:schemeClr val="tx1">
-                    <a:lumMod val="50000"/>
-                    <a:lumOff val="50000"/>
-                  </a:schemeClr>
-                </a:solidFill>
-                <a:latin typeface="+mj-lt"/>
-                <a:ea typeface="+mn-ea"/>
-                <a:cs typeface="+mn-cs"/>
-              </a:defRPr>
-            </a:lvl4pPr>
-            <a:lvl5pPr marL="2057400" indent="-228600" algn="l" defTabSz="914400" rtl="0" eaLnBrk="1" latinLnBrk="0" hangingPunct="1">
-              <a:spcBef>
-                <a:spcPct val="20000"/>
-              </a:spcBef>
-              <a:buFont typeface="Arial" pitchFamily="34" charset="0"/>
-              <a:buChar char="•"/>
-              <a:defRPr sz="1600" kern="1200">
-                <a:solidFill>
-                  <a:schemeClr val="tx1">
-                    <a:lumMod val="50000"/>
-                    <a:lumOff val="50000"/>
-                  </a:schemeClr>
-                </a:solidFill>
-                <a:latin typeface="+mj-lt"/>
-                <a:ea typeface="+mn-ea"/>
-                <a:cs typeface="+mn-cs"/>
-              </a:defRPr>
-            </a:lvl5pPr>
-            <a:lvl6pPr marL="2514600" indent="-228600" algn="l" defTabSz="914400" rtl="0" eaLnBrk="1" latinLnBrk="0" hangingPunct="1">
-              <a:spcBef>
-                <a:spcPct val="20000"/>
-              </a:spcBef>
-              <a:buFont typeface="Courier New" pitchFamily="49" charset="0"/>
-              <a:buChar char="o"/>
-              <a:defRPr sz="1600" kern="1200">
-                <a:solidFill>
-                  <a:schemeClr val="tx1">
-                    <a:lumMod val="50000"/>
-                    <a:lumOff val="50000"/>
-                  </a:schemeClr>
-                </a:solidFill>
-                <a:latin typeface="+mj-lt"/>
-                <a:ea typeface="+mn-ea"/>
-                <a:cs typeface="+mn-cs"/>
-              </a:defRPr>
-            </a:lvl6pPr>
-            <a:lvl7pPr marL="2971800" indent="-228600" algn="l" defTabSz="914400" rtl="0" eaLnBrk="1" latinLnBrk="0" hangingPunct="1">
-              <a:spcBef>
-                <a:spcPct val="20000"/>
-              </a:spcBef>
-              <a:buFont typeface="Arial" pitchFamily="34" charset="0"/>
-              <a:buChar char="•"/>
-              <a:defRPr sz="1600" kern="1200">
-                <a:solidFill>
-                  <a:schemeClr val="tx1">
-                    <a:lumMod val="50000"/>
-                    <a:lumOff val="50000"/>
-                  </a:schemeClr>
-                </a:solidFill>
-                <a:latin typeface="+mj-lt"/>
-                <a:ea typeface="+mn-ea"/>
-                <a:cs typeface="+mn-cs"/>
-              </a:defRPr>
-            </a:lvl7pPr>
-            <a:lvl8pPr marL="3429000" indent="-228600" algn="l" defTabSz="914400" rtl="0" eaLnBrk="1" latinLnBrk="0" hangingPunct="1">
-              <a:spcBef>
-                <a:spcPct val="20000"/>
-              </a:spcBef>
-              <a:buFont typeface="Courier New" pitchFamily="49" charset="0"/>
-              <a:buChar char="o"/>
-              <a:defRPr sz="1600" kern="1200">
-                <a:solidFill>
-                  <a:schemeClr val="tx1">
-                    <a:lumMod val="50000"/>
-                    <a:lumOff val="50000"/>
-                  </a:schemeClr>
-                </a:solidFill>
-                <a:latin typeface="+mj-lt"/>
-                <a:ea typeface="+mn-ea"/>
-                <a:cs typeface="+mn-cs"/>
-              </a:defRPr>
-            </a:lvl8pPr>
-            <a:lvl9pPr marL="3886200" indent="-228600" algn="l" defTabSz="914400" rtl="0" eaLnBrk="1" latinLnBrk="0" hangingPunct="1">
-              <a:spcBef>
-                <a:spcPct val="20000"/>
-              </a:spcBef>
-              <a:buFont typeface="Arial" pitchFamily="34" charset="0"/>
-              <a:buChar char="•"/>
-              <a:defRPr sz="1600" kern="1200">
-                <a:solidFill>
-                  <a:schemeClr val="tx1">
-                    <a:lumMod val="50000"/>
-                    <a:lumOff val="50000"/>
-                  </a:schemeClr>
-                </a:solidFill>
-                <a:latin typeface="+mj-lt"/>
-                <a:ea typeface="+mn-ea"/>
-                <a:cs typeface="+mn-cs"/>
-              </a:defRPr>
-            </a:lvl9pPr>
-          </a:lstStyle>
-          <a:p>
-            <a:pPr marL="0" indent="0">
-              <a:buNone/>
-            </a:pPr>
-            <a:endParaRPr lang="pt-PT" dirty="0">
-              <a:solidFill>
-                <a:schemeClr val="tx1">
-                  <a:lumMod val="65000"/>
-                  <a:lumOff val="35000"/>
-                </a:schemeClr>
-              </a:solidFill>
-            </a:endParaRPr>
-          </a:p>
-        </p:txBody>
-      </p:sp>
-      <p:sp>
-        <p:nvSpPr>
-          <p:cNvPr id="8" name="Título 1"/>
-          <p:cNvSpPr txBox="1">
-            <a:spLocks/>
-          </p:cNvSpPr>
-          <p:nvPr/>
-        </p:nvSpPr>
-        <p:spPr>
-          <a:xfrm>
-            <a:off x="1319002" y="917310"/>
-            <a:ext cx="8925515" cy="968134"/>
-          </a:xfrm>
-          <a:prstGeom prst="rect">
-            <a:avLst/>
-          </a:prstGeom>
-        </p:spPr>
-        <p:txBody>
-          <a:bodyPr vert="horz" lIns="91440" tIns="45720" rIns="91440" bIns="45720" rtlCol="0" anchor="b">
-            <a:noAutofit/>
-          </a:bodyPr>
-          <a:lstStyle>
-            <a:lvl1pPr algn="ctr" defTabSz="914400" rtl="0" eaLnBrk="1" latinLnBrk="0" hangingPunct="1">
-              <a:lnSpc>
-                <a:spcPts val="5800"/>
-              </a:lnSpc>
-              <a:spcBef>
-                <a:spcPct val="0"/>
-              </a:spcBef>
-              <a:buNone/>
-              <a:defRPr sz="5400" kern="1200">
-                <a:solidFill>
-                  <a:schemeClr val="tx2"/>
-                </a:solidFill>
-                <a:effectLst>
-                  <a:outerShdw blurRad="63500" dist="38100" dir="5400000" algn="t" rotWithShape="0">
-                    <a:prstClr val="black">
-                      <a:alpha val="25000"/>
-                    </a:prstClr>
-                  </a:outerShdw>
-                </a:effectLst>
-                <a:latin typeface="+mn-lt"/>
-                <a:ea typeface="+mj-ea"/>
-                <a:cs typeface="+mj-cs"/>
-              </a:defRPr>
-            </a:lvl1pPr>
-          </a:lstStyle>
-          <a:p>
-            <a:endParaRPr lang="pt-PT" sz="4400" dirty="0">
-              <a:solidFill>
-                <a:srgbClr val="006600"/>
-              </a:solidFill>
-            </a:endParaRPr>
-          </a:p>
-        </p:txBody>
-      </p:sp>
-      <p:sp>
-        <p:nvSpPr>
-          <p:cNvPr id="9" name="Marcador de Posição do Rodapé 3"/>
-          <p:cNvSpPr>
-            <a:spLocks noGrp="1"/>
-          </p:cNvSpPr>
-          <p:nvPr>
-            <p:ph type="ftr" sz="quarter" idx="11"/>
-          </p:nvPr>
-        </p:nvSpPr>
-        <p:spPr>
-          <a:xfrm>
-            <a:off x="11026318" y="97822"/>
-            <a:ext cx="999947" cy="365125"/>
-          </a:xfrm>
-        </p:spPr>
-        <p:txBody>
-          <a:bodyPr/>
-          <a:lstStyle/>
-          <a:p>
-            <a:r>
-              <a:rPr lang="pt-PT" b="1" dirty="0" smtClean="0">
-                <a:solidFill>
-                  <a:srgbClr val="FE0000"/>
-                </a:solidFill>
-              </a:rPr>
-              <a:t>#PGGD26</a:t>
-            </a:r>
-            <a:endParaRPr lang="pt-PT" b="1" dirty="0">
-              <a:solidFill>
-                <a:srgbClr val="FE0000"/>
-              </a:solidFill>
-            </a:endParaRPr>
-          </a:p>
-        </p:txBody>
-      </p:sp>
-      <p:pic>
-        <p:nvPicPr>
-          <p:cNvPr id="10" name="Imagem 9"/>
-          <p:cNvPicPr>
-            <a:picLocks noChangeAspect="1"/>
-          </p:cNvPicPr>
-          <p:nvPr/>
-        </p:nvPicPr>
-        <p:blipFill>
-          <a:blip r:embed="rId3">
-            <a:extLst>
-              <a:ext uri="{28A0092B-C50C-407E-A947-70E740481C1C}">
-                <a14:useLocalDpi xmlns:a14="http://schemas.microsoft.com/office/drawing/2010/main" val="0"/>
-              </a:ext>
-            </a:extLst>
-          </a:blip>
-          <a:stretch>
-            <a:fillRect/>
-          </a:stretch>
-        </p:blipFill>
-        <p:spPr>
-          <a:xfrm>
-            <a:off x="153748" y="147921"/>
-            <a:ext cx="1326294" cy="891213"/>
-          </a:xfrm>
-          <a:prstGeom prst="rect">
-            <a:avLst/>
-          </a:prstGeom>
-        </p:spPr>
-      </p:pic>
-      <p:sp>
-        <p:nvSpPr>
-          <p:cNvPr id="2" name="CaixaDeTexto 1"/>
-          <p:cNvSpPr txBox="1"/>
-          <p:nvPr/>
-        </p:nvSpPr>
-        <p:spPr>
-          <a:xfrm>
-            <a:off x="1233987" y="2225310"/>
-            <a:ext cx="10208713" cy="3693319"/>
-          </a:xfrm>
-          <a:prstGeom prst="rect">
-            <a:avLst/>
-          </a:prstGeom>
-          <a:noFill/>
-        </p:spPr>
-        <p:txBody>
-          <a:bodyPr wrap="square" rtlCol="0">
-            <a:spAutoFit/>
-          </a:bodyPr>
-          <a:lstStyle/>
-          <a:p>
-            <a:pPr marL="285750" indent="-285750">
-              <a:buFont typeface="Arial" panose="020B0604020202020204" pitchFamily="34" charset="0"/>
-              <a:buChar char="•"/>
-            </a:pPr>
-            <a:r>
-              <a:rPr lang="pt-PT" dirty="0" smtClean="0"/>
-              <a:t>Angular VS Knockout </a:t>
-            </a:r>
-            <a:r>
-              <a:rPr lang="pt-PT" dirty="0">
-                <a:hlinkClick r:id="rId4"/>
-              </a:rPr>
-              <a:t>http://</a:t>
-            </a:r>
-            <a:r>
-              <a:rPr lang="pt-PT" dirty="0" smtClean="0">
-                <a:hlinkClick r:id="rId4"/>
-              </a:rPr>
-              <a:t>blog.scottlogic.com/2014/07/30/spa-angular-knockout.html [2014</a:t>
-            </a:r>
-            <a:r>
-              <a:rPr lang="pt-PT" dirty="0" smtClean="0"/>
-              <a:t>]</a:t>
-            </a:r>
-          </a:p>
-          <a:p>
-            <a:endParaRPr lang="pt-PT" dirty="0" smtClean="0"/>
-          </a:p>
-          <a:p>
-            <a:pPr marL="285750" indent="-285750">
-              <a:buFont typeface="Arial" panose="020B0604020202020204" pitchFamily="34" charset="0"/>
-              <a:buChar char="•"/>
-            </a:pPr>
-            <a:r>
-              <a:rPr lang="pt-PT" dirty="0"/>
-              <a:t>Angular </a:t>
-            </a:r>
-            <a:r>
-              <a:rPr lang="pt-PT" dirty="0">
-                <a:hlinkClick r:id="rId5"/>
-              </a:rPr>
-              <a:t>https://angularjs.org</a:t>
-            </a:r>
-            <a:r>
-              <a:rPr lang="pt-PT" dirty="0" smtClean="0">
-                <a:hlinkClick r:id="rId5"/>
-              </a:rPr>
-              <a:t>/</a:t>
-            </a:r>
-            <a:endParaRPr lang="pt-PT" dirty="0" smtClean="0"/>
-          </a:p>
-          <a:p>
-            <a:endParaRPr lang="pt-PT" dirty="0" smtClean="0"/>
-          </a:p>
-          <a:p>
-            <a:pPr marL="285750" indent="-285750">
-              <a:buFont typeface="Arial" panose="020B0604020202020204" pitchFamily="34" charset="0"/>
-              <a:buChar char="•"/>
-            </a:pPr>
-            <a:r>
-              <a:rPr lang="pt-PT" dirty="0"/>
-              <a:t>Knockout.js </a:t>
-            </a:r>
-            <a:r>
-              <a:rPr lang="pt-PT" dirty="0">
-                <a:hlinkClick r:id="rId6"/>
-              </a:rPr>
-              <a:t>http://knockoutjs.com</a:t>
-            </a:r>
-            <a:r>
-              <a:rPr lang="pt-PT" dirty="0" smtClean="0">
-                <a:hlinkClick r:id="rId6"/>
-              </a:rPr>
-              <a:t>/</a:t>
-            </a:r>
-            <a:endParaRPr lang="pt-PT" dirty="0" smtClean="0"/>
-          </a:p>
-          <a:p>
-            <a:pPr marL="285750" indent="-285750">
-              <a:buFont typeface="Arial" panose="020B0604020202020204" pitchFamily="34" charset="0"/>
-              <a:buChar char="•"/>
-            </a:pPr>
-            <a:endParaRPr lang="pt-PT" dirty="0"/>
-          </a:p>
-          <a:p>
-            <a:pPr marL="285750" indent="-285750">
-              <a:buFont typeface="Arial" panose="020B0604020202020204" pitchFamily="34" charset="0"/>
-              <a:buChar char="•"/>
-            </a:pPr>
-            <a:r>
-              <a:rPr lang="pt-PT" dirty="0"/>
-              <a:t>Backbone.js  </a:t>
-            </a:r>
-            <a:r>
-              <a:rPr lang="pt-PT" dirty="0">
-                <a:hlinkClick r:id="rId7"/>
-              </a:rPr>
-              <a:t>http://backbonejs.org</a:t>
-            </a:r>
-            <a:r>
-              <a:rPr lang="pt-PT" dirty="0" smtClean="0">
-                <a:hlinkClick r:id="rId7"/>
-              </a:rPr>
-              <a:t>/</a:t>
-            </a:r>
-            <a:endParaRPr lang="pt-PT" dirty="0" smtClean="0"/>
-          </a:p>
-          <a:p>
-            <a:endParaRPr lang="pt-PT" dirty="0" smtClean="0"/>
-          </a:p>
-          <a:p>
-            <a:pPr marL="285750" indent="-285750">
-              <a:buFont typeface="Arial" panose="020B0604020202020204" pitchFamily="34" charset="0"/>
-              <a:buChar char="•"/>
-            </a:pPr>
-            <a:r>
-              <a:rPr lang="pt-PT" dirty="0" smtClean="0">
-                <a:hlinkClick r:id="rId8"/>
-              </a:rPr>
-              <a:t>http</a:t>
-            </a:r>
-            <a:r>
-              <a:rPr lang="pt-PT" dirty="0">
-                <a:hlinkClick r:id="rId8"/>
-              </a:rPr>
-              <a:t>://</a:t>
-            </a:r>
-            <a:r>
-              <a:rPr lang="pt-PT" dirty="0" smtClean="0">
-                <a:hlinkClick r:id="rId8"/>
-              </a:rPr>
-              <a:t>singlepageappbook.com/goal.html</a:t>
-            </a:r>
-            <a:endParaRPr lang="pt-PT" dirty="0" smtClean="0"/>
-          </a:p>
-          <a:p>
-            <a:pPr marL="285750" indent="-285750">
-              <a:buFont typeface="Arial" panose="020B0604020202020204" pitchFamily="34" charset="0"/>
-              <a:buChar char="•"/>
-            </a:pPr>
-            <a:endParaRPr lang="pt-PT" dirty="0" smtClean="0"/>
-          </a:p>
-          <a:p>
-            <a:pPr marL="285750" indent="-285750">
-              <a:buFont typeface="Arial" panose="020B0604020202020204" pitchFamily="34" charset="0"/>
-              <a:buChar char="•"/>
-            </a:pPr>
-            <a:endParaRPr lang="pt-PT" dirty="0"/>
-          </a:p>
-          <a:p>
-            <a:pPr marL="285750" indent="-285750">
-              <a:buFont typeface="Arial" panose="020B0604020202020204" pitchFamily="34" charset="0"/>
-              <a:buChar char="•"/>
-            </a:pPr>
-            <a:endParaRPr lang="pt-PT" dirty="0" smtClean="0"/>
-          </a:p>
-          <a:p>
-            <a:pPr marL="285750" indent="-285750">
-              <a:buFont typeface="Arial" panose="020B0604020202020204" pitchFamily="34" charset="0"/>
-              <a:buChar char="•"/>
-            </a:pPr>
-            <a:endParaRPr lang="pt-PT" dirty="0"/>
-          </a:p>
-        </p:txBody>
-      </p:sp>
-    </p:spTree>
-    <p:extLst>
-      <p:ext uri="{BB962C8B-B14F-4D97-AF65-F5344CB8AC3E}">
-        <p14:creationId xmlns:p14="http://schemas.microsoft.com/office/powerpoint/2010/main" val="4266461523"/>
       </p:ext>
     </p:extLst>
   </p:cSld>
@@ -8798,6 +9586,843 @@
                 </a:solidFill>
               </a:rPr>
               <a:t>15</a:t>
+            </a:fld>
+            <a:endParaRPr lang="pt-PT" b="1" dirty="0">
+              <a:solidFill>
+                <a:srgbClr val="006600"/>
+              </a:solidFill>
+            </a:endParaRPr>
+          </a:p>
+        </p:txBody>
+      </p:sp>
+      <p:sp>
+        <p:nvSpPr>
+          <p:cNvPr id="7" name="Título 1"/>
+          <p:cNvSpPr txBox="1">
+            <a:spLocks/>
+          </p:cNvSpPr>
+          <p:nvPr/>
+        </p:nvSpPr>
+        <p:spPr>
+          <a:xfrm>
+            <a:off x="3721719" y="147921"/>
+            <a:ext cx="4281120" cy="968134"/>
+          </a:xfrm>
+          <a:prstGeom prst="rect">
+            <a:avLst/>
+          </a:prstGeom>
+        </p:spPr>
+        <p:txBody>
+          <a:bodyPr vert="horz" lIns="91440" tIns="45720" rIns="91440" bIns="45720" rtlCol="0" anchor="b">
+            <a:noAutofit/>
+          </a:bodyPr>
+          <a:lstStyle>
+            <a:lvl1pPr algn="ctr" defTabSz="914400" rtl="0" eaLnBrk="1" latinLnBrk="0" hangingPunct="1">
+              <a:lnSpc>
+                <a:spcPts val="5800"/>
+              </a:lnSpc>
+              <a:spcBef>
+                <a:spcPct val="0"/>
+              </a:spcBef>
+              <a:buNone/>
+              <a:defRPr sz="5400" kern="1200">
+                <a:solidFill>
+                  <a:schemeClr val="tx2"/>
+                </a:solidFill>
+                <a:effectLst>
+                  <a:outerShdw blurRad="63500" dist="38100" dir="5400000" algn="t" rotWithShape="0">
+                    <a:prstClr val="black">
+                      <a:alpha val="25000"/>
+                    </a:prstClr>
+                  </a:outerShdw>
+                </a:effectLst>
+                <a:latin typeface="+mn-lt"/>
+                <a:ea typeface="+mj-ea"/>
+                <a:cs typeface="+mj-cs"/>
+              </a:defRPr>
+            </a:lvl1pPr>
+          </a:lstStyle>
+          <a:p>
+            <a:r>
+              <a:rPr lang="pt-PT" sz="6000" dirty="0" err="1" smtClean="0">
+                <a:solidFill>
+                  <a:srgbClr val="006600"/>
+                </a:solidFill>
+              </a:rPr>
+              <a:t>References</a:t>
+            </a:r>
+            <a:endParaRPr lang="pt-PT" sz="6000" dirty="0">
+              <a:solidFill>
+                <a:srgbClr val="006600"/>
+              </a:solidFill>
+            </a:endParaRPr>
+          </a:p>
+        </p:txBody>
+      </p:sp>
+      <p:sp>
+        <p:nvSpPr>
+          <p:cNvPr id="17" name="Subtítulo 2"/>
+          <p:cNvSpPr txBox="1">
+            <a:spLocks/>
+          </p:cNvSpPr>
+          <p:nvPr/>
+        </p:nvSpPr>
+        <p:spPr>
+          <a:xfrm>
+            <a:off x="3989373" y="1545579"/>
+            <a:ext cx="3738520" cy="679731"/>
+          </a:xfrm>
+          <a:prstGeom prst="rect">
+            <a:avLst/>
+          </a:prstGeom>
+        </p:spPr>
+        <p:txBody>
+          <a:bodyPr vert="horz" lIns="91440" tIns="45720" rIns="91440" bIns="45720" rtlCol="0">
+            <a:normAutofit/>
+          </a:bodyPr>
+          <a:lstStyle>
+            <a:lvl1pPr marL="342900" indent="-342900" algn="l" defTabSz="914400" rtl="0" eaLnBrk="1" latinLnBrk="0" hangingPunct="1">
+              <a:spcBef>
+                <a:spcPct val="20000"/>
+              </a:spcBef>
+              <a:buFont typeface="Arial" pitchFamily="34" charset="0"/>
+              <a:buChar char="•"/>
+              <a:defRPr sz="2400" kern="1200">
+                <a:solidFill>
+                  <a:schemeClr val="tx1">
+                    <a:lumMod val="50000"/>
+                    <a:lumOff val="50000"/>
+                  </a:schemeClr>
+                </a:solidFill>
+                <a:latin typeface="+mj-lt"/>
+                <a:ea typeface="+mn-ea"/>
+                <a:cs typeface="+mn-cs"/>
+              </a:defRPr>
+            </a:lvl1pPr>
+            <a:lvl2pPr marL="742950" indent="-285750" algn="l" defTabSz="914400" rtl="0" eaLnBrk="1" latinLnBrk="0" hangingPunct="1">
+              <a:spcBef>
+                <a:spcPct val="20000"/>
+              </a:spcBef>
+              <a:buFont typeface="Courier New" pitchFamily="49" charset="0"/>
+              <a:buChar char="o"/>
+              <a:defRPr sz="1600" kern="1200">
+                <a:solidFill>
+                  <a:schemeClr val="tx1">
+                    <a:lumMod val="50000"/>
+                    <a:lumOff val="50000"/>
+                  </a:schemeClr>
+                </a:solidFill>
+                <a:latin typeface="+mj-lt"/>
+                <a:ea typeface="+mn-ea"/>
+                <a:cs typeface="+mn-cs"/>
+              </a:defRPr>
+            </a:lvl2pPr>
+            <a:lvl3pPr marL="1143000" indent="-228600" algn="l" defTabSz="914400" rtl="0" eaLnBrk="1" latinLnBrk="0" hangingPunct="1">
+              <a:spcBef>
+                <a:spcPct val="20000"/>
+              </a:spcBef>
+              <a:buFont typeface="Arial" pitchFamily="34" charset="0"/>
+              <a:buChar char="•"/>
+              <a:defRPr sz="1600" kern="1200">
+                <a:solidFill>
+                  <a:schemeClr val="tx1">
+                    <a:lumMod val="50000"/>
+                    <a:lumOff val="50000"/>
+                  </a:schemeClr>
+                </a:solidFill>
+                <a:latin typeface="+mj-lt"/>
+                <a:ea typeface="+mn-ea"/>
+                <a:cs typeface="+mn-cs"/>
+              </a:defRPr>
+            </a:lvl3pPr>
+            <a:lvl4pPr marL="1600200" indent="-228600" algn="l" defTabSz="914400" rtl="0" eaLnBrk="1" latinLnBrk="0" hangingPunct="1">
+              <a:spcBef>
+                <a:spcPct val="20000"/>
+              </a:spcBef>
+              <a:buFont typeface="Courier New" pitchFamily="49" charset="0"/>
+              <a:buChar char="o"/>
+              <a:defRPr sz="1600" kern="1200">
+                <a:solidFill>
+                  <a:schemeClr val="tx1">
+                    <a:lumMod val="50000"/>
+                    <a:lumOff val="50000"/>
+                  </a:schemeClr>
+                </a:solidFill>
+                <a:latin typeface="+mj-lt"/>
+                <a:ea typeface="+mn-ea"/>
+                <a:cs typeface="+mn-cs"/>
+              </a:defRPr>
+            </a:lvl4pPr>
+            <a:lvl5pPr marL="2057400" indent="-228600" algn="l" defTabSz="914400" rtl="0" eaLnBrk="1" latinLnBrk="0" hangingPunct="1">
+              <a:spcBef>
+                <a:spcPct val="20000"/>
+              </a:spcBef>
+              <a:buFont typeface="Arial" pitchFamily="34" charset="0"/>
+              <a:buChar char="•"/>
+              <a:defRPr sz="1600" kern="1200">
+                <a:solidFill>
+                  <a:schemeClr val="tx1">
+                    <a:lumMod val="50000"/>
+                    <a:lumOff val="50000"/>
+                  </a:schemeClr>
+                </a:solidFill>
+                <a:latin typeface="+mj-lt"/>
+                <a:ea typeface="+mn-ea"/>
+                <a:cs typeface="+mn-cs"/>
+              </a:defRPr>
+            </a:lvl5pPr>
+            <a:lvl6pPr marL="2514600" indent="-228600" algn="l" defTabSz="914400" rtl="0" eaLnBrk="1" latinLnBrk="0" hangingPunct="1">
+              <a:spcBef>
+                <a:spcPct val="20000"/>
+              </a:spcBef>
+              <a:buFont typeface="Courier New" pitchFamily="49" charset="0"/>
+              <a:buChar char="o"/>
+              <a:defRPr sz="1600" kern="1200">
+                <a:solidFill>
+                  <a:schemeClr val="tx1">
+                    <a:lumMod val="50000"/>
+                    <a:lumOff val="50000"/>
+                  </a:schemeClr>
+                </a:solidFill>
+                <a:latin typeface="+mj-lt"/>
+                <a:ea typeface="+mn-ea"/>
+                <a:cs typeface="+mn-cs"/>
+              </a:defRPr>
+            </a:lvl6pPr>
+            <a:lvl7pPr marL="2971800" indent="-228600" algn="l" defTabSz="914400" rtl="0" eaLnBrk="1" latinLnBrk="0" hangingPunct="1">
+              <a:spcBef>
+                <a:spcPct val="20000"/>
+              </a:spcBef>
+              <a:buFont typeface="Arial" pitchFamily="34" charset="0"/>
+              <a:buChar char="•"/>
+              <a:defRPr sz="1600" kern="1200">
+                <a:solidFill>
+                  <a:schemeClr val="tx1">
+                    <a:lumMod val="50000"/>
+                    <a:lumOff val="50000"/>
+                  </a:schemeClr>
+                </a:solidFill>
+                <a:latin typeface="+mj-lt"/>
+                <a:ea typeface="+mn-ea"/>
+                <a:cs typeface="+mn-cs"/>
+              </a:defRPr>
+            </a:lvl7pPr>
+            <a:lvl8pPr marL="3429000" indent="-228600" algn="l" defTabSz="914400" rtl="0" eaLnBrk="1" latinLnBrk="0" hangingPunct="1">
+              <a:spcBef>
+                <a:spcPct val="20000"/>
+              </a:spcBef>
+              <a:buFont typeface="Courier New" pitchFamily="49" charset="0"/>
+              <a:buChar char="o"/>
+              <a:defRPr sz="1600" kern="1200">
+                <a:solidFill>
+                  <a:schemeClr val="tx1">
+                    <a:lumMod val="50000"/>
+                    <a:lumOff val="50000"/>
+                  </a:schemeClr>
+                </a:solidFill>
+                <a:latin typeface="+mj-lt"/>
+                <a:ea typeface="+mn-ea"/>
+                <a:cs typeface="+mn-cs"/>
+              </a:defRPr>
+            </a:lvl8pPr>
+            <a:lvl9pPr marL="3886200" indent="-228600" algn="l" defTabSz="914400" rtl="0" eaLnBrk="1" latinLnBrk="0" hangingPunct="1">
+              <a:spcBef>
+                <a:spcPct val="20000"/>
+              </a:spcBef>
+              <a:buFont typeface="Arial" pitchFamily="34" charset="0"/>
+              <a:buChar char="•"/>
+              <a:defRPr sz="1600" kern="1200">
+                <a:solidFill>
+                  <a:schemeClr val="tx1">
+                    <a:lumMod val="50000"/>
+                    <a:lumOff val="50000"/>
+                  </a:schemeClr>
+                </a:solidFill>
+                <a:latin typeface="+mj-lt"/>
+                <a:ea typeface="+mn-ea"/>
+                <a:cs typeface="+mn-cs"/>
+              </a:defRPr>
+            </a:lvl9pPr>
+          </a:lstStyle>
+          <a:p>
+            <a:pPr marL="0" indent="0">
+              <a:buNone/>
+            </a:pPr>
+            <a:endParaRPr lang="pt-PT" dirty="0">
+              <a:solidFill>
+                <a:schemeClr val="tx1">
+                  <a:lumMod val="65000"/>
+                  <a:lumOff val="35000"/>
+                </a:schemeClr>
+              </a:solidFill>
+            </a:endParaRPr>
+          </a:p>
+        </p:txBody>
+      </p:sp>
+      <p:sp>
+        <p:nvSpPr>
+          <p:cNvPr id="8" name="Título 1"/>
+          <p:cNvSpPr txBox="1">
+            <a:spLocks/>
+          </p:cNvSpPr>
+          <p:nvPr/>
+        </p:nvSpPr>
+        <p:spPr>
+          <a:xfrm>
+            <a:off x="1319002" y="917310"/>
+            <a:ext cx="8925515" cy="968134"/>
+          </a:xfrm>
+          <a:prstGeom prst="rect">
+            <a:avLst/>
+          </a:prstGeom>
+        </p:spPr>
+        <p:txBody>
+          <a:bodyPr vert="horz" lIns="91440" tIns="45720" rIns="91440" bIns="45720" rtlCol="0" anchor="b">
+            <a:noAutofit/>
+          </a:bodyPr>
+          <a:lstStyle>
+            <a:lvl1pPr algn="ctr" defTabSz="914400" rtl="0" eaLnBrk="1" latinLnBrk="0" hangingPunct="1">
+              <a:lnSpc>
+                <a:spcPts val="5800"/>
+              </a:lnSpc>
+              <a:spcBef>
+                <a:spcPct val="0"/>
+              </a:spcBef>
+              <a:buNone/>
+              <a:defRPr sz="5400" kern="1200">
+                <a:solidFill>
+                  <a:schemeClr val="tx2"/>
+                </a:solidFill>
+                <a:effectLst>
+                  <a:outerShdw blurRad="63500" dist="38100" dir="5400000" algn="t" rotWithShape="0">
+                    <a:prstClr val="black">
+                      <a:alpha val="25000"/>
+                    </a:prstClr>
+                  </a:outerShdw>
+                </a:effectLst>
+                <a:latin typeface="+mn-lt"/>
+                <a:ea typeface="+mj-ea"/>
+                <a:cs typeface="+mj-cs"/>
+              </a:defRPr>
+            </a:lvl1pPr>
+          </a:lstStyle>
+          <a:p>
+            <a:endParaRPr lang="pt-PT" sz="4400" dirty="0">
+              <a:solidFill>
+                <a:srgbClr val="006600"/>
+              </a:solidFill>
+            </a:endParaRPr>
+          </a:p>
+        </p:txBody>
+      </p:sp>
+      <p:sp>
+        <p:nvSpPr>
+          <p:cNvPr id="9" name="Marcador de Posição do Rodapé 3"/>
+          <p:cNvSpPr>
+            <a:spLocks noGrp="1"/>
+          </p:cNvSpPr>
+          <p:nvPr>
+            <p:ph type="ftr" sz="quarter" idx="11"/>
+          </p:nvPr>
+        </p:nvSpPr>
+        <p:spPr>
+          <a:xfrm>
+            <a:off x="11026318" y="97822"/>
+            <a:ext cx="999947" cy="365125"/>
+          </a:xfrm>
+        </p:spPr>
+        <p:txBody>
+          <a:bodyPr/>
+          <a:lstStyle/>
+          <a:p>
+            <a:r>
+              <a:rPr lang="pt-PT" b="1" dirty="0" smtClean="0">
+                <a:solidFill>
+                  <a:srgbClr val="FE0000"/>
+                </a:solidFill>
+              </a:rPr>
+              <a:t>#PGGD26</a:t>
+            </a:r>
+            <a:endParaRPr lang="pt-PT" b="1" dirty="0">
+              <a:solidFill>
+                <a:srgbClr val="FE0000"/>
+              </a:solidFill>
+            </a:endParaRPr>
+          </a:p>
+        </p:txBody>
+      </p:sp>
+      <p:pic>
+        <p:nvPicPr>
+          <p:cNvPr id="10" name="Imagem 9"/>
+          <p:cNvPicPr>
+            <a:picLocks noChangeAspect="1"/>
+          </p:cNvPicPr>
+          <p:nvPr/>
+        </p:nvPicPr>
+        <p:blipFill>
+          <a:blip r:embed="rId3">
+            <a:extLst>
+              <a:ext uri="{28A0092B-C50C-407E-A947-70E740481C1C}">
+                <a14:useLocalDpi xmlns:a14="http://schemas.microsoft.com/office/drawing/2010/main" val="0"/>
+              </a:ext>
+            </a:extLst>
+          </a:blip>
+          <a:stretch>
+            <a:fillRect/>
+          </a:stretch>
+        </p:blipFill>
+        <p:spPr>
+          <a:xfrm>
+            <a:off x="153748" y="147921"/>
+            <a:ext cx="1326294" cy="891213"/>
+          </a:xfrm>
+          <a:prstGeom prst="rect">
+            <a:avLst/>
+          </a:prstGeom>
+        </p:spPr>
+      </p:pic>
+      <p:sp>
+        <p:nvSpPr>
+          <p:cNvPr id="2" name="CaixaDeTexto 1"/>
+          <p:cNvSpPr txBox="1"/>
+          <p:nvPr/>
+        </p:nvSpPr>
+        <p:spPr>
+          <a:xfrm>
+            <a:off x="1233987" y="1982228"/>
+            <a:ext cx="10208713" cy="4801314"/>
+          </a:xfrm>
+          <a:prstGeom prst="rect">
+            <a:avLst/>
+          </a:prstGeom>
+          <a:noFill/>
+        </p:spPr>
+        <p:txBody>
+          <a:bodyPr wrap="square" rtlCol="0">
+            <a:spAutoFit/>
+          </a:bodyPr>
+          <a:lstStyle/>
+          <a:p>
+            <a:pPr marL="285750" indent="-285750">
+              <a:buFont typeface="Arial" panose="020B0604020202020204" pitchFamily="34" charset="0"/>
+              <a:buChar char="•"/>
+            </a:pPr>
+            <a:r>
+              <a:rPr lang="pt-PT" dirty="0" smtClean="0">
+                <a:latin typeface="+mj-lt"/>
+              </a:rPr>
+              <a:t>Angular VS </a:t>
+            </a:r>
+            <a:r>
+              <a:rPr lang="pt-PT" dirty="0" smtClean="0">
+                <a:latin typeface="+mj-lt"/>
+              </a:rPr>
+              <a:t>Knockout [Online] </a:t>
+            </a:r>
+            <a:r>
+              <a:rPr lang="pt-PT" dirty="0">
+                <a:latin typeface="+mj-lt"/>
+                <a:hlinkClick r:id="rId4"/>
+              </a:rPr>
+              <a:t>http://</a:t>
+            </a:r>
+            <a:r>
+              <a:rPr lang="pt-PT" dirty="0" smtClean="0">
+                <a:latin typeface="+mj-lt"/>
+                <a:hlinkClick r:id="rId4"/>
+              </a:rPr>
+              <a:t>blog.scottlogic.com/2014/07/30/spa-angular-knockout.html</a:t>
+            </a:r>
+            <a:r>
+              <a:rPr lang="pt-PT" dirty="0" smtClean="0">
+                <a:latin typeface="+mj-lt"/>
+              </a:rPr>
+              <a:t> </a:t>
+            </a:r>
+            <a:endParaRPr lang="pt-PT" dirty="0" smtClean="0">
+              <a:latin typeface="+mj-lt"/>
+            </a:endParaRPr>
+          </a:p>
+          <a:p>
+            <a:endParaRPr lang="pt-PT" dirty="0" smtClean="0">
+              <a:latin typeface="+mj-lt"/>
+            </a:endParaRPr>
+          </a:p>
+          <a:p>
+            <a:pPr marL="285750" indent="-285750">
+              <a:buFont typeface="Arial" panose="020B0604020202020204" pitchFamily="34" charset="0"/>
+              <a:buChar char="•"/>
+            </a:pPr>
+            <a:r>
+              <a:rPr lang="pt-PT" dirty="0" smtClean="0">
+                <a:latin typeface="+mj-lt"/>
+              </a:rPr>
+              <a:t>Angular </a:t>
+            </a:r>
+            <a:r>
+              <a:rPr lang="pt-PT" dirty="0">
+                <a:latin typeface="+mj-lt"/>
+              </a:rPr>
+              <a:t>[Online]</a:t>
+            </a:r>
+            <a:r>
+              <a:rPr lang="pt-PT" dirty="0" smtClean="0">
+                <a:latin typeface="+mj-lt"/>
+              </a:rPr>
+              <a:t> </a:t>
+            </a:r>
+            <a:r>
+              <a:rPr lang="pt-PT" dirty="0">
+                <a:latin typeface="+mj-lt"/>
+                <a:hlinkClick r:id="rId5"/>
+              </a:rPr>
+              <a:t>https://angularjs.org</a:t>
+            </a:r>
+            <a:r>
+              <a:rPr lang="pt-PT" dirty="0" smtClean="0">
+                <a:latin typeface="+mj-lt"/>
+                <a:hlinkClick r:id="rId5"/>
+              </a:rPr>
+              <a:t>/</a:t>
+            </a:r>
+            <a:endParaRPr lang="pt-PT" dirty="0" smtClean="0">
+              <a:latin typeface="+mj-lt"/>
+            </a:endParaRPr>
+          </a:p>
+          <a:p>
+            <a:endParaRPr lang="pt-PT" dirty="0" smtClean="0">
+              <a:latin typeface="+mj-lt"/>
+            </a:endParaRPr>
+          </a:p>
+          <a:p>
+            <a:pPr marL="285750" indent="-285750">
+              <a:buFont typeface="Arial" panose="020B0604020202020204" pitchFamily="34" charset="0"/>
+              <a:buChar char="•"/>
+            </a:pPr>
+            <a:r>
+              <a:rPr lang="pt-PT" dirty="0" smtClean="0">
+                <a:latin typeface="+mj-lt"/>
+              </a:rPr>
+              <a:t>Knockout.js</a:t>
+            </a:r>
+            <a:r>
+              <a:rPr lang="pt-PT" dirty="0"/>
+              <a:t> </a:t>
+            </a:r>
+            <a:r>
+              <a:rPr lang="pt-PT" dirty="0">
+                <a:latin typeface="+mj-lt"/>
+              </a:rPr>
+              <a:t>[Online]</a:t>
+            </a:r>
+            <a:r>
+              <a:rPr lang="pt-PT" dirty="0" smtClean="0">
+                <a:latin typeface="+mj-lt"/>
+              </a:rPr>
+              <a:t> </a:t>
+            </a:r>
+            <a:r>
+              <a:rPr lang="pt-PT" dirty="0">
+                <a:latin typeface="+mj-lt"/>
+                <a:hlinkClick r:id="rId6"/>
+              </a:rPr>
+              <a:t>http://knockoutjs.com</a:t>
+            </a:r>
+            <a:r>
+              <a:rPr lang="pt-PT" dirty="0" smtClean="0">
+                <a:latin typeface="+mj-lt"/>
+                <a:hlinkClick r:id="rId6"/>
+              </a:rPr>
+              <a:t>/</a:t>
+            </a:r>
+            <a:endParaRPr lang="pt-PT" dirty="0" smtClean="0">
+              <a:latin typeface="+mj-lt"/>
+            </a:endParaRPr>
+          </a:p>
+          <a:p>
+            <a:pPr marL="285750" indent="-285750">
+              <a:buFont typeface="Arial" panose="020B0604020202020204" pitchFamily="34" charset="0"/>
+              <a:buChar char="•"/>
+            </a:pPr>
+            <a:endParaRPr lang="pt-PT" dirty="0">
+              <a:latin typeface="+mj-lt"/>
+            </a:endParaRPr>
+          </a:p>
+          <a:p>
+            <a:pPr marL="285750" indent="-285750">
+              <a:buFont typeface="Arial" panose="020B0604020202020204" pitchFamily="34" charset="0"/>
+              <a:buChar char="•"/>
+            </a:pPr>
+            <a:r>
+              <a:rPr lang="pt-PT" dirty="0" smtClean="0">
+                <a:latin typeface="+mj-lt"/>
+              </a:rPr>
+              <a:t>Backbone.js</a:t>
+            </a:r>
+            <a:r>
+              <a:rPr lang="pt-PT" dirty="0"/>
+              <a:t> </a:t>
+            </a:r>
+            <a:r>
+              <a:rPr lang="pt-PT" dirty="0">
+                <a:latin typeface="+mj-lt"/>
+              </a:rPr>
+              <a:t>[Online]</a:t>
+            </a:r>
+            <a:r>
+              <a:rPr lang="pt-PT" dirty="0" smtClean="0">
+                <a:latin typeface="+mj-lt"/>
+              </a:rPr>
+              <a:t>  </a:t>
+            </a:r>
+            <a:r>
+              <a:rPr lang="pt-PT" dirty="0">
+                <a:latin typeface="+mj-lt"/>
+                <a:hlinkClick r:id="rId7"/>
+              </a:rPr>
+              <a:t>http://backbonejs.org</a:t>
+            </a:r>
+            <a:r>
+              <a:rPr lang="pt-PT" dirty="0" smtClean="0">
+                <a:latin typeface="+mj-lt"/>
+                <a:hlinkClick r:id="rId7"/>
+              </a:rPr>
+              <a:t>/</a:t>
+            </a:r>
+            <a:endParaRPr lang="pt-PT" dirty="0" smtClean="0">
+              <a:latin typeface="+mj-lt"/>
+            </a:endParaRPr>
+          </a:p>
+          <a:p>
+            <a:endParaRPr lang="pt-PT" dirty="0" smtClean="0">
+              <a:latin typeface="+mj-lt"/>
+            </a:endParaRPr>
+          </a:p>
+          <a:p>
+            <a:pPr marL="285750" indent="-285750">
+              <a:buFont typeface="Arial" panose="020B0604020202020204" pitchFamily="34" charset="0"/>
+              <a:buChar char="•"/>
+            </a:pPr>
+            <a:r>
+              <a:rPr lang="pt-PT" dirty="0" err="1" smtClean="0">
+                <a:latin typeface="+mj-lt"/>
+              </a:rPr>
+              <a:t>React</a:t>
+            </a:r>
+            <a:r>
+              <a:rPr lang="pt-PT" dirty="0"/>
+              <a:t> </a:t>
+            </a:r>
+            <a:r>
+              <a:rPr lang="pt-PT" dirty="0">
+                <a:latin typeface="+mj-lt"/>
+              </a:rPr>
+              <a:t>[Online]</a:t>
+            </a:r>
+            <a:r>
+              <a:rPr lang="pt-PT" dirty="0" smtClean="0">
+                <a:latin typeface="+mj-lt"/>
+              </a:rPr>
+              <a:t> </a:t>
+            </a:r>
+            <a:r>
+              <a:rPr lang="pt-PT" dirty="0">
+                <a:latin typeface="+mj-lt"/>
+                <a:hlinkClick r:id="rId8"/>
+              </a:rPr>
+              <a:t>https://facebook.github.io/react</a:t>
+            </a:r>
+            <a:r>
+              <a:rPr lang="pt-PT" dirty="0" smtClean="0">
+                <a:latin typeface="+mj-lt"/>
+                <a:hlinkClick r:id="rId8"/>
+              </a:rPr>
+              <a:t>/</a:t>
+            </a:r>
+            <a:endParaRPr lang="pt-PT" dirty="0" smtClean="0">
+              <a:latin typeface="+mj-lt"/>
+            </a:endParaRPr>
+          </a:p>
+          <a:p>
+            <a:pPr marL="285750" indent="-285750">
+              <a:buFont typeface="Arial" panose="020B0604020202020204" pitchFamily="34" charset="0"/>
+              <a:buChar char="•"/>
+            </a:pPr>
+            <a:endParaRPr lang="pt-PT" dirty="0">
+              <a:latin typeface="+mj-lt"/>
+            </a:endParaRPr>
+          </a:p>
+          <a:p>
+            <a:pPr marL="285750" indent="-285750">
+              <a:buFont typeface="Arial" panose="020B0604020202020204" pitchFamily="34" charset="0"/>
+              <a:buChar char="•"/>
+            </a:pPr>
+            <a:r>
+              <a:rPr lang="pt-PT" dirty="0" err="1" smtClean="0">
+                <a:latin typeface="+mj-lt"/>
+              </a:rPr>
+              <a:t>Code</a:t>
+            </a:r>
+            <a:r>
+              <a:rPr lang="pt-PT" dirty="0" smtClean="0">
+                <a:latin typeface="+mj-lt"/>
+              </a:rPr>
+              <a:t> </a:t>
+            </a:r>
+            <a:r>
+              <a:rPr lang="pt-PT" dirty="0" err="1" smtClean="0">
+                <a:latin typeface="+mj-lt"/>
+              </a:rPr>
+              <a:t>School</a:t>
+            </a:r>
+            <a:r>
+              <a:rPr lang="pt-PT" dirty="0"/>
+              <a:t> </a:t>
+            </a:r>
+            <a:r>
+              <a:rPr lang="pt-PT" dirty="0">
+                <a:latin typeface="+mj-lt"/>
+              </a:rPr>
+              <a:t>[Online]</a:t>
+            </a:r>
+            <a:r>
+              <a:rPr lang="pt-PT" dirty="0" smtClean="0">
+                <a:latin typeface="+mj-lt"/>
+              </a:rPr>
+              <a:t> </a:t>
+            </a:r>
+            <a:r>
+              <a:rPr lang="pt-PT" dirty="0" smtClean="0">
+                <a:latin typeface="+mj-lt"/>
+                <a:hlinkClick r:id="rId9"/>
+              </a:rPr>
+              <a:t>https</a:t>
+            </a:r>
+            <a:r>
+              <a:rPr lang="pt-PT" dirty="0">
+                <a:latin typeface="+mj-lt"/>
+                <a:hlinkClick r:id="rId9"/>
+              </a:rPr>
+              <a:t>://www.codeschool.com</a:t>
+            </a:r>
+            <a:r>
+              <a:rPr lang="pt-PT" dirty="0" smtClean="0">
+                <a:latin typeface="+mj-lt"/>
+                <a:hlinkClick r:id="rId9"/>
+              </a:rPr>
+              <a:t>/</a:t>
+            </a:r>
+            <a:endParaRPr lang="pt-PT" dirty="0" smtClean="0">
+              <a:latin typeface="+mj-lt"/>
+            </a:endParaRPr>
+          </a:p>
+          <a:p>
+            <a:endParaRPr lang="pt-PT" dirty="0" smtClean="0">
+              <a:latin typeface="+mj-lt"/>
+            </a:endParaRPr>
+          </a:p>
+          <a:p>
+            <a:pPr marL="285750" indent="-285750">
+              <a:buFont typeface="Arial" panose="020B0604020202020204" pitchFamily="34" charset="0"/>
+              <a:buChar char="•"/>
+            </a:pPr>
+            <a:endParaRPr lang="pt-PT" dirty="0" smtClean="0">
+              <a:latin typeface="+mj-lt"/>
+            </a:endParaRPr>
+          </a:p>
+          <a:p>
+            <a:pPr marL="285750" indent="-285750">
+              <a:buFont typeface="Arial" panose="020B0604020202020204" pitchFamily="34" charset="0"/>
+              <a:buChar char="•"/>
+            </a:pPr>
+            <a:endParaRPr lang="pt-PT" dirty="0">
+              <a:latin typeface="+mj-lt"/>
+            </a:endParaRPr>
+          </a:p>
+          <a:p>
+            <a:pPr marL="285750" indent="-285750">
+              <a:buFont typeface="Arial" panose="020B0604020202020204" pitchFamily="34" charset="0"/>
+              <a:buChar char="•"/>
+            </a:pPr>
+            <a:endParaRPr lang="pt-PT" dirty="0" smtClean="0">
+              <a:latin typeface="+mj-lt"/>
+            </a:endParaRPr>
+          </a:p>
+          <a:p>
+            <a:pPr marL="285750" indent="-285750">
+              <a:buFont typeface="Arial" panose="020B0604020202020204" pitchFamily="34" charset="0"/>
+              <a:buChar char="•"/>
+            </a:pPr>
+            <a:endParaRPr lang="pt-PT" dirty="0">
+              <a:latin typeface="+mj-lt"/>
+            </a:endParaRPr>
+          </a:p>
+        </p:txBody>
+      </p:sp>
+    </p:spTree>
+    <p:extLst>
+      <p:ext uri="{BB962C8B-B14F-4D97-AF65-F5344CB8AC3E}">
+        <p14:creationId xmlns:p14="http://schemas.microsoft.com/office/powerpoint/2010/main" val="4266461523"/>
+      </p:ext>
+    </p:extLst>
+  </p:cSld>
+  <p:clrMapOvr>
+    <a:masterClrMapping/>
+  </p:clrMapOvr>
+  <p:timing>
+    <p:tnLst>
+      <p:par>
+        <p:cTn id="1" dur="indefinite" restart="never" nodeType="tmRoot"/>
+      </p:par>
+    </p:tnLst>
+  </p:timing>
+</p:sld>
+</file>
+
+<file path=ppt/slides/slide16.xml><?xml version="1.0" encoding="utf-8"?>
+<p:sld xmlns:a="http://schemas.openxmlformats.org/drawingml/2006/main" xmlns:r="http://schemas.openxmlformats.org/officeDocument/2006/relationships" xmlns:p="http://schemas.openxmlformats.org/presentationml/2006/main">
+  <p:cSld>
+    <p:spTree>
+      <p:nvGrpSpPr>
+        <p:cNvPr id="1" name=""/>
+        <p:cNvGrpSpPr/>
+        <p:nvPr/>
+      </p:nvGrpSpPr>
+      <p:grpSpPr>
+        <a:xfrm>
+          <a:off x="0" y="0"/>
+          <a:ext cx="0" cy="0"/>
+          <a:chOff x="0" y="0"/>
+          <a:chExt cx="0" cy="0"/>
+        </a:xfrm>
+      </p:grpSpPr>
+      <p:sp>
+        <p:nvSpPr>
+          <p:cNvPr id="5" name="Marcador de Posição do Número do Diapositivo 4"/>
+          <p:cNvSpPr>
+            <a:spLocks noGrp="1"/>
+          </p:cNvSpPr>
+          <p:nvPr>
+            <p:ph type="sldNum" sz="quarter" idx="12"/>
+          </p:nvPr>
+        </p:nvSpPr>
+        <p:spPr>
+          <a:xfrm>
+            <a:off x="11442700" y="6356349"/>
+            <a:ext cx="749300" cy="365125"/>
+          </a:xfrm>
+        </p:spPr>
+        <p:txBody>
+          <a:bodyPr/>
+          <a:lstStyle/>
+          <a:p>
+            <a:fld id="{E466FD6C-A3C8-4AEA-B271-9B3656C67E08}" type="slidenum">
+              <a:rPr lang="pt-PT" b="1" smtClean="0">
+                <a:solidFill>
+                  <a:srgbClr val="006600"/>
+                </a:solidFill>
+              </a:rPr>
+              <a:t>16</a:t>
             </a:fld>
             <a:endParaRPr lang="pt-PT" b="1" dirty="0">
               <a:solidFill>
@@ -9179,6 +10804,764 @@
 </p:sld>
 </file>
 
+<file path=ppt/slides/slide17.xml><?xml version="1.0" encoding="utf-8"?>
+<p:sld xmlns:a="http://schemas.openxmlformats.org/drawingml/2006/main" xmlns:r="http://schemas.openxmlformats.org/officeDocument/2006/relationships" xmlns:p="http://schemas.openxmlformats.org/presentationml/2006/main">
+  <p:cSld>
+    <p:spTree>
+      <p:nvGrpSpPr>
+        <p:cNvPr id="1" name=""/>
+        <p:cNvGrpSpPr/>
+        <p:nvPr/>
+      </p:nvGrpSpPr>
+      <p:grpSpPr>
+        <a:xfrm>
+          <a:off x="0" y="0"/>
+          <a:ext cx="0" cy="0"/>
+          <a:chOff x="0" y="0"/>
+          <a:chExt cx="0" cy="0"/>
+        </a:xfrm>
+      </p:grpSpPr>
+      <p:sp>
+        <p:nvSpPr>
+          <p:cNvPr id="5" name="Marcador de Posição do Número do Diapositivo 4"/>
+          <p:cNvSpPr>
+            <a:spLocks noGrp="1"/>
+          </p:cNvSpPr>
+          <p:nvPr>
+            <p:ph type="sldNum" sz="quarter" idx="12"/>
+          </p:nvPr>
+        </p:nvSpPr>
+        <p:spPr>
+          <a:xfrm>
+            <a:off x="11442700" y="6356349"/>
+            <a:ext cx="749300" cy="365125"/>
+          </a:xfrm>
+        </p:spPr>
+        <p:txBody>
+          <a:bodyPr/>
+          <a:lstStyle/>
+          <a:p>
+            <a:fld id="{E466FD6C-A3C8-4AEA-B271-9B3656C67E08}" type="slidenum">
+              <a:rPr lang="pt-PT" b="1" smtClean="0">
+                <a:solidFill>
+                  <a:srgbClr val="006600"/>
+                </a:solidFill>
+              </a:rPr>
+              <a:t>17</a:t>
+            </a:fld>
+            <a:endParaRPr lang="pt-PT" b="1" dirty="0">
+              <a:solidFill>
+                <a:srgbClr val="006600"/>
+              </a:solidFill>
+            </a:endParaRPr>
+          </a:p>
+        </p:txBody>
+      </p:sp>
+      <p:sp>
+        <p:nvSpPr>
+          <p:cNvPr id="7" name="Título 1"/>
+          <p:cNvSpPr txBox="1">
+            <a:spLocks/>
+          </p:cNvSpPr>
+          <p:nvPr/>
+        </p:nvSpPr>
+        <p:spPr>
+          <a:xfrm>
+            <a:off x="2787705" y="292912"/>
+            <a:ext cx="5988107" cy="761903"/>
+          </a:xfrm>
+          <a:prstGeom prst="rect">
+            <a:avLst/>
+          </a:prstGeom>
+        </p:spPr>
+        <p:txBody>
+          <a:bodyPr vert="horz" lIns="91440" tIns="45720" rIns="91440" bIns="45720" rtlCol="0" anchor="b">
+            <a:noAutofit/>
+          </a:bodyPr>
+          <a:lstStyle>
+            <a:lvl1pPr algn="ctr" defTabSz="914400" rtl="0" eaLnBrk="1" latinLnBrk="0" hangingPunct="1">
+              <a:lnSpc>
+                <a:spcPts val="5800"/>
+              </a:lnSpc>
+              <a:spcBef>
+                <a:spcPct val="0"/>
+              </a:spcBef>
+              <a:buNone/>
+              <a:defRPr sz="5400" kern="1200">
+                <a:solidFill>
+                  <a:schemeClr val="tx2"/>
+                </a:solidFill>
+                <a:effectLst>
+                  <a:outerShdw blurRad="63500" dist="38100" dir="5400000" algn="t" rotWithShape="0">
+                    <a:prstClr val="black">
+                      <a:alpha val="25000"/>
+                    </a:prstClr>
+                  </a:outerShdw>
+                </a:effectLst>
+                <a:latin typeface="+mn-lt"/>
+                <a:ea typeface="+mj-ea"/>
+                <a:cs typeface="+mj-cs"/>
+              </a:defRPr>
+            </a:lvl1pPr>
+          </a:lstStyle>
+          <a:p>
+            <a:r>
+              <a:rPr lang="pt-PT" dirty="0" smtClean="0">
+                <a:solidFill>
+                  <a:srgbClr val="006600"/>
+                </a:solidFill>
+              </a:rPr>
+              <a:t>Contacts</a:t>
+            </a:r>
+            <a:endParaRPr lang="pt-PT" dirty="0">
+              <a:solidFill>
+                <a:srgbClr val="006600"/>
+              </a:solidFill>
+            </a:endParaRPr>
+          </a:p>
+        </p:txBody>
+      </p:sp>
+      <p:sp>
+        <p:nvSpPr>
+          <p:cNvPr id="17" name="Subtítulo 2"/>
+          <p:cNvSpPr txBox="1">
+            <a:spLocks/>
+          </p:cNvSpPr>
+          <p:nvPr/>
+        </p:nvSpPr>
+        <p:spPr>
+          <a:xfrm>
+            <a:off x="3989373" y="1545579"/>
+            <a:ext cx="3738520" cy="679731"/>
+          </a:xfrm>
+          <a:prstGeom prst="rect">
+            <a:avLst/>
+          </a:prstGeom>
+        </p:spPr>
+        <p:txBody>
+          <a:bodyPr vert="horz" lIns="91440" tIns="45720" rIns="91440" bIns="45720" rtlCol="0">
+            <a:normAutofit/>
+          </a:bodyPr>
+          <a:lstStyle>
+            <a:lvl1pPr marL="342900" indent="-342900" algn="l" defTabSz="914400" rtl="0" eaLnBrk="1" latinLnBrk="0" hangingPunct="1">
+              <a:spcBef>
+                <a:spcPct val="20000"/>
+              </a:spcBef>
+              <a:buFont typeface="Arial" pitchFamily="34" charset="0"/>
+              <a:buChar char="•"/>
+              <a:defRPr sz="2400" kern="1200">
+                <a:solidFill>
+                  <a:schemeClr val="tx1">
+                    <a:lumMod val="50000"/>
+                    <a:lumOff val="50000"/>
+                  </a:schemeClr>
+                </a:solidFill>
+                <a:latin typeface="+mj-lt"/>
+                <a:ea typeface="+mn-ea"/>
+                <a:cs typeface="+mn-cs"/>
+              </a:defRPr>
+            </a:lvl1pPr>
+            <a:lvl2pPr marL="742950" indent="-285750" algn="l" defTabSz="914400" rtl="0" eaLnBrk="1" latinLnBrk="0" hangingPunct="1">
+              <a:spcBef>
+                <a:spcPct val="20000"/>
+              </a:spcBef>
+              <a:buFont typeface="Courier New" pitchFamily="49" charset="0"/>
+              <a:buChar char="o"/>
+              <a:defRPr sz="1600" kern="1200">
+                <a:solidFill>
+                  <a:schemeClr val="tx1">
+                    <a:lumMod val="50000"/>
+                    <a:lumOff val="50000"/>
+                  </a:schemeClr>
+                </a:solidFill>
+                <a:latin typeface="+mj-lt"/>
+                <a:ea typeface="+mn-ea"/>
+                <a:cs typeface="+mn-cs"/>
+              </a:defRPr>
+            </a:lvl2pPr>
+            <a:lvl3pPr marL="1143000" indent="-228600" algn="l" defTabSz="914400" rtl="0" eaLnBrk="1" latinLnBrk="0" hangingPunct="1">
+              <a:spcBef>
+                <a:spcPct val="20000"/>
+              </a:spcBef>
+              <a:buFont typeface="Arial" pitchFamily="34" charset="0"/>
+              <a:buChar char="•"/>
+              <a:defRPr sz="1600" kern="1200">
+                <a:solidFill>
+                  <a:schemeClr val="tx1">
+                    <a:lumMod val="50000"/>
+                    <a:lumOff val="50000"/>
+                  </a:schemeClr>
+                </a:solidFill>
+                <a:latin typeface="+mj-lt"/>
+                <a:ea typeface="+mn-ea"/>
+                <a:cs typeface="+mn-cs"/>
+              </a:defRPr>
+            </a:lvl3pPr>
+            <a:lvl4pPr marL="1600200" indent="-228600" algn="l" defTabSz="914400" rtl="0" eaLnBrk="1" latinLnBrk="0" hangingPunct="1">
+              <a:spcBef>
+                <a:spcPct val="20000"/>
+              </a:spcBef>
+              <a:buFont typeface="Courier New" pitchFamily="49" charset="0"/>
+              <a:buChar char="o"/>
+              <a:defRPr sz="1600" kern="1200">
+                <a:solidFill>
+                  <a:schemeClr val="tx1">
+                    <a:lumMod val="50000"/>
+                    <a:lumOff val="50000"/>
+                  </a:schemeClr>
+                </a:solidFill>
+                <a:latin typeface="+mj-lt"/>
+                <a:ea typeface="+mn-ea"/>
+                <a:cs typeface="+mn-cs"/>
+              </a:defRPr>
+            </a:lvl4pPr>
+            <a:lvl5pPr marL="2057400" indent="-228600" algn="l" defTabSz="914400" rtl="0" eaLnBrk="1" latinLnBrk="0" hangingPunct="1">
+              <a:spcBef>
+                <a:spcPct val="20000"/>
+              </a:spcBef>
+              <a:buFont typeface="Arial" pitchFamily="34" charset="0"/>
+              <a:buChar char="•"/>
+              <a:defRPr sz="1600" kern="1200">
+                <a:solidFill>
+                  <a:schemeClr val="tx1">
+                    <a:lumMod val="50000"/>
+                    <a:lumOff val="50000"/>
+                  </a:schemeClr>
+                </a:solidFill>
+                <a:latin typeface="+mj-lt"/>
+                <a:ea typeface="+mn-ea"/>
+                <a:cs typeface="+mn-cs"/>
+              </a:defRPr>
+            </a:lvl5pPr>
+            <a:lvl6pPr marL="2514600" indent="-228600" algn="l" defTabSz="914400" rtl="0" eaLnBrk="1" latinLnBrk="0" hangingPunct="1">
+              <a:spcBef>
+                <a:spcPct val="20000"/>
+              </a:spcBef>
+              <a:buFont typeface="Courier New" pitchFamily="49" charset="0"/>
+              <a:buChar char="o"/>
+              <a:defRPr sz="1600" kern="1200">
+                <a:solidFill>
+                  <a:schemeClr val="tx1">
+                    <a:lumMod val="50000"/>
+                    <a:lumOff val="50000"/>
+                  </a:schemeClr>
+                </a:solidFill>
+                <a:latin typeface="+mj-lt"/>
+                <a:ea typeface="+mn-ea"/>
+                <a:cs typeface="+mn-cs"/>
+              </a:defRPr>
+            </a:lvl6pPr>
+            <a:lvl7pPr marL="2971800" indent="-228600" algn="l" defTabSz="914400" rtl="0" eaLnBrk="1" latinLnBrk="0" hangingPunct="1">
+              <a:spcBef>
+                <a:spcPct val="20000"/>
+              </a:spcBef>
+              <a:buFont typeface="Arial" pitchFamily="34" charset="0"/>
+              <a:buChar char="•"/>
+              <a:defRPr sz="1600" kern="1200">
+                <a:solidFill>
+                  <a:schemeClr val="tx1">
+                    <a:lumMod val="50000"/>
+                    <a:lumOff val="50000"/>
+                  </a:schemeClr>
+                </a:solidFill>
+                <a:latin typeface="+mj-lt"/>
+                <a:ea typeface="+mn-ea"/>
+                <a:cs typeface="+mn-cs"/>
+              </a:defRPr>
+            </a:lvl7pPr>
+            <a:lvl8pPr marL="3429000" indent="-228600" algn="l" defTabSz="914400" rtl="0" eaLnBrk="1" latinLnBrk="0" hangingPunct="1">
+              <a:spcBef>
+                <a:spcPct val="20000"/>
+              </a:spcBef>
+              <a:buFont typeface="Courier New" pitchFamily="49" charset="0"/>
+              <a:buChar char="o"/>
+              <a:defRPr sz="1600" kern="1200">
+                <a:solidFill>
+                  <a:schemeClr val="tx1">
+                    <a:lumMod val="50000"/>
+                    <a:lumOff val="50000"/>
+                  </a:schemeClr>
+                </a:solidFill>
+                <a:latin typeface="+mj-lt"/>
+                <a:ea typeface="+mn-ea"/>
+                <a:cs typeface="+mn-cs"/>
+              </a:defRPr>
+            </a:lvl8pPr>
+            <a:lvl9pPr marL="3886200" indent="-228600" algn="l" defTabSz="914400" rtl="0" eaLnBrk="1" latinLnBrk="0" hangingPunct="1">
+              <a:spcBef>
+                <a:spcPct val="20000"/>
+              </a:spcBef>
+              <a:buFont typeface="Arial" pitchFamily="34" charset="0"/>
+              <a:buChar char="•"/>
+              <a:defRPr sz="1600" kern="1200">
+                <a:solidFill>
+                  <a:schemeClr val="tx1">
+                    <a:lumMod val="50000"/>
+                    <a:lumOff val="50000"/>
+                  </a:schemeClr>
+                </a:solidFill>
+                <a:latin typeface="+mj-lt"/>
+                <a:ea typeface="+mn-ea"/>
+                <a:cs typeface="+mn-cs"/>
+              </a:defRPr>
+            </a:lvl9pPr>
+          </a:lstStyle>
+          <a:p>
+            <a:pPr marL="0" indent="0">
+              <a:buNone/>
+            </a:pPr>
+            <a:endParaRPr lang="pt-PT" dirty="0">
+              <a:solidFill>
+                <a:schemeClr val="tx1">
+                  <a:lumMod val="65000"/>
+                  <a:lumOff val="35000"/>
+                </a:schemeClr>
+              </a:solidFill>
+            </a:endParaRPr>
+          </a:p>
+        </p:txBody>
+      </p:sp>
+      <p:sp>
+        <p:nvSpPr>
+          <p:cNvPr id="8" name="Título 1"/>
+          <p:cNvSpPr txBox="1">
+            <a:spLocks/>
+          </p:cNvSpPr>
+          <p:nvPr/>
+        </p:nvSpPr>
+        <p:spPr>
+          <a:xfrm>
+            <a:off x="1319002" y="917310"/>
+            <a:ext cx="8925515" cy="968134"/>
+          </a:xfrm>
+          <a:prstGeom prst="rect">
+            <a:avLst/>
+          </a:prstGeom>
+        </p:spPr>
+        <p:txBody>
+          <a:bodyPr vert="horz" lIns="91440" tIns="45720" rIns="91440" bIns="45720" rtlCol="0" anchor="b">
+            <a:noAutofit/>
+          </a:bodyPr>
+          <a:lstStyle>
+            <a:lvl1pPr algn="ctr" defTabSz="914400" rtl="0" eaLnBrk="1" latinLnBrk="0" hangingPunct="1">
+              <a:lnSpc>
+                <a:spcPts val="5800"/>
+              </a:lnSpc>
+              <a:spcBef>
+                <a:spcPct val="0"/>
+              </a:spcBef>
+              <a:buNone/>
+              <a:defRPr sz="5400" kern="1200">
+                <a:solidFill>
+                  <a:schemeClr val="tx2"/>
+                </a:solidFill>
+                <a:effectLst>
+                  <a:outerShdw blurRad="63500" dist="38100" dir="5400000" algn="t" rotWithShape="0">
+                    <a:prstClr val="black">
+                      <a:alpha val="25000"/>
+                    </a:prstClr>
+                  </a:outerShdw>
+                </a:effectLst>
+                <a:latin typeface="+mn-lt"/>
+                <a:ea typeface="+mj-ea"/>
+                <a:cs typeface="+mj-cs"/>
+              </a:defRPr>
+            </a:lvl1pPr>
+          </a:lstStyle>
+          <a:p>
+            <a:endParaRPr lang="pt-PT" sz="4400" dirty="0">
+              <a:solidFill>
+                <a:srgbClr val="006600"/>
+              </a:solidFill>
+            </a:endParaRPr>
+          </a:p>
+        </p:txBody>
+      </p:sp>
+      <p:sp>
+        <p:nvSpPr>
+          <p:cNvPr id="9" name="Marcador de Posição do Rodapé 3"/>
+          <p:cNvSpPr>
+            <a:spLocks noGrp="1"/>
+          </p:cNvSpPr>
+          <p:nvPr>
+            <p:ph type="ftr" sz="quarter" idx="11"/>
+          </p:nvPr>
+        </p:nvSpPr>
+        <p:spPr>
+          <a:xfrm>
+            <a:off x="11026318" y="97822"/>
+            <a:ext cx="999947" cy="365125"/>
+          </a:xfrm>
+        </p:spPr>
+        <p:txBody>
+          <a:bodyPr/>
+          <a:lstStyle/>
+          <a:p>
+            <a:r>
+              <a:rPr lang="pt-PT" b="1" dirty="0" smtClean="0">
+                <a:solidFill>
+                  <a:srgbClr val="FE0000"/>
+                </a:solidFill>
+              </a:rPr>
+              <a:t>#PGGD26</a:t>
+            </a:r>
+            <a:endParaRPr lang="pt-PT" b="1" dirty="0">
+              <a:solidFill>
+                <a:srgbClr val="FE0000"/>
+              </a:solidFill>
+            </a:endParaRPr>
+          </a:p>
+        </p:txBody>
+      </p:sp>
+      <p:pic>
+        <p:nvPicPr>
+          <p:cNvPr id="10" name="Imagem 9"/>
+          <p:cNvPicPr>
+            <a:picLocks noChangeAspect="1"/>
+          </p:cNvPicPr>
+          <p:nvPr/>
+        </p:nvPicPr>
+        <p:blipFill>
+          <a:blip r:embed="rId3">
+            <a:extLst>
+              <a:ext uri="{28A0092B-C50C-407E-A947-70E740481C1C}">
+                <a14:useLocalDpi xmlns:a14="http://schemas.microsoft.com/office/drawing/2010/main" val="0"/>
+              </a:ext>
+            </a:extLst>
+          </a:blip>
+          <a:stretch>
+            <a:fillRect/>
+          </a:stretch>
+        </p:blipFill>
+        <p:spPr>
+          <a:xfrm>
+            <a:off x="153748" y="147921"/>
+            <a:ext cx="1326294" cy="891213"/>
+          </a:xfrm>
+          <a:prstGeom prst="rect">
+            <a:avLst/>
+          </a:prstGeom>
+        </p:spPr>
+      </p:pic>
+      <p:sp>
+        <p:nvSpPr>
+          <p:cNvPr id="2" name="CaixaDeTexto 1"/>
+          <p:cNvSpPr txBox="1"/>
+          <p:nvPr/>
+        </p:nvSpPr>
+        <p:spPr>
+          <a:xfrm>
+            <a:off x="1114073" y="1070496"/>
+            <a:ext cx="10278215" cy="1200329"/>
+          </a:xfrm>
+          <a:prstGeom prst="rect">
+            <a:avLst/>
+          </a:prstGeom>
+          <a:noFill/>
+        </p:spPr>
+        <p:txBody>
+          <a:bodyPr wrap="square" rtlCol="0">
+            <a:spAutoFit/>
+          </a:bodyPr>
+          <a:lstStyle/>
+          <a:p>
+            <a:pPr marL="285750" indent="-285750">
+              <a:buFont typeface="Arial" panose="020B0604020202020204" pitchFamily="34" charset="0"/>
+              <a:buChar char="•"/>
+            </a:pPr>
+            <a:endParaRPr lang="pt-PT" dirty="0" smtClean="0"/>
+          </a:p>
+          <a:p>
+            <a:pPr marL="285750" indent="-285750">
+              <a:buFont typeface="Arial" panose="020B0604020202020204" pitchFamily="34" charset="0"/>
+              <a:buChar char="•"/>
+            </a:pPr>
+            <a:endParaRPr lang="pt-PT" dirty="0"/>
+          </a:p>
+          <a:p>
+            <a:pPr marL="285750" indent="-285750">
+              <a:buFont typeface="Arial" panose="020B0604020202020204" pitchFamily="34" charset="0"/>
+              <a:buChar char="•"/>
+            </a:pPr>
+            <a:endParaRPr lang="pt-PT" dirty="0" smtClean="0"/>
+          </a:p>
+          <a:p>
+            <a:pPr marL="285750" indent="-285750">
+              <a:buFont typeface="Arial" panose="020B0604020202020204" pitchFamily="34" charset="0"/>
+              <a:buChar char="•"/>
+            </a:pPr>
+            <a:endParaRPr lang="pt-PT" dirty="0"/>
+          </a:p>
+        </p:txBody>
+      </p:sp>
+      <p:pic>
+        <p:nvPicPr>
+          <p:cNvPr id="3" name="Imagem 2"/>
+          <p:cNvPicPr>
+            <a:picLocks noChangeAspect="1"/>
+          </p:cNvPicPr>
+          <p:nvPr/>
+        </p:nvPicPr>
+        <p:blipFill>
+          <a:blip r:embed="rId4">
+            <a:extLst>
+              <a:ext uri="{28A0092B-C50C-407E-A947-70E740481C1C}">
+                <a14:useLocalDpi xmlns:a14="http://schemas.microsoft.com/office/drawing/2010/main" val="0"/>
+              </a:ext>
+            </a:extLst>
+          </a:blip>
+          <a:stretch>
+            <a:fillRect/>
+          </a:stretch>
+        </p:blipFill>
+        <p:spPr>
+          <a:xfrm>
+            <a:off x="1968417" y="3737061"/>
+            <a:ext cx="457200" cy="457200"/>
+          </a:xfrm>
+          <a:prstGeom prst="rect">
+            <a:avLst/>
+          </a:prstGeom>
+        </p:spPr>
+      </p:pic>
+      <p:pic>
+        <p:nvPicPr>
+          <p:cNvPr id="4" name="Imagem 3"/>
+          <p:cNvPicPr>
+            <a:picLocks noChangeAspect="1"/>
+          </p:cNvPicPr>
+          <p:nvPr/>
+        </p:nvPicPr>
+        <p:blipFill>
+          <a:blip r:embed="rId5">
+            <a:extLst>
+              <a:ext uri="{28A0092B-C50C-407E-A947-70E740481C1C}">
+                <a14:useLocalDpi xmlns:a14="http://schemas.microsoft.com/office/drawing/2010/main" val="0"/>
+              </a:ext>
+            </a:extLst>
+          </a:blip>
+          <a:stretch>
+            <a:fillRect/>
+          </a:stretch>
+        </p:blipFill>
+        <p:spPr>
+          <a:xfrm>
+            <a:off x="1968417" y="2853266"/>
+            <a:ext cx="457200" cy="457200"/>
+          </a:xfrm>
+          <a:prstGeom prst="rect">
+            <a:avLst/>
+          </a:prstGeom>
+        </p:spPr>
+      </p:pic>
+      <p:pic>
+        <p:nvPicPr>
+          <p:cNvPr id="6" name="Imagem 5"/>
+          <p:cNvPicPr>
+            <a:picLocks noChangeAspect="1"/>
+          </p:cNvPicPr>
+          <p:nvPr/>
+        </p:nvPicPr>
+        <p:blipFill>
+          <a:blip r:embed="rId6">
+            <a:extLst>
+              <a:ext uri="{28A0092B-C50C-407E-A947-70E740481C1C}">
+                <a14:useLocalDpi xmlns:a14="http://schemas.microsoft.com/office/drawing/2010/main" val="0"/>
+              </a:ext>
+            </a:extLst>
+          </a:blip>
+          <a:stretch>
+            <a:fillRect/>
+          </a:stretch>
+        </p:blipFill>
+        <p:spPr>
+          <a:xfrm>
+            <a:off x="1968417" y="2073587"/>
+            <a:ext cx="457200" cy="457200"/>
+          </a:xfrm>
+          <a:prstGeom prst="rect">
+            <a:avLst/>
+          </a:prstGeom>
+        </p:spPr>
+      </p:pic>
+      <p:sp>
+        <p:nvSpPr>
+          <p:cNvPr id="12" name="CaixaDeTexto 11"/>
+          <p:cNvSpPr txBox="1"/>
+          <p:nvPr/>
+        </p:nvSpPr>
+        <p:spPr>
+          <a:xfrm>
+            <a:off x="2537212" y="3780995"/>
+            <a:ext cx="6238600" cy="369332"/>
+          </a:xfrm>
+          <a:prstGeom prst="rect">
+            <a:avLst/>
+          </a:prstGeom>
+          <a:noFill/>
+        </p:spPr>
+        <p:txBody>
+          <a:bodyPr wrap="square" rtlCol="0">
+            <a:spAutoFit/>
+          </a:bodyPr>
+          <a:lstStyle/>
+          <a:p>
+            <a:r>
+              <a:rPr lang="pt-PT" dirty="0">
+                <a:latin typeface="+mj-lt"/>
+              </a:rPr>
+              <a:t>https://www.facebook.com/monica85rodrigues</a:t>
+            </a:r>
+          </a:p>
+        </p:txBody>
+      </p:sp>
+      <p:sp>
+        <p:nvSpPr>
+          <p:cNvPr id="14" name="CaixaDeTexto 13"/>
+          <p:cNvSpPr txBox="1"/>
+          <p:nvPr/>
+        </p:nvSpPr>
+        <p:spPr>
+          <a:xfrm>
+            <a:off x="2537212" y="2898777"/>
+            <a:ext cx="6238600" cy="369332"/>
+          </a:xfrm>
+          <a:prstGeom prst="rect">
+            <a:avLst/>
+          </a:prstGeom>
+          <a:noFill/>
+        </p:spPr>
+        <p:txBody>
+          <a:bodyPr wrap="square" rtlCol="0">
+            <a:spAutoFit/>
+          </a:bodyPr>
+          <a:lstStyle/>
+          <a:p>
+            <a:r>
+              <a:rPr lang="pt-PT" dirty="0">
+                <a:latin typeface="+mj-lt"/>
+              </a:rPr>
+              <a:t>https://github.com/monica85rodrigues</a:t>
+            </a:r>
+          </a:p>
+        </p:txBody>
+      </p:sp>
+      <p:sp>
+        <p:nvSpPr>
+          <p:cNvPr id="15" name="CaixaDeTexto 14"/>
+          <p:cNvSpPr txBox="1"/>
+          <p:nvPr/>
+        </p:nvSpPr>
+        <p:spPr>
+          <a:xfrm>
+            <a:off x="2537212" y="2073587"/>
+            <a:ext cx="6238600" cy="369332"/>
+          </a:xfrm>
+          <a:prstGeom prst="rect">
+            <a:avLst/>
+          </a:prstGeom>
+          <a:noFill/>
+        </p:spPr>
+        <p:txBody>
+          <a:bodyPr wrap="square" rtlCol="0">
+            <a:spAutoFit/>
+          </a:bodyPr>
+          <a:lstStyle/>
+          <a:p>
+            <a:r>
+              <a:rPr lang="pt-PT" dirty="0">
+                <a:latin typeface="+mj-lt"/>
+              </a:rPr>
+              <a:t>https://www.linkedin.com/in/monicascrodrigues</a:t>
+            </a:r>
+          </a:p>
+        </p:txBody>
+      </p:sp>
+      <p:sp>
+        <p:nvSpPr>
+          <p:cNvPr id="18" name="Retângulo 17"/>
+          <p:cNvSpPr/>
+          <p:nvPr/>
+        </p:nvSpPr>
+        <p:spPr>
+          <a:xfrm>
+            <a:off x="2537212" y="4663213"/>
+            <a:ext cx="2098651" cy="369332"/>
+          </a:xfrm>
+          <a:prstGeom prst="rect">
+            <a:avLst/>
+          </a:prstGeom>
+        </p:spPr>
+        <p:txBody>
+          <a:bodyPr wrap="none">
+            <a:spAutoFit/>
+          </a:bodyPr>
+          <a:lstStyle/>
+          <a:p>
+            <a:r>
+              <a:rPr lang="en-GB" dirty="0">
+                <a:solidFill>
+                  <a:srgbClr val="66757F"/>
+                </a:solidFill>
+                <a:latin typeface="Arial" panose="020B0604020202020204" pitchFamily="34" charset="0"/>
+                <a:hlinkClick r:id="rId7"/>
+              </a:rPr>
+              <a:t>@Monica85Rodrig</a:t>
+            </a:r>
+            <a:endParaRPr lang="pt-PT" dirty="0"/>
+          </a:p>
+        </p:txBody>
+      </p:sp>
+      <p:pic>
+        <p:nvPicPr>
+          <p:cNvPr id="19" name="Imagem 18"/>
+          <p:cNvPicPr>
+            <a:picLocks noChangeAspect="1"/>
+          </p:cNvPicPr>
+          <p:nvPr/>
+        </p:nvPicPr>
+        <p:blipFill>
+          <a:blip r:embed="rId8">
+            <a:extLst>
+              <a:ext uri="{28A0092B-C50C-407E-A947-70E740481C1C}">
+                <a14:useLocalDpi xmlns:a14="http://schemas.microsoft.com/office/drawing/2010/main" val="0"/>
+              </a:ext>
+            </a:extLst>
+          </a:blip>
+          <a:stretch>
+            <a:fillRect/>
+          </a:stretch>
+        </p:blipFill>
+        <p:spPr>
+          <a:xfrm>
+            <a:off x="1968417" y="4575345"/>
+            <a:ext cx="457200" cy="457200"/>
+          </a:xfrm>
+          <a:prstGeom prst="rect">
+            <a:avLst/>
+          </a:prstGeom>
+        </p:spPr>
+      </p:pic>
+    </p:spTree>
+    <p:extLst>
+      <p:ext uri="{BB962C8B-B14F-4D97-AF65-F5344CB8AC3E}">
+        <p14:creationId xmlns:p14="http://schemas.microsoft.com/office/powerpoint/2010/main" val="353116393"/>
+      </p:ext>
+    </p:extLst>
+  </p:cSld>
+  <p:clrMapOvr>
+    <a:masterClrMapping/>
+  </p:clrMapOvr>
+  <p:timing>
+    <p:tnLst>
+      <p:par>
+        <p:cTn id="1" dur="indefinite" restart="never" nodeType="tmRoot"/>
+      </p:par>
+    </p:tnLst>
+  </p:timing>
+</p:sld>
+</file>
+
 <file path=ppt/slides/slide2.xml><?xml version="1.0" encoding="utf-8"?>
 <p:sld xmlns:a="http://schemas.openxmlformats.org/drawingml/2006/main" xmlns:r="http://schemas.openxmlformats.org/officeDocument/2006/relationships" xmlns:p="http://schemas.openxmlformats.org/presentationml/2006/main">
   <p:cSld>
@@ -9278,7 +11661,7 @@
         </p:nvSpPr>
         <p:spPr>
           <a:xfrm>
-            <a:off x="4185256" y="2693473"/>
+            <a:off x="4428730" y="2479246"/>
             <a:ext cx="3068425" cy="1886619"/>
           </a:xfrm>
           <a:prstGeom prst="rect">
@@ -9579,8 +11962,8 @@
         </p:nvSpPr>
         <p:spPr>
           <a:xfrm>
-            <a:off x="4248764" y="4490226"/>
-            <a:ext cx="2941407" cy="461665"/>
+            <a:off x="3513340" y="4257151"/>
+            <a:ext cx="4803726" cy="1200329"/>
           </a:xfrm>
           <a:prstGeom prst="rect">
             <a:avLst/>
@@ -9593,48 +11976,45 @@
           </a:bodyPr>
           <a:lstStyle/>
           <a:p>
+            <a:pPr algn="ctr"/>
             <a:r>
               <a:rPr lang="pt-PT" sz="2400" b="1" dirty="0" smtClean="0">
                 <a:latin typeface="+mj-lt"/>
               </a:rPr>
               <a:t>Mónica Rodrigues</a:t>
             </a:r>
+          </a:p>
+          <a:p>
+            <a:pPr algn="ctr"/>
+            <a:r>
+              <a:rPr lang="pt-PT" sz="2400" dirty="0">
+                <a:solidFill>
+                  <a:schemeClr val="tx1">
+                    <a:lumMod val="65000"/>
+                    <a:lumOff val="35000"/>
+                  </a:schemeClr>
+                </a:solidFill>
+                <a:hlinkClick r:id="rId9"/>
+              </a:rPr>
+              <a:t>monica85rodrigues@gmail.com</a:t>
+            </a:r>
+            <a:endParaRPr lang="pt-PT" sz="2400" dirty="0">
+              <a:solidFill>
+                <a:schemeClr val="tx1">
+                  <a:lumMod val="65000"/>
+                  <a:lumOff val="35000"/>
+                </a:schemeClr>
+              </a:solidFill>
+            </a:endParaRPr>
+          </a:p>
+          <a:p>
+            <a:pPr algn="ctr"/>
             <a:endParaRPr lang="pt-PT" sz="2400" b="1" dirty="0">
               <a:latin typeface="+mj-lt"/>
             </a:endParaRPr>
           </a:p>
         </p:txBody>
       </p:sp>
-      <p:pic>
-        <p:nvPicPr>
-          <p:cNvPr id="6" name="Imagem 5"/>
-          <p:cNvPicPr>
-            <a:picLocks noChangeAspect="1"/>
-          </p:cNvPicPr>
-          <p:nvPr/>
-        </p:nvPicPr>
-        <p:blipFill>
-          <a:blip r:embed="rId9" cstate="print">
-            <a:extLst>
-              <a:ext uri="{28A0092B-C50C-407E-A947-70E740481C1C}">
-                <a14:useLocalDpi xmlns:a14="http://schemas.microsoft.com/office/drawing/2010/main" val="0"/>
-              </a:ext>
-            </a:extLst>
-          </a:blip>
-          <a:stretch>
-            <a:fillRect/>
-          </a:stretch>
-        </p:blipFill>
-        <p:spPr>
-          <a:xfrm>
-            <a:off x="5023541" y="213212"/>
-            <a:ext cx="1651843" cy="1651843"/>
-          </a:xfrm>
-          <a:prstGeom prst="rect">
-            <a:avLst/>
-          </a:prstGeom>
-        </p:spPr>
-      </p:pic>
       <p:pic>
         <p:nvPicPr>
           <p:cNvPr id="8" name="Imagem 7"/>
@@ -9659,6 +12039,36 @@
           <a:xfrm>
             <a:off x="2330430" y="1370927"/>
             <a:ext cx="1842723" cy="1038067"/>
+          </a:xfrm>
+          <a:prstGeom prst="rect">
+            <a:avLst/>
+          </a:prstGeom>
+        </p:spPr>
+      </p:pic>
+      <p:pic>
+        <p:nvPicPr>
+          <p:cNvPr id="16" name="Imagem 15"/>
+          <p:cNvPicPr>
+            <a:picLocks noChangeAspect="1"/>
+          </p:cNvPicPr>
+          <p:nvPr/>
+        </p:nvPicPr>
+        <p:blipFill>
+          <a:blip r:embed="rId11" cstate="print">
+            <a:extLst>
+              <a:ext uri="{28A0092B-C50C-407E-A947-70E740481C1C}">
+                <a14:useLocalDpi xmlns:a14="http://schemas.microsoft.com/office/drawing/2010/main" val="0"/>
+              </a:ext>
+            </a:extLst>
+          </a:blip>
+          <a:stretch>
+            <a:fillRect/>
+          </a:stretch>
+        </p:blipFill>
+        <p:spPr>
+          <a:xfrm>
+            <a:off x="5023541" y="280384"/>
+            <a:ext cx="1560174" cy="1560174"/>
           </a:xfrm>
           <a:prstGeom prst="rect">
             <a:avLst/>
@@ -9749,7 +12159,7 @@
                             </p:stCondLst>
                             <p:childTnLst>
                               <p:par>
-                                <p:cTn id="10" presetID="10" presetClass="entr" presetSubtype="0" fill="hold" nodeType="clickEffect">
+                                <p:cTn id="10" presetID="10" presetClass="entr" presetSubtype="0" fill="hold" grpId="0" nodeType="clickEffect">
                                   <p:stCondLst>
                                     <p:cond delay="0"/>
                                   </p:stCondLst>
@@ -9762,7 +12172,7 @@
                                           </p:stCondLst>
                                         </p:cTn>
                                         <p:tgtEl>
-                                          <p:spTgt spid="2"/>
+                                          <p:spTgt spid="3"/>
                                         </p:tgtEl>
                                         <p:attrNameLst>
                                           <p:attrName>style.visibility</p:attrName>
@@ -9776,7 +12186,7 @@
                                       <p:cBhvr>
                                         <p:cTn id="12" dur="500"/>
                                         <p:tgtEl>
-                                          <p:spTgt spid="2"/>
+                                          <p:spTgt spid="3"/>
                                         </p:tgtEl>
                                       </p:cBhvr>
                                     </p:animEffect>
@@ -9815,7 +12225,7 @@
                                           </p:stCondLst>
                                         </p:cTn>
                                         <p:tgtEl>
-                                          <p:spTgt spid="11"/>
+                                          <p:spTgt spid="2"/>
                                         </p:tgtEl>
                                         <p:attrNameLst>
                                           <p:attrName>style.visibility</p:attrName>
@@ -9829,7 +12239,7 @@
                                       <p:cBhvr>
                                         <p:cTn id="17" dur="500"/>
                                         <p:tgtEl>
-                                          <p:spTgt spid="11"/>
+                                          <p:spTgt spid="2"/>
                                         </p:tgtEl>
                                       </p:cBhvr>
                                     </p:animEffect>
@@ -9868,7 +12278,7 @@
                                           </p:stCondLst>
                                         </p:cTn>
                                         <p:tgtEl>
-                                          <p:spTgt spid="12"/>
+                                          <p:spTgt spid="11"/>
                                         </p:tgtEl>
                                         <p:attrNameLst>
                                           <p:attrName>style.visibility</p:attrName>
@@ -9882,7 +12292,7 @@
                                       <p:cBhvr>
                                         <p:cTn id="22" dur="500"/>
                                         <p:tgtEl>
-                                          <p:spTgt spid="12"/>
+                                          <p:spTgt spid="11"/>
                                         </p:tgtEl>
                                       </p:cBhvr>
                                     </p:animEffect>
@@ -9921,7 +12331,7 @@
                                           </p:stCondLst>
                                         </p:cTn>
                                         <p:tgtEl>
-                                          <p:spTgt spid="13"/>
+                                          <p:spTgt spid="12"/>
                                         </p:tgtEl>
                                         <p:attrNameLst>
                                           <p:attrName>style.visibility</p:attrName>
@@ -9935,7 +12345,7 @@
                                       <p:cBhvr>
                                         <p:cTn id="27" dur="500"/>
                                         <p:tgtEl>
-                                          <p:spTgt spid="13"/>
+                                          <p:spTgt spid="12"/>
                                         </p:tgtEl>
                                       </p:cBhvr>
                                     </p:animEffect>
@@ -9974,7 +12384,7 @@
                                           </p:stCondLst>
                                         </p:cTn>
                                         <p:tgtEl>
-                                          <p:spTgt spid="15"/>
+                                          <p:spTgt spid="13"/>
                                         </p:tgtEl>
                                         <p:attrNameLst>
                                           <p:attrName>style.visibility</p:attrName>
@@ -9988,7 +12398,7 @@
                                       <p:cBhvr>
                                         <p:cTn id="32" dur="500"/>
                                         <p:tgtEl>
-                                          <p:spTgt spid="15"/>
+                                          <p:spTgt spid="13"/>
                                         </p:tgtEl>
                                       </p:cBhvr>
                                     </p:animEffect>
@@ -10027,7 +12437,7 @@
                                           </p:stCondLst>
                                         </p:cTn>
                                         <p:tgtEl>
-                                          <p:spTgt spid="6"/>
+                                          <p:spTgt spid="15"/>
                                         </p:tgtEl>
                                         <p:attrNameLst>
                                           <p:attrName>style.visibility</p:attrName>
@@ -10041,7 +12451,7 @@
                                       <p:cBhvr>
                                         <p:cTn id="37" dur="500"/>
                                         <p:tgtEl>
-                                          <p:spTgt spid="6"/>
+                                          <p:spTgt spid="15"/>
                                         </p:tgtEl>
                                       </p:cBhvr>
                                     </p:animEffect>
@@ -10107,6 +12517,59 @@
                       </p:childTnLst>
                     </p:cTn>
                   </p:par>
+                  <p:par>
+                    <p:cTn id="43" fill="hold">
+                      <p:stCondLst>
+                        <p:cond delay="indefinite"/>
+                      </p:stCondLst>
+                      <p:childTnLst>
+                        <p:par>
+                          <p:cTn id="44" fill="hold">
+                            <p:stCondLst>
+                              <p:cond delay="0"/>
+                            </p:stCondLst>
+                            <p:childTnLst>
+                              <p:par>
+                                <p:cTn id="45" presetID="10" presetClass="entr" presetSubtype="0" fill="hold" nodeType="clickEffect">
+                                  <p:stCondLst>
+                                    <p:cond delay="0"/>
+                                  </p:stCondLst>
+                                  <p:childTnLst>
+                                    <p:set>
+                                      <p:cBhvr>
+                                        <p:cTn id="46" dur="1" fill="hold">
+                                          <p:stCondLst>
+                                            <p:cond delay="0"/>
+                                          </p:stCondLst>
+                                        </p:cTn>
+                                        <p:tgtEl>
+                                          <p:spTgt spid="16"/>
+                                        </p:tgtEl>
+                                        <p:attrNameLst>
+                                          <p:attrName>style.visibility</p:attrName>
+                                        </p:attrNameLst>
+                                      </p:cBhvr>
+                                      <p:to>
+                                        <p:strVal val="visible"/>
+                                      </p:to>
+                                    </p:set>
+                                    <p:animEffect transition="in" filter="fade">
+                                      <p:cBhvr>
+                                        <p:cTn id="47" dur="500"/>
+                                        <p:tgtEl>
+                                          <p:spTgt spid="16"/>
+                                        </p:tgtEl>
+                                      </p:cBhvr>
+                                    </p:animEffect>
+                                  </p:childTnLst>
+                                </p:cTn>
+                              </p:par>
+                            </p:childTnLst>
+                          </p:cTn>
+                        </p:par>
+                      </p:childTnLst>
+                    </p:cTn>
+                  </p:par>
                 </p:childTnLst>
               </p:cTn>
               <p:prevCondLst>
@@ -10130,6 +12593,7 @@
     </p:tnLst>
     <p:bldLst>
       <p:bldP spid="7" grpId="0"/>
+      <p:bldP spid="3" grpId="0"/>
     </p:bldLst>
   </p:timing>
 </p:sld>
@@ -10441,20 +12905,14 @@
             <a:r>
               <a:rPr lang="pt-PT" dirty="0" smtClean="0">
                 <a:solidFill>
-                  <a:schemeClr val="tx1">
-                    <a:lumMod val="65000"/>
-                    <a:lumOff val="35000"/>
-                  </a:schemeClr>
+                  <a:schemeClr val="tx1"/>
                 </a:solidFill>
               </a:rPr>
-              <a:t>Problem</a:t>
+              <a:t>Challenge</a:t>
             </a:r>
             <a:endParaRPr lang="pt-PT" dirty="0">
               <a:solidFill>
-                <a:schemeClr val="tx1">
-                  <a:lumMod val="65000"/>
-                  <a:lumOff val="35000"/>
-                </a:schemeClr>
+                <a:schemeClr val="tx1"/>
               </a:solidFill>
             </a:endParaRPr>
           </a:p>
@@ -10462,20 +12920,14 @@
             <a:r>
               <a:rPr lang="pt-PT" dirty="0" smtClean="0">
                 <a:solidFill>
-                  <a:schemeClr val="tx1">
-                    <a:lumMod val="65000"/>
-                    <a:lumOff val="35000"/>
-                  </a:schemeClr>
+                  <a:schemeClr val="tx1"/>
                 </a:solidFill>
               </a:rPr>
               <a:t>Solution</a:t>
             </a:r>
             <a:endParaRPr lang="pt-PT" dirty="0">
               <a:solidFill>
-                <a:schemeClr val="tx1">
-                  <a:lumMod val="65000"/>
-                  <a:lumOff val="35000"/>
-                </a:schemeClr>
+                <a:schemeClr val="tx1"/>
               </a:solidFill>
             </a:endParaRPr>
           </a:p>
@@ -10483,10 +12935,7 @@
             <a:r>
               <a:rPr lang="pt-PT" dirty="0" smtClean="0">
                 <a:solidFill>
-                  <a:schemeClr val="tx1">
-                    <a:lumMod val="65000"/>
-                    <a:lumOff val="35000"/>
-                  </a:schemeClr>
+                  <a:schemeClr val="tx1"/>
                 </a:solidFill>
               </a:rPr>
               <a:t>Motivations</a:t>
@@ -10496,10 +12945,7 @@
             <a:r>
               <a:rPr lang="pt-PT" dirty="0" smtClean="0">
                 <a:solidFill>
-                  <a:schemeClr val="tx1">
-                    <a:lumMod val="65000"/>
-                    <a:lumOff val="35000"/>
-                  </a:schemeClr>
+                  <a:schemeClr val="tx1"/>
                 </a:solidFill>
               </a:rPr>
               <a:t>Considerations</a:t>
@@ -10509,56 +12955,31 @@
             <a:r>
               <a:rPr lang="pt-PT" dirty="0" smtClean="0">
                 <a:solidFill>
-                  <a:schemeClr val="tx1">
-                    <a:lumMod val="65000"/>
-                    <a:lumOff val="35000"/>
-                  </a:schemeClr>
+                  <a:schemeClr val="tx1"/>
                 </a:solidFill>
               </a:rPr>
-              <a:t>Sample of SPA</a:t>
+              <a:t>SPA Samples</a:t>
             </a:r>
           </a:p>
           <a:p>
             <a:r>
               <a:rPr lang="pt-PT" dirty="0" smtClean="0">
                 <a:solidFill>
-                  <a:schemeClr val="tx1">
-                    <a:lumMod val="65000"/>
-                    <a:lumOff val="35000"/>
-                  </a:schemeClr>
+                  <a:schemeClr val="tx1"/>
                 </a:solidFill>
               </a:rPr>
               <a:t>Demos</a:t>
             </a:r>
-            <a:endParaRPr lang="pt-PT" dirty="0" smtClean="0">
-              <a:solidFill>
-                <a:schemeClr val="tx1">
-                  <a:lumMod val="65000"/>
-                  <a:lumOff val="35000"/>
-                </a:schemeClr>
-              </a:solidFill>
-            </a:endParaRPr>
           </a:p>
           <a:p>
             <a:r>
               <a:rPr lang="pt-PT" dirty="0" smtClean="0">
                 <a:solidFill>
-                  <a:schemeClr val="tx1">
-                    <a:lumMod val="65000"/>
-                    <a:lumOff val="35000"/>
-                  </a:schemeClr>
+                  <a:schemeClr val="tx1"/>
                 </a:solidFill>
               </a:rPr>
               <a:t>References</a:t>
             </a:r>
-            <a:endParaRPr lang="pt-PT" dirty="0" smtClean="0">
-              <a:solidFill>
-                <a:schemeClr val="tx1">
-                  <a:lumMod val="65000"/>
-                  <a:lumOff val="35000"/>
-                </a:schemeClr>
-              </a:solidFill>
-            </a:endParaRPr>
           </a:p>
           <a:p>
             <a:pPr marL="0" indent="0">
@@ -10644,7 +13065,7 @@
     </p:spTree>
     <p:extLst>
       <p:ext uri="{BB962C8B-B14F-4D97-AF65-F5344CB8AC3E}">
-        <p14:creationId xmlns:p14="http://schemas.microsoft.com/office/powerpoint/2010/main" val="752900948"/>
+        <p14:creationId xmlns:p14="http://schemas.microsoft.com/office/powerpoint/2010/main" val="3128496009"/>
       </p:ext>
     </p:extLst>
   </p:cSld>
@@ -10849,8 +13270,8 @@
         </p:nvSpPr>
         <p:spPr>
           <a:xfrm>
-            <a:off x="4173948" y="142478"/>
-            <a:ext cx="3068425" cy="968134"/>
+            <a:off x="3839060" y="147921"/>
+            <a:ext cx="3885398" cy="968134"/>
           </a:xfrm>
           <a:prstGeom prst="rect">
             <a:avLst/>
@@ -10888,14 +13309,14 @@
           </a:lstStyle>
           <a:p>
             <a:r>
-              <a:rPr lang="pt-PT" sz="6000" dirty="0" smtClean="0">
+              <a:rPr lang="en-GB" sz="6000" dirty="0" smtClean="0">
                 <a:solidFill>
                   <a:srgbClr val="006600"/>
                 </a:solidFill>
               </a:rPr>
-              <a:t>Problem</a:t>
-            </a:r>
-            <a:endParaRPr lang="pt-PT" sz="6000" dirty="0">
+              <a:t>Challenge</a:t>
+            </a:r>
+            <a:endParaRPr lang="en-GB" sz="6000" dirty="0">
               <a:solidFill>
                 <a:srgbClr val="006600"/>
               </a:solidFill>
@@ -11248,10 +13669,16 @@
           <a:lstStyle/>
           <a:p>
             <a:r>
+              <a:rPr lang="en-GB" sz="2800" dirty="0" smtClean="0">
+                <a:latin typeface="+mj-lt"/>
+              </a:rPr>
+              <a:t>Users want </a:t>
+            </a:r>
+            <a:r>
               <a:rPr lang="en-GB" sz="2800" dirty="0">
                 <a:latin typeface="+mj-lt"/>
               </a:rPr>
-              <a:t>The user wants a central place to view or take actions on most or all content so they don’t have to waste time navigating between pages.</a:t>
+              <a:t>a central place to view or take actions on most or all content so they don’t have to waste time navigating between pages.</a:t>
             </a:r>
             <a:endParaRPr lang="pt-PT" sz="2800" dirty="0">
               <a:latin typeface="+mj-lt"/>
@@ -11448,6 +13875,743 @@
                 </a:solidFill>
               </a:rPr>
               <a:t>5</a:t>
+            </a:fld>
+            <a:endParaRPr lang="pt-PT" b="1" dirty="0">
+              <a:solidFill>
+                <a:srgbClr val="006600"/>
+              </a:solidFill>
+            </a:endParaRPr>
+          </a:p>
+        </p:txBody>
+      </p:sp>
+      <p:sp>
+        <p:nvSpPr>
+          <p:cNvPr id="7" name="Título 1"/>
+          <p:cNvSpPr txBox="1">
+            <a:spLocks/>
+          </p:cNvSpPr>
+          <p:nvPr/>
+        </p:nvSpPr>
+        <p:spPr>
+          <a:xfrm>
+            <a:off x="3839060" y="147921"/>
+            <a:ext cx="3885398" cy="968134"/>
+          </a:xfrm>
+          <a:prstGeom prst="rect">
+            <a:avLst/>
+          </a:prstGeom>
+        </p:spPr>
+        <p:txBody>
+          <a:bodyPr vert="horz" lIns="91440" tIns="45720" rIns="91440" bIns="45720" rtlCol="0" anchor="b">
+            <a:noAutofit/>
+          </a:bodyPr>
+          <a:lstStyle>
+            <a:lvl1pPr algn="ctr" defTabSz="914400" rtl="0" eaLnBrk="1" latinLnBrk="0" hangingPunct="1">
+              <a:lnSpc>
+                <a:spcPts val="5800"/>
+              </a:lnSpc>
+              <a:spcBef>
+                <a:spcPct val="0"/>
+              </a:spcBef>
+              <a:buNone/>
+              <a:defRPr sz="5400" kern="1200">
+                <a:solidFill>
+                  <a:schemeClr val="tx2"/>
+                </a:solidFill>
+                <a:effectLst>
+                  <a:outerShdw blurRad="63500" dist="38100" dir="5400000" algn="t" rotWithShape="0">
+                    <a:prstClr val="black">
+                      <a:alpha val="25000"/>
+                    </a:prstClr>
+                  </a:outerShdw>
+                </a:effectLst>
+                <a:latin typeface="+mn-lt"/>
+                <a:ea typeface="+mj-ea"/>
+                <a:cs typeface="+mj-cs"/>
+              </a:defRPr>
+            </a:lvl1pPr>
+          </a:lstStyle>
+          <a:p>
+            <a:r>
+              <a:rPr lang="en-GB" sz="6000" dirty="0" smtClean="0">
+                <a:solidFill>
+                  <a:srgbClr val="006600"/>
+                </a:solidFill>
+              </a:rPr>
+              <a:t>Solution</a:t>
+            </a:r>
+            <a:endParaRPr lang="en-GB" sz="6000" dirty="0">
+              <a:solidFill>
+                <a:srgbClr val="006600"/>
+              </a:solidFill>
+            </a:endParaRPr>
+          </a:p>
+        </p:txBody>
+      </p:sp>
+      <p:sp>
+        <p:nvSpPr>
+          <p:cNvPr id="17" name="Subtítulo 2"/>
+          <p:cNvSpPr txBox="1">
+            <a:spLocks/>
+          </p:cNvSpPr>
+          <p:nvPr/>
+        </p:nvSpPr>
+        <p:spPr>
+          <a:xfrm>
+            <a:off x="4795251" y="1327416"/>
+            <a:ext cx="1973016" cy="679731"/>
+          </a:xfrm>
+          <a:prstGeom prst="rect">
+            <a:avLst/>
+          </a:prstGeom>
+        </p:spPr>
+        <p:txBody>
+          <a:bodyPr vert="horz" lIns="91440" tIns="45720" rIns="91440" bIns="45720" rtlCol="0">
+            <a:normAutofit/>
+          </a:bodyPr>
+          <a:lstStyle>
+            <a:lvl1pPr marL="342900" indent="-342900" algn="l" defTabSz="914400" rtl="0" eaLnBrk="1" latinLnBrk="0" hangingPunct="1">
+              <a:spcBef>
+                <a:spcPct val="20000"/>
+              </a:spcBef>
+              <a:buFont typeface="Arial" pitchFamily="34" charset="0"/>
+              <a:buChar char="•"/>
+              <a:defRPr sz="2400" kern="1200">
+                <a:solidFill>
+                  <a:schemeClr val="tx1">
+                    <a:lumMod val="50000"/>
+                    <a:lumOff val="50000"/>
+                  </a:schemeClr>
+                </a:solidFill>
+                <a:latin typeface="+mj-lt"/>
+                <a:ea typeface="+mn-ea"/>
+                <a:cs typeface="+mn-cs"/>
+              </a:defRPr>
+            </a:lvl1pPr>
+            <a:lvl2pPr marL="742950" indent="-285750" algn="l" defTabSz="914400" rtl="0" eaLnBrk="1" latinLnBrk="0" hangingPunct="1">
+              <a:spcBef>
+                <a:spcPct val="20000"/>
+              </a:spcBef>
+              <a:buFont typeface="Courier New" pitchFamily="49" charset="0"/>
+              <a:buChar char="o"/>
+              <a:defRPr sz="1600" kern="1200">
+                <a:solidFill>
+                  <a:schemeClr val="tx1">
+                    <a:lumMod val="50000"/>
+                    <a:lumOff val="50000"/>
+                  </a:schemeClr>
+                </a:solidFill>
+                <a:latin typeface="+mj-lt"/>
+                <a:ea typeface="+mn-ea"/>
+                <a:cs typeface="+mn-cs"/>
+              </a:defRPr>
+            </a:lvl2pPr>
+            <a:lvl3pPr marL="1143000" indent="-228600" algn="l" defTabSz="914400" rtl="0" eaLnBrk="1" latinLnBrk="0" hangingPunct="1">
+              <a:spcBef>
+                <a:spcPct val="20000"/>
+              </a:spcBef>
+              <a:buFont typeface="Arial" pitchFamily="34" charset="0"/>
+              <a:buChar char="•"/>
+              <a:defRPr sz="1600" kern="1200">
+                <a:solidFill>
+                  <a:schemeClr val="tx1">
+                    <a:lumMod val="50000"/>
+                    <a:lumOff val="50000"/>
+                  </a:schemeClr>
+                </a:solidFill>
+                <a:latin typeface="+mj-lt"/>
+                <a:ea typeface="+mn-ea"/>
+                <a:cs typeface="+mn-cs"/>
+              </a:defRPr>
+            </a:lvl3pPr>
+            <a:lvl4pPr marL="1600200" indent="-228600" algn="l" defTabSz="914400" rtl="0" eaLnBrk="1" latinLnBrk="0" hangingPunct="1">
+              <a:spcBef>
+                <a:spcPct val="20000"/>
+              </a:spcBef>
+              <a:buFont typeface="Courier New" pitchFamily="49" charset="0"/>
+              <a:buChar char="o"/>
+              <a:defRPr sz="1600" kern="1200">
+                <a:solidFill>
+                  <a:schemeClr val="tx1">
+                    <a:lumMod val="50000"/>
+                    <a:lumOff val="50000"/>
+                  </a:schemeClr>
+                </a:solidFill>
+                <a:latin typeface="+mj-lt"/>
+                <a:ea typeface="+mn-ea"/>
+                <a:cs typeface="+mn-cs"/>
+              </a:defRPr>
+            </a:lvl4pPr>
+            <a:lvl5pPr marL="2057400" indent="-228600" algn="l" defTabSz="914400" rtl="0" eaLnBrk="1" latinLnBrk="0" hangingPunct="1">
+              <a:spcBef>
+                <a:spcPct val="20000"/>
+              </a:spcBef>
+              <a:buFont typeface="Arial" pitchFamily="34" charset="0"/>
+              <a:buChar char="•"/>
+              <a:defRPr sz="1600" kern="1200">
+                <a:solidFill>
+                  <a:schemeClr val="tx1">
+                    <a:lumMod val="50000"/>
+                    <a:lumOff val="50000"/>
+                  </a:schemeClr>
+                </a:solidFill>
+                <a:latin typeface="+mj-lt"/>
+                <a:ea typeface="+mn-ea"/>
+                <a:cs typeface="+mn-cs"/>
+              </a:defRPr>
+            </a:lvl5pPr>
+            <a:lvl6pPr marL="2514600" indent="-228600" algn="l" defTabSz="914400" rtl="0" eaLnBrk="1" latinLnBrk="0" hangingPunct="1">
+              <a:spcBef>
+                <a:spcPct val="20000"/>
+              </a:spcBef>
+              <a:buFont typeface="Courier New" pitchFamily="49" charset="0"/>
+              <a:buChar char="o"/>
+              <a:defRPr sz="1600" kern="1200">
+                <a:solidFill>
+                  <a:schemeClr val="tx1">
+                    <a:lumMod val="50000"/>
+                    <a:lumOff val="50000"/>
+                  </a:schemeClr>
+                </a:solidFill>
+                <a:latin typeface="+mj-lt"/>
+                <a:ea typeface="+mn-ea"/>
+                <a:cs typeface="+mn-cs"/>
+              </a:defRPr>
+            </a:lvl6pPr>
+            <a:lvl7pPr marL="2971800" indent="-228600" algn="l" defTabSz="914400" rtl="0" eaLnBrk="1" latinLnBrk="0" hangingPunct="1">
+              <a:spcBef>
+                <a:spcPct val="20000"/>
+              </a:spcBef>
+              <a:buFont typeface="Arial" pitchFamily="34" charset="0"/>
+              <a:buChar char="•"/>
+              <a:defRPr sz="1600" kern="1200">
+                <a:solidFill>
+                  <a:schemeClr val="tx1">
+                    <a:lumMod val="50000"/>
+                    <a:lumOff val="50000"/>
+                  </a:schemeClr>
+                </a:solidFill>
+                <a:latin typeface="+mj-lt"/>
+                <a:ea typeface="+mn-ea"/>
+                <a:cs typeface="+mn-cs"/>
+              </a:defRPr>
+            </a:lvl7pPr>
+            <a:lvl8pPr marL="3429000" indent="-228600" algn="l" defTabSz="914400" rtl="0" eaLnBrk="1" latinLnBrk="0" hangingPunct="1">
+              <a:spcBef>
+                <a:spcPct val="20000"/>
+              </a:spcBef>
+              <a:buFont typeface="Courier New" pitchFamily="49" charset="0"/>
+              <a:buChar char="o"/>
+              <a:defRPr sz="1600" kern="1200">
+                <a:solidFill>
+                  <a:schemeClr val="tx1">
+                    <a:lumMod val="50000"/>
+                    <a:lumOff val="50000"/>
+                  </a:schemeClr>
+                </a:solidFill>
+                <a:latin typeface="+mj-lt"/>
+                <a:ea typeface="+mn-ea"/>
+                <a:cs typeface="+mn-cs"/>
+              </a:defRPr>
+            </a:lvl8pPr>
+            <a:lvl9pPr marL="3886200" indent="-228600" algn="l" defTabSz="914400" rtl="0" eaLnBrk="1" latinLnBrk="0" hangingPunct="1">
+              <a:spcBef>
+                <a:spcPct val="20000"/>
+              </a:spcBef>
+              <a:buFont typeface="Arial" pitchFamily="34" charset="0"/>
+              <a:buChar char="•"/>
+              <a:defRPr sz="1600" kern="1200">
+                <a:solidFill>
+                  <a:schemeClr val="tx1">
+                    <a:lumMod val="50000"/>
+                    <a:lumOff val="50000"/>
+                  </a:schemeClr>
+                </a:solidFill>
+                <a:latin typeface="+mj-lt"/>
+                <a:ea typeface="+mn-ea"/>
+                <a:cs typeface="+mn-cs"/>
+              </a:defRPr>
+            </a:lvl9pPr>
+          </a:lstStyle>
+          <a:p>
+            <a:pPr marL="0" indent="0">
+              <a:buNone/>
+            </a:pPr>
+            <a:r>
+              <a:rPr lang="pt-PT" dirty="0" err="1" smtClean="0">
+                <a:solidFill>
+                  <a:schemeClr val="tx1">
+                    <a:lumMod val="65000"/>
+                    <a:lumOff val="35000"/>
+                  </a:schemeClr>
+                </a:solidFill>
+              </a:rPr>
+              <a:t>Go</a:t>
+            </a:r>
+            <a:r>
+              <a:rPr lang="pt-PT" dirty="0" smtClean="0">
+                <a:solidFill>
+                  <a:schemeClr val="tx1">
+                    <a:lumMod val="65000"/>
+                    <a:lumOff val="35000"/>
+                  </a:schemeClr>
+                </a:solidFill>
+              </a:rPr>
+              <a:t> to a SPA</a:t>
+            </a:r>
+            <a:endParaRPr lang="pt-PT" dirty="0">
+              <a:solidFill>
+                <a:schemeClr val="tx1">
+                  <a:lumMod val="65000"/>
+                  <a:lumOff val="35000"/>
+                </a:schemeClr>
+              </a:solidFill>
+            </a:endParaRPr>
+          </a:p>
+        </p:txBody>
+      </p:sp>
+      <p:sp>
+        <p:nvSpPr>
+          <p:cNvPr id="8" name="Título 1"/>
+          <p:cNvSpPr txBox="1">
+            <a:spLocks/>
+          </p:cNvSpPr>
+          <p:nvPr/>
+        </p:nvSpPr>
+        <p:spPr>
+          <a:xfrm>
+            <a:off x="1319002" y="917310"/>
+            <a:ext cx="8925515" cy="968134"/>
+          </a:xfrm>
+          <a:prstGeom prst="rect">
+            <a:avLst/>
+          </a:prstGeom>
+        </p:spPr>
+        <p:txBody>
+          <a:bodyPr vert="horz" lIns="91440" tIns="45720" rIns="91440" bIns="45720" rtlCol="0" anchor="b">
+            <a:noAutofit/>
+          </a:bodyPr>
+          <a:lstStyle>
+            <a:lvl1pPr algn="ctr" defTabSz="914400" rtl="0" eaLnBrk="1" latinLnBrk="0" hangingPunct="1">
+              <a:lnSpc>
+                <a:spcPts val="5800"/>
+              </a:lnSpc>
+              <a:spcBef>
+                <a:spcPct val="0"/>
+              </a:spcBef>
+              <a:buNone/>
+              <a:defRPr sz="5400" kern="1200">
+                <a:solidFill>
+                  <a:schemeClr val="tx2"/>
+                </a:solidFill>
+                <a:effectLst>
+                  <a:outerShdw blurRad="63500" dist="38100" dir="5400000" algn="t" rotWithShape="0">
+                    <a:prstClr val="black">
+                      <a:alpha val="25000"/>
+                    </a:prstClr>
+                  </a:outerShdw>
+                </a:effectLst>
+                <a:latin typeface="+mn-lt"/>
+                <a:ea typeface="+mj-ea"/>
+                <a:cs typeface="+mj-cs"/>
+              </a:defRPr>
+            </a:lvl1pPr>
+          </a:lstStyle>
+          <a:p>
+            <a:endParaRPr lang="pt-PT" sz="4400" dirty="0">
+              <a:solidFill>
+                <a:srgbClr val="006600"/>
+              </a:solidFill>
+            </a:endParaRPr>
+          </a:p>
+        </p:txBody>
+      </p:sp>
+      <p:sp>
+        <p:nvSpPr>
+          <p:cNvPr id="9" name="Marcador de Posição do Rodapé 3"/>
+          <p:cNvSpPr>
+            <a:spLocks noGrp="1"/>
+          </p:cNvSpPr>
+          <p:nvPr>
+            <p:ph type="ftr" sz="quarter" idx="11"/>
+          </p:nvPr>
+        </p:nvSpPr>
+        <p:spPr>
+          <a:xfrm>
+            <a:off x="11026318" y="97822"/>
+            <a:ext cx="999947" cy="365125"/>
+          </a:xfrm>
+        </p:spPr>
+        <p:txBody>
+          <a:bodyPr/>
+          <a:lstStyle/>
+          <a:p>
+            <a:r>
+              <a:rPr lang="pt-PT" b="1" dirty="0" smtClean="0">
+                <a:solidFill>
+                  <a:srgbClr val="FE0000"/>
+                </a:solidFill>
+              </a:rPr>
+              <a:t>#PGGD26</a:t>
+            </a:r>
+            <a:endParaRPr lang="pt-PT" b="1" dirty="0">
+              <a:solidFill>
+                <a:srgbClr val="FE0000"/>
+              </a:solidFill>
+            </a:endParaRPr>
+          </a:p>
+        </p:txBody>
+      </p:sp>
+      <p:pic>
+        <p:nvPicPr>
+          <p:cNvPr id="10" name="Imagem 9"/>
+          <p:cNvPicPr>
+            <a:picLocks noChangeAspect="1"/>
+          </p:cNvPicPr>
+          <p:nvPr/>
+        </p:nvPicPr>
+        <p:blipFill>
+          <a:blip r:embed="rId3">
+            <a:extLst>
+              <a:ext uri="{28A0092B-C50C-407E-A947-70E740481C1C}">
+                <a14:useLocalDpi xmlns:a14="http://schemas.microsoft.com/office/drawing/2010/main" val="0"/>
+              </a:ext>
+            </a:extLst>
+          </a:blip>
+          <a:stretch>
+            <a:fillRect/>
+          </a:stretch>
+        </p:blipFill>
+        <p:spPr>
+          <a:xfrm>
+            <a:off x="153748" y="147921"/>
+            <a:ext cx="1326294" cy="891213"/>
+          </a:xfrm>
+          <a:prstGeom prst="rect">
+            <a:avLst/>
+          </a:prstGeom>
+        </p:spPr>
+      </p:pic>
+      <p:pic>
+        <p:nvPicPr>
+          <p:cNvPr id="2050" name="Picture 2" descr="http://www.kahalaresort.com/i/SITE_130419_11280986_BDQ1G/content/CMS_130627_11323619_E1E0R/D12353E6-188B-3B72-2EA84FA07B3710C5.JPG"/>
+          <p:cNvPicPr>
+            <a:picLocks noChangeAspect="1" noChangeArrowheads="1"/>
+          </p:cNvPicPr>
+          <p:nvPr/>
+        </p:nvPicPr>
+        <p:blipFill>
+          <a:blip r:embed="rId4">
+            <a:extLst>
+              <a:ext uri="{28A0092B-C50C-407E-A947-70E740481C1C}">
+                <a14:useLocalDpi xmlns:a14="http://schemas.microsoft.com/office/drawing/2010/main" val="0"/>
+              </a:ext>
+            </a:extLst>
+          </a:blip>
+          <a:srcRect/>
+          <a:stretch>
+            <a:fillRect/>
+          </a:stretch>
+        </p:blipFill>
+        <p:spPr bwMode="auto">
+          <a:xfrm>
+            <a:off x="3160968" y="1885444"/>
+            <a:ext cx="5429250" cy="4333875"/>
+          </a:xfrm>
+          <a:prstGeom prst="rect">
+            <a:avLst/>
+          </a:prstGeom>
+          <a:ln>
+            <a:noFill/>
+          </a:ln>
+          <a:effectLst>
+            <a:outerShdw blurRad="292100" dist="139700" dir="2700000" algn="tl" rotWithShape="0">
+              <a:srgbClr val="333333">
+                <a:alpha val="65000"/>
+              </a:srgbClr>
+            </a:outerShdw>
+          </a:effectLst>
+          <a:extLst>
+            <a:ext uri="{909E8E84-426E-40DD-AFC4-6F175D3DCCD1}">
+              <a14:hiddenFill xmlns:a14="http://schemas.microsoft.com/office/drawing/2010/main">
+                <a:solidFill>
+                  <a:srgbClr val="FFFFFF"/>
+                </a:solidFill>
+              </a14:hiddenFill>
+            </a:ext>
+          </a:extLst>
+        </p:spPr>
+      </p:pic>
+    </p:spTree>
+    <p:extLst>
+      <p:ext uri="{BB962C8B-B14F-4D97-AF65-F5344CB8AC3E}">
+        <p14:creationId xmlns:p14="http://schemas.microsoft.com/office/powerpoint/2010/main" val="1041486260"/>
+      </p:ext>
+    </p:extLst>
+  </p:cSld>
+  <p:clrMapOvr>
+    <a:masterClrMapping/>
+  </p:clrMapOvr>
+  <p:timing>
+    <p:tnLst>
+      <p:par>
+        <p:cTn id="1" dur="indefinite" restart="never" nodeType="tmRoot">
+          <p:childTnLst>
+            <p:seq concurrent="1" nextAc="seek">
+              <p:cTn id="2" dur="indefinite" nodeType="mainSeq">
+                <p:childTnLst>
+                  <p:par>
+                    <p:cTn id="3" fill="hold">
+                      <p:stCondLst>
+                        <p:cond delay="indefinite"/>
+                      </p:stCondLst>
+                      <p:childTnLst>
+                        <p:par>
+                          <p:cTn id="4" fill="hold">
+                            <p:stCondLst>
+                              <p:cond delay="0"/>
+                            </p:stCondLst>
+                            <p:childTnLst>
+                              <p:par>
+                                <p:cTn id="5" presetID="42" presetClass="entr" presetSubtype="0" fill="hold" grpId="0" nodeType="clickEffect">
+                                  <p:stCondLst>
+                                    <p:cond delay="0"/>
+                                  </p:stCondLst>
+                                  <p:childTnLst>
+                                    <p:set>
+                                      <p:cBhvr>
+                                        <p:cTn id="6" dur="1" fill="hold">
+                                          <p:stCondLst>
+                                            <p:cond delay="0"/>
+                                          </p:stCondLst>
+                                        </p:cTn>
+                                        <p:tgtEl>
+                                          <p:spTgt spid="17"/>
+                                        </p:tgtEl>
+                                        <p:attrNameLst>
+                                          <p:attrName>style.visibility</p:attrName>
+                                        </p:attrNameLst>
+                                      </p:cBhvr>
+                                      <p:to>
+                                        <p:strVal val="visible"/>
+                                      </p:to>
+                                    </p:set>
+                                    <p:animEffect transition="in" filter="fade">
+                                      <p:cBhvr>
+                                        <p:cTn id="7" dur="1000"/>
+                                        <p:tgtEl>
+                                          <p:spTgt spid="17"/>
+                                        </p:tgtEl>
+                                      </p:cBhvr>
+                                    </p:animEffect>
+                                    <p:anim calcmode="lin" valueType="num">
+                                      <p:cBhvr>
+                                        <p:cTn id="8" dur="1000" fill="hold"/>
+                                        <p:tgtEl>
+                                          <p:spTgt spid="17"/>
+                                        </p:tgtEl>
+                                        <p:attrNameLst>
+                                          <p:attrName>ppt_x</p:attrName>
+                                        </p:attrNameLst>
+                                      </p:cBhvr>
+                                      <p:tavLst>
+                                        <p:tav tm="0">
+                                          <p:val>
+                                            <p:strVal val="#ppt_x"/>
+                                          </p:val>
+                                        </p:tav>
+                                        <p:tav tm="100000">
+                                          <p:val>
+                                            <p:strVal val="#ppt_x"/>
+                                          </p:val>
+                                        </p:tav>
+                                      </p:tavLst>
+                                    </p:anim>
+                                    <p:anim calcmode="lin" valueType="num">
+                                      <p:cBhvr>
+                                        <p:cTn id="9" dur="1000" fill="hold"/>
+                                        <p:tgtEl>
+                                          <p:spTgt spid="17"/>
+                                        </p:tgtEl>
+                                        <p:attrNameLst>
+                                          <p:attrName>ppt_y</p:attrName>
+                                        </p:attrNameLst>
+                                      </p:cBhvr>
+                                      <p:tavLst>
+                                        <p:tav tm="0">
+                                          <p:val>
+                                            <p:strVal val="#ppt_y+.1"/>
+                                          </p:val>
+                                        </p:tav>
+                                        <p:tav tm="100000">
+                                          <p:val>
+                                            <p:strVal val="#ppt_y"/>
+                                          </p:val>
+                                        </p:tav>
+                                      </p:tavLst>
+                                    </p:anim>
+                                  </p:childTnLst>
+                                </p:cTn>
+                              </p:par>
+                              <p:par>
+                                <p:cTn id="10" presetID="42" presetClass="entr" presetSubtype="0" fill="hold" nodeType="withEffect">
+                                  <p:stCondLst>
+                                    <p:cond delay="0"/>
+                                  </p:stCondLst>
+                                  <p:childTnLst>
+                                    <p:set>
+                                      <p:cBhvr>
+                                        <p:cTn id="11" dur="1" fill="hold">
+                                          <p:stCondLst>
+                                            <p:cond delay="0"/>
+                                          </p:stCondLst>
+                                        </p:cTn>
+                                        <p:tgtEl>
+                                          <p:spTgt spid="2050"/>
+                                        </p:tgtEl>
+                                        <p:attrNameLst>
+                                          <p:attrName>style.visibility</p:attrName>
+                                        </p:attrNameLst>
+                                      </p:cBhvr>
+                                      <p:to>
+                                        <p:strVal val="visible"/>
+                                      </p:to>
+                                    </p:set>
+                                    <p:animEffect transition="in" filter="fade">
+                                      <p:cBhvr>
+                                        <p:cTn id="12" dur="1000"/>
+                                        <p:tgtEl>
+                                          <p:spTgt spid="2050"/>
+                                        </p:tgtEl>
+                                      </p:cBhvr>
+                                    </p:animEffect>
+                                    <p:anim calcmode="lin" valueType="num">
+                                      <p:cBhvr>
+                                        <p:cTn id="13" dur="1000" fill="hold"/>
+                                        <p:tgtEl>
+                                          <p:spTgt spid="2050"/>
+                                        </p:tgtEl>
+                                        <p:attrNameLst>
+                                          <p:attrName>ppt_x</p:attrName>
+                                        </p:attrNameLst>
+                                      </p:cBhvr>
+                                      <p:tavLst>
+                                        <p:tav tm="0">
+                                          <p:val>
+                                            <p:strVal val="#ppt_x"/>
+                                          </p:val>
+                                        </p:tav>
+                                        <p:tav tm="100000">
+                                          <p:val>
+                                            <p:strVal val="#ppt_x"/>
+                                          </p:val>
+                                        </p:tav>
+                                      </p:tavLst>
+                                    </p:anim>
+                                    <p:anim calcmode="lin" valueType="num">
+                                      <p:cBhvr>
+                                        <p:cTn id="14" dur="1000" fill="hold"/>
+                                        <p:tgtEl>
+                                          <p:spTgt spid="2050"/>
+                                        </p:tgtEl>
+                                        <p:attrNameLst>
+                                          <p:attrName>ppt_y</p:attrName>
+                                        </p:attrNameLst>
+                                      </p:cBhvr>
+                                      <p:tavLst>
+                                        <p:tav tm="0">
+                                          <p:val>
+                                            <p:strVal val="#ppt_y+.1"/>
+                                          </p:val>
+                                        </p:tav>
+                                        <p:tav tm="100000">
+                                          <p:val>
+                                            <p:strVal val="#ppt_y"/>
+                                          </p:val>
+                                        </p:tav>
+                                      </p:tavLst>
+                                    </p:anim>
+                                  </p:childTnLst>
+                                </p:cTn>
+                              </p:par>
+                            </p:childTnLst>
+                          </p:cTn>
+                        </p:par>
+                      </p:childTnLst>
+                    </p:cTn>
+                  </p:par>
+                </p:childTnLst>
+              </p:cTn>
+              <p:prevCondLst>
+                <p:cond evt="onPrev" delay="0">
+                  <p:tgtEl>
+                    <p:sldTgt/>
+                  </p:tgtEl>
+                </p:cond>
+              </p:prevCondLst>
+              <p:nextCondLst>
+                <p:cond evt="onNext" delay="0">
+                  <p:tgtEl>
+                    <p:sldTgt/>
+                  </p:tgtEl>
+                </p:cond>
+              </p:nextCondLst>
+            </p:seq>
+          </p:childTnLst>
+        </p:cTn>
+      </p:par>
+    </p:tnLst>
+    <p:bldLst>
+      <p:bldP spid="17" grpId="0"/>
+    </p:bldLst>
+  </p:timing>
+</p:sld>
+</file>
+
+<file path=ppt/slides/slide6.xml><?xml version="1.0" encoding="utf-8"?>
+<p:sld xmlns:a="http://schemas.openxmlformats.org/drawingml/2006/main" xmlns:r="http://schemas.openxmlformats.org/officeDocument/2006/relationships" xmlns:p="http://schemas.openxmlformats.org/presentationml/2006/main">
+  <p:cSld>
+    <p:spTree>
+      <p:nvGrpSpPr>
+        <p:cNvPr id="1" name=""/>
+        <p:cNvGrpSpPr/>
+        <p:nvPr/>
+      </p:nvGrpSpPr>
+      <p:grpSpPr>
+        <a:xfrm>
+          <a:off x="0" y="0"/>
+          <a:ext cx="0" cy="0"/>
+          <a:chOff x="0" y="0"/>
+          <a:chExt cx="0" cy="0"/>
+        </a:xfrm>
+      </p:grpSpPr>
+      <p:sp>
+        <p:nvSpPr>
+          <p:cNvPr id="5" name="Marcador de Posição do Número do Diapositivo 4"/>
+          <p:cNvSpPr>
+            <a:spLocks noGrp="1"/>
+          </p:cNvSpPr>
+          <p:nvPr>
+            <p:ph type="sldNum" sz="quarter" idx="12"/>
+          </p:nvPr>
+        </p:nvSpPr>
+        <p:spPr>
+          <a:xfrm>
+            <a:off x="11442700" y="6356349"/>
+            <a:ext cx="749300" cy="365125"/>
+          </a:xfrm>
+        </p:spPr>
+        <p:txBody>
+          <a:bodyPr/>
+          <a:lstStyle/>
+          <a:p>
+            <a:fld id="{E466FD6C-A3C8-4AEA-B271-9B3656C67E08}" type="slidenum">
+              <a:rPr lang="pt-PT" b="1" smtClean="0">
+                <a:solidFill>
+                  <a:srgbClr val="006600"/>
+                </a:solidFill>
+              </a:rPr>
+              <a:t>6</a:t>
             </a:fld>
             <a:endParaRPr lang="pt-PT" b="1" dirty="0">
               <a:solidFill>
@@ -12350,7 +15514,7 @@
 </p:sld>
 </file>
 
-<file path=ppt/slides/slide6.xml><?xml version="1.0" encoding="utf-8"?>
+<file path=ppt/slides/slide7.xml><?xml version="1.0" encoding="utf-8"?>
 <p:sld xmlns:a="http://schemas.openxmlformats.org/drawingml/2006/main" xmlns:r="http://schemas.openxmlformats.org/officeDocument/2006/relationships" xmlns:p="http://schemas.openxmlformats.org/presentationml/2006/main">
   <p:cSld>
     <p:spTree>
@@ -12393,7 +15557,7 @@
                   <a:srgbClr val="006600"/>
                 </a:solidFill>
               </a:rPr>
-              <a:t>6</a:t>
+              <a:t>7</a:t>
             </a:fld>
             <a:endParaRPr lang="pt-PT" b="1" dirty="0">
               <a:solidFill>
@@ -12883,7 +16047,7 @@
         </p:nvSpPr>
         <p:spPr>
           <a:xfrm>
-            <a:off x="2160573" y="4185342"/>
+            <a:off x="2160573" y="4347182"/>
             <a:ext cx="7687434" cy="523220"/>
           </a:xfrm>
           <a:prstGeom prst="rect">
@@ -12944,7 +16108,7 @@
               <a:rPr lang="en-GB" dirty="0" smtClean="0">
                 <a:latin typeface="+mj-lt"/>
               </a:rPr>
-              <a:t>Web app can be accessible on different platforms and devices</a:t>
+              <a:t>Web app may be accessible on different platforms and devices</a:t>
             </a:r>
             <a:endParaRPr lang="pt-PT" dirty="0">
               <a:latin typeface="+mj-lt"/>
@@ -12961,7 +16125,7 @@
         <p:spPr>
           <a:xfrm>
             <a:off x="2160573" y="3525298"/>
-            <a:ext cx="7687434" cy="369332"/>
+            <a:ext cx="7687434" cy="646331"/>
           </a:xfrm>
           <a:prstGeom prst="rect">
             <a:avLst/>
@@ -12978,7 +16142,7 @@
               <a:rPr lang="en-GB" dirty="0" smtClean="0">
                 <a:latin typeface="+mj-lt"/>
               </a:rPr>
-              <a:t>Web app needs to be very responsive to different resolutions</a:t>
+              <a:t>Web app needs to be very responsive to different screen resolutions</a:t>
             </a:r>
             <a:endParaRPr lang="pt-PT" dirty="0">
               <a:latin typeface="+mj-lt"/>
@@ -12994,7 +16158,7 @@
         </p:nvSpPr>
         <p:spPr>
           <a:xfrm>
-            <a:off x="2160573" y="4707118"/>
+            <a:off x="2160573" y="4868958"/>
             <a:ext cx="7687434" cy="646331"/>
           </a:xfrm>
           <a:prstGeom prst="rect">
@@ -13645,7 +16809,7 @@
 </p:sld>
 </file>
 
-<file path=ppt/slides/slide7.xml><?xml version="1.0" encoding="utf-8"?>
+<file path=ppt/slides/slide8.xml><?xml version="1.0" encoding="utf-8"?>
 <p:sld xmlns:a="http://schemas.openxmlformats.org/drawingml/2006/main" xmlns:r="http://schemas.openxmlformats.org/officeDocument/2006/relationships" xmlns:p="http://schemas.openxmlformats.org/presentationml/2006/main">
   <p:cSld>
     <p:spTree>
@@ -13688,7 +16852,7 @@
                   <a:srgbClr val="006600"/>
                 </a:solidFill>
               </a:rPr>
-              <a:t>7</a:t>
+              <a:t>8</a:t>
             </a:fld>
             <a:endParaRPr lang="pt-PT" b="1" dirty="0">
               <a:solidFill>
@@ -13754,11 +16918,6 @@
               </a:rPr>
               <a:t>Motivations</a:t>
             </a:r>
-            <a:endParaRPr lang="pt-PT" sz="6000" dirty="0">
-              <a:solidFill>
-                <a:srgbClr val="006600"/>
-              </a:solidFill>
-            </a:endParaRPr>
           </a:p>
         </p:txBody>
       </p:sp>
@@ -14110,7 +17269,7 @@
               <a:rPr lang="en-GB" sz="2800" dirty="0" smtClean="0">
                 <a:latin typeface="+mj-lt"/>
               </a:rPr>
-              <a:t>Best user experience</a:t>
+              <a:t>Better user experience</a:t>
             </a:r>
             <a:endParaRPr lang="pt-PT" sz="2800" dirty="0">
               <a:latin typeface="+mj-lt"/>
@@ -14144,7 +17303,7 @@
               <a:rPr lang="en-GB" sz="2800" dirty="0" smtClean="0">
                 <a:latin typeface="+mj-lt"/>
               </a:rPr>
-              <a:t>Separation of responsibilities of client and server</a:t>
+              <a:t>Separation of responsibilities between client and server</a:t>
             </a:r>
             <a:endParaRPr lang="pt-PT" sz="2800" dirty="0">
               <a:latin typeface="+mj-lt"/>
@@ -14186,6 +17345,36 @@
           </a:p>
         </p:txBody>
       </p:sp>
+      <p:pic>
+        <p:nvPicPr>
+          <p:cNvPr id="2" name="Imagem 1"/>
+          <p:cNvPicPr>
+            <a:picLocks noChangeAspect="1"/>
+          </p:cNvPicPr>
+          <p:nvPr/>
+        </p:nvPicPr>
+        <p:blipFill>
+          <a:blip r:embed="rId4">
+            <a:extLst>
+              <a:ext uri="{28A0092B-C50C-407E-A947-70E740481C1C}">
+                <a14:useLocalDpi xmlns:a14="http://schemas.microsoft.com/office/drawing/2010/main" val="0"/>
+              </a:ext>
+            </a:extLst>
+          </a:blip>
+          <a:stretch>
+            <a:fillRect/>
+          </a:stretch>
+        </p:blipFill>
+        <p:spPr>
+          <a:xfrm>
+            <a:off x="2731414" y="1401377"/>
+            <a:ext cx="6100689" cy="3955280"/>
+          </a:xfrm>
+          <a:prstGeom prst="rect">
+            <a:avLst/>
+          </a:prstGeom>
+        </p:spPr>
+      </p:pic>
     </p:spTree>
     <p:extLst>
       <p:ext uri="{BB962C8B-B14F-4D97-AF65-F5344CB8AC3E}">
@@ -14415,7 +17604,7 @@
                             </p:stCondLst>
                             <p:childTnLst>
                               <p:par>
-                                <p:cTn id="19" presetID="42" presetClass="entr" presetSubtype="0" fill="hold" grpId="0" nodeType="clickEffect">
+                                <p:cTn id="19" presetID="10" presetClass="entr" presetSubtype="0" fill="hold" nodeType="clickEffect">
                                   <p:stCondLst>
                                     <p:cond delay="0"/>
                                   </p:stCondLst>
@@ -14423,6 +17612,112 @@
                                     <p:set>
                                       <p:cBhvr>
                                         <p:cTn id="20" dur="1" fill="hold">
+                                          <p:stCondLst>
+                                            <p:cond delay="0"/>
+                                          </p:stCondLst>
+                                        </p:cTn>
+                                        <p:tgtEl>
+                                          <p:spTgt spid="2"/>
+                                        </p:tgtEl>
+                                        <p:attrNameLst>
+                                          <p:attrName>style.visibility</p:attrName>
+                                        </p:attrNameLst>
+                                      </p:cBhvr>
+                                      <p:to>
+                                        <p:strVal val="visible"/>
+                                      </p:to>
+                                    </p:set>
+                                    <p:animEffect transition="in" filter="fade">
+                                      <p:cBhvr>
+                                        <p:cTn id="21" dur="1000"/>
+                                        <p:tgtEl>
+                                          <p:spTgt spid="2"/>
+                                        </p:tgtEl>
+                                      </p:cBhvr>
+                                    </p:animEffect>
+                                  </p:childTnLst>
+                                </p:cTn>
+                              </p:par>
+                            </p:childTnLst>
+                          </p:cTn>
+                        </p:par>
+                      </p:childTnLst>
+                    </p:cTn>
+                  </p:par>
+                  <p:par>
+                    <p:cTn id="22" fill="hold">
+                      <p:stCondLst>
+                        <p:cond delay="indefinite"/>
+                      </p:stCondLst>
+                      <p:childTnLst>
+                        <p:par>
+                          <p:cTn id="23" fill="hold">
+                            <p:stCondLst>
+                              <p:cond delay="0"/>
+                            </p:stCondLst>
+                            <p:childTnLst>
+                              <p:par>
+                                <p:cTn id="24" presetID="10" presetClass="exit" presetSubtype="0" fill="hold" nodeType="clickEffect">
+                                  <p:stCondLst>
+                                    <p:cond delay="0"/>
+                                  </p:stCondLst>
+                                  <p:childTnLst>
+                                    <p:animEffect transition="out" filter="fade">
+                                      <p:cBhvr>
+                                        <p:cTn id="25" dur="1000"/>
+                                        <p:tgtEl>
+                                          <p:spTgt spid="2"/>
+                                        </p:tgtEl>
+                                      </p:cBhvr>
+                                    </p:animEffect>
+                                    <p:set>
+                                      <p:cBhvr>
+                                        <p:cTn id="26" dur="1" fill="hold">
+                                          <p:stCondLst>
+                                            <p:cond delay="999"/>
+                                          </p:stCondLst>
+                                        </p:cTn>
+                                        <p:tgtEl>
+                                          <p:spTgt spid="2"/>
+                                        </p:tgtEl>
+                                        <p:attrNameLst>
+                                          <p:attrName>style.visibility</p:attrName>
+                                        </p:attrNameLst>
+                                      </p:cBhvr>
+                                      <p:to>
+                                        <p:strVal val="hidden"/>
+                                      </p:to>
+                                    </p:set>
+                                  </p:childTnLst>
+                                </p:cTn>
+                              </p:par>
+                            </p:childTnLst>
+                          </p:cTn>
+                        </p:par>
+                      </p:childTnLst>
+                    </p:cTn>
+                  </p:par>
+                  <p:par>
+                    <p:cTn id="27" fill="hold">
+                      <p:stCondLst>
+                        <p:cond delay="indefinite"/>
+                      </p:stCondLst>
+                      <p:childTnLst>
+                        <p:par>
+                          <p:cTn id="28" fill="hold">
+                            <p:stCondLst>
+                              <p:cond delay="0"/>
+                            </p:stCondLst>
+                            <p:childTnLst>
+                              <p:par>
+                                <p:cTn id="29" presetID="42" presetClass="entr" presetSubtype="0" fill="hold" grpId="0" nodeType="clickEffect">
+                                  <p:stCondLst>
+                                    <p:cond delay="0"/>
+                                  </p:stCondLst>
+                                  <p:childTnLst>
+                                    <p:set>
+                                      <p:cBhvr>
+                                        <p:cTn id="30" dur="1" fill="hold">
                                           <p:stCondLst>
                                             <p:cond delay="0"/>
                                           </p:stCondLst>
@@ -14440,7 +17735,7 @@
                                     </p:set>
                                     <p:animEffect transition="in" filter="fade">
                                       <p:cBhvr>
-                                        <p:cTn id="21" dur="1000"/>
+                                        <p:cTn id="31" dur="1000"/>
                                         <p:tgtEl>
                                           <p:spTgt spid="20"/>
                                         </p:tgtEl>
@@ -14448,7 +17743,7 @@
                                     </p:animEffect>
                                     <p:anim calcmode="lin" valueType="num">
                                       <p:cBhvr>
-                                        <p:cTn id="22" dur="1000" fill="hold"/>
+                                        <p:cTn id="32" dur="1000" fill="hold"/>
                                         <p:tgtEl>
                                           <p:spTgt spid="20"/>
                                         </p:tgtEl>
@@ -14471,7 +17766,7 @@
                                     </p:anim>
                                     <p:anim calcmode="lin" valueType="num">
                                       <p:cBhvr>
-                                        <p:cTn id="23" dur="1000" fill="hold"/>
+                                        <p:cTn id="33" dur="1000" fill="hold"/>
                                         <p:tgtEl>
                                           <p:spTgt spid="20"/>
                                         </p:tgtEl>
@@ -14531,7 +17826,7 @@
 </p:sld>
 </file>
 
-<file path=ppt/slides/slide8.xml><?xml version="1.0" encoding="utf-8"?>
+<file path=ppt/slides/slide9.xml><?xml version="1.0" encoding="utf-8"?>
 <p:sld xmlns:a="http://schemas.openxmlformats.org/drawingml/2006/main" xmlns:r="http://schemas.openxmlformats.org/officeDocument/2006/relationships" xmlns:p="http://schemas.openxmlformats.org/presentationml/2006/main">
   <p:cSld>
     <p:spTree>
@@ -14574,7 +17869,7 @@
                   <a:srgbClr val="006600"/>
                 </a:solidFill>
               </a:rPr>
-              <a:t>8</a:t>
+              <a:t>9</a:t>
             </a:fld>
             <a:endParaRPr lang="pt-PT" b="1" dirty="0">
               <a:solidFill>
@@ -14952,7 +18247,19 @@
               <a:rPr lang="en-GB" sz="2800" dirty="0">
                 <a:latin typeface="+mj-lt"/>
               </a:rPr>
-              <a:t>first time that the application load is slow</a:t>
+              <a:t>first time that the </a:t>
+            </a:r>
+            <a:r>
+              <a:rPr lang="en-GB" sz="2800" dirty="0" smtClean="0">
+                <a:latin typeface="+mj-lt"/>
+              </a:rPr>
+              <a:t>applications loads </a:t>
+            </a:r>
+            <a:r>
+              <a:rPr lang="en-GB" sz="2800" dirty="0">
+                <a:latin typeface="+mj-lt"/>
+              </a:rPr>
+              <a:t>is slow</a:t>
             </a:r>
             <a:endParaRPr lang="pt-PT" sz="2800" dirty="0">
               <a:latin typeface="+mj-lt"/>
@@ -15002,7 +18309,7 @@
         </p:nvSpPr>
         <p:spPr>
           <a:xfrm>
-            <a:off x="2160573" y="3847172"/>
+            <a:off x="2160573" y="3859698"/>
             <a:ext cx="7687434" cy="954107"/>
           </a:xfrm>
           <a:prstGeom prst="rect">
@@ -15020,11 +18327,8 @@
               <a:rPr lang="en-GB" sz="2800" dirty="0" smtClean="0">
                 <a:latin typeface="+mj-lt"/>
               </a:rPr>
-              <a:t>How much it costs to make an offline application? It is possible?</a:t>
-            </a:r>
-            <a:endParaRPr lang="pt-PT" sz="2800" dirty="0">
-              <a:latin typeface="+mj-lt"/>
-            </a:endParaRPr>
+              <a:t>What is the effort to make an offline application? It is possible?</a:t>
+            </a:r>
           </a:p>
         </p:txBody>
       </p:sp>
@@ -15257,7 +18561,7 @@
                             </p:stCondLst>
                             <p:childTnLst>
                               <p:par>
-                                <p:cTn id="19" presetID="2" presetClass="entr" presetSubtype="4" fill="hold" grpId="0" nodeType="clickEffect">
+                                <p:cTn id="19" presetID="42" presetClass="entr" presetSubtype="0" fill="hold" grpId="0" nodeType="clickEffect">
                                   <p:stCondLst>
                                     <p:cond delay="0"/>
                                   </p:stCondLst>
@@ -15280,9 +18584,17 @@
                                         <p:strVal val="visible"/>
                                       </p:to>
                                     </p:set>
+                                    <p:animEffect transition="in" filter="fade">
+                                      <p:cBhvr>
+                                        <p:cTn id="21" dur="1000"/>
+                                        <p:tgtEl>
+                                          <p:spTgt spid="22"/>
+                                        </p:tgtEl>
+                                      </p:cBhvr>
+                                    </p:animEffect>
                                     <p:anim calcmode="lin" valueType="num">
-                                      <p:cBhvr additive="base">
-                                        <p:cTn id="21" dur="500" fill="hold"/>
+                                      <p:cBhvr>
+                                        <p:cTn id="22" dur="1000" fill="hold"/>
                                         <p:tgtEl>
                                           <p:spTgt spid="22"/>
                                         </p:tgtEl>
@@ -15304,8 +18616,8 @@
                                       </p:tavLst>
                                     </p:anim>
                                     <p:anim calcmode="lin" valueType="num">
-                                      <p:cBhvr additive="base">
-                                        <p:cTn id="22" dur="500" fill="hold"/>
+                                      <p:cBhvr>
+                                        <p:cTn id="23" dur="1000" fill="hold"/>
                                         <p:tgtEl>
                                           <p:spTgt spid="22"/>
                                         </p:tgtEl>
@@ -15316,7 +18628,7 @@
                                       <p:tavLst>
                                         <p:tav tm="0">
                                           <p:val>
-                                            <p:strVal val="1+#ppt_h/2"/>
+                                            <p:strVal val="#ppt_y+.1"/>
                                           </p:val>
                                         </p:tav>
                                         <p:tav tm="100000">
@@ -15360,834 +18672,6 @@
       <p:bldP spid="11" grpId="0"/>
       <p:bldP spid="20" grpId="0"/>
       <p:bldP spid="22" grpId="0"/>
-    </p:bldLst>
-  </p:timing>
-</p:sld>
-</file>
-
-<file path=ppt/slides/slide9.xml><?xml version="1.0" encoding="utf-8"?>
-<p:sld xmlns:a="http://schemas.openxmlformats.org/drawingml/2006/main" xmlns:r="http://schemas.openxmlformats.org/officeDocument/2006/relationships" xmlns:p="http://schemas.openxmlformats.org/presentationml/2006/main">
-  <p:cSld>
-    <p:spTree>
-      <p:nvGrpSpPr>
-        <p:cNvPr id="1" name=""/>
-        <p:cNvGrpSpPr/>
-        <p:nvPr/>
-      </p:nvGrpSpPr>
-      <p:grpSpPr>
-        <a:xfrm>
-          <a:off x="0" y="0"/>
-          <a:ext cx="0" cy="0"/>
-          <a:chOff x="0" y="0"/>
-          <a:chExt cx="0" cy="0"/>
-        </a:xfrm>
-      </p:grpSpPr>
-      <p:sp>
-        <p:nvSpPr>
-          <p:cNvPr id="5" name="Marcador de Posição do Número do Diapositivo 4"/>
-          <p:cNvSpPr>
-            <a:spLocks noGrp="1"/>
-          </p:cNvSpPr>
-          <p:nvPr>
-            <p:ph type="sldNum" sz="quarter" idx="12"/>
-          </p:nvPr>
-        </p:nvSpPr>
-        <p:spPr>
-          <a:xfrm>
-            <a:off x="11442700" y="6356349"/>
-            <a:ext cx="749300" cy="365125"/>
-          </a:xfrm>
-        </p:spPr>
-        <p:txBody>
-          <a:bodyPr/>
-          <a:lstStyle/>
-          <a:p>
-            <a:fld id="{E466FD6C-A3C8-4AEA-B271-9B3656C67E08}" type="slidenum">
-              <a:rPr lang="pt-PT" b="1" smtClean="0">
-                <a:solidFill>
-                  <a:srgbClr val="006600"/>
-                </a:solidFill>
-              </a:rPr>
-              <a:t>9</a:t>
-            </a:fld>
-            <a:endParaRPr lang="pt-PT" b="1" dirty="0">
-              <a:solidFill>
-                <a:srgbClr val="006600"/>
-              </a:solidFill>
-            </a:endParaRPr>
-          </a:p>
-        </p:txBody>
-      </p:sp>
-      <p:sp>
-        <p:nvSpPr>
-          <p:cNvPr id="7" name="Título 1"/>
-          <p:cNvSpPr txBox="1">
-            <a:spLocks/>
-          </p:cNvSpPr>
-          <p:nvPr/>
-        </p:nvSpPr>
-        <p:spPr>
-          <a:xfrm>
-            <a:off x="4173948" y="142478"/>
-            <a:ext cx="3473025" cy="968134"/>
-          </a:xfrm>
-          <a:prstGeom prst="rect">
-            <a:avLst/>
-          </a:prstGeom>
-        </p:spPr>
-        <p:txBody>
-          <a:bodyPr vert="horz" lIns="91440" tIns="45720" rIns="91440" bIns="45720" rtlCol="0" anchor="b">
-            <a:noAutofit/>
-          </a:bodyPr>
-          <a:lstStyle>
-            <a:lvl1pPr algn="ctr" defTabSz="914400" rtl="0" eaLnBrk="1" latinLnBrk="0" hangingPunct="1">
-              <a:lnSpc>
-                <a:spcPts val="5800"/>
-              </a:lnSpc>
-              <a:spcBef>
-                <a:spcPct val="0"/>
-              </a:spcBef>
-              <a:buNone/>
-              <a:defRPr sz="5400" kern="1200">
-                <a:solidFill>
-                  <a:schemeClr val="tx2"/>
-                </a:solidFill>
-                <a:effectLst>
-                  <a:outerShdw blurRad="63500" dist="38100" dir="5400000" algn="t" rotWithShape="0">
-                    <a:prstClr val="black">
-                      <a:alpha val="25000"/>
-                    </a:prstClr>
-                  </a:outerShdw>
-                </a:effectLst>
-                <a:latin typeface="+mn-lt"/>
-                <a:ea typeface="+mj-ea"/>
-                <a:cs typeface="+mj-cs"/>
-              </a:defRPr>
-            </a:lvl1pPr>
-          </a:lstStyle>
-          <a:p>
-            <a:r>
-              <a:rPr lang="pt-PT" sz="6000" dirty="0" smtClean="0">
-                <a:solidFill>
-                  <a:srgbClr val="006600"/>
-                </a:solidFill>
-              </a:rPr>
-              <a:t>No SPA</a:t>
-            </a:r>
-            <a:endParaRPr lang="pt-PT" sz="6000" dirty="0">
-              <a:solidFill>
-                <a:srgbClr val="006600"/>
-              </a:solidFill>
-            </a:endParaRPr>
-          </a:p>
-        </p:txBody>
-      </p:sp>
-      <p:pic>
-        <p:nvPicPr>
-          <p:cNvPr id="9" name="Imagem 8"/>
-          <p:cNvPicPr>
-            <a:picLocks noChangeAspect="1"/>
-          </p:cNvPicPr>
-          <p:nvPr/>
-        </p:nvPicPr>
-        <p:blipFill>
-          <a:blip r:embed="rId3" cstate="print">
-            <a:extLst>
-              <a:ext uri="{28A0092B-C50C-407E-A947-70E740481C1C}">
-                <a14:useLocalDpi xmlns:a14="http://schemas.microsoft.com/office/drawing/2010/main" val="0"/>
-              </a:ext>
-            </a:extLst>
-          </a:blip>
-          <a:stretch>
-            <a:fillRect/>
-          </a:stretch>
-        </p:blipFill>
-        <p:spPr>
-          <a:xfrm>
-            <a:off x="6652417" y="2741044"/>
-            <a:ext cx="1077092" cy="1293804"/>
-          </a:xfrm>
-          <a:prstGeom prst="rect">
-            <a:avLst/>
-          </a:prstGeom>
-        </p:spPr>
-      </p:pic>
-      <p:sp>
-        <p:nvSpPr>
-          <p:cNvPr id="31" name="Seta curvada à esquerda 30"/>
-          <p:cNvSpPr/>
-          <p:nvPr/>
-        </p:nvSpPr>
-        <p:spPr>
-          <a:xfrm>
-            <a:off x="7526357" y="2857448"/>
-            <a:ext cx="743617" cy="305709"/>
-          </a:xfrm>
-          <a:prstGeom prst="curvedLeftArrow">
-            <a:avLst>
-              <a:gd name="adj1" fmla="val 0"/>
-              <a:gd name="adj2" fmla="val 51899"/>
-              <a:gd name="adj3" fmla="val 25000"/>
-            </a:avLst>
-          </a:prstGeom>
-        </p:spPr>
-        <p:style>
-          <a:lnRef idx="2">
-            <a:schemeClr val="accent1"/>
-          </a:lnRef>
-          <a:fillRef idx="1">
-            <a:schemeClr val="lt1"/>
-          </a:fillRef>
-          <a:effectRef idx="0">
-            <a:schemeClr val="accent1"/>
-          </a:effectRef>
-          <a:fontRef idx="minor">
-            <a:schemeClr val="dk1"/>
-          </a:fontRef>
-        </p:style>
-        <p:txBody>
-          <a:bodyPr rtlCol="0" anchor="ctr"/>
-          <a:lstStyle/>
-          <a:p>
-            <a:pPr algn="ctr"/>
-            <a:endParaRPr lang="pt-PT">
-              <a:solidFill>
-                <a:schemeClr val="tx1"/>
-              </a:solidFill>
-            </a:endParaRPr>
-          </a:p>
-        </p:txBody>
-      </p:sp>
-      <p:sp>
-        <p:nvSpPr>
-          <p:cNvPr id="32" name="Seta para a direita 31"/>
-          <p:cNvSpPr/>
-          <p:nvPr/>
-        </p:nvSpPr>
-        <p:spPr>
-          <a:xfrm>
-            <a:off x="3899653" y="3019290"/>
-            <a:ext cx="2560026" cy="104302"/>
-          </a:xfrm>
-          <a:prstGeom prst="rightArrow">
-            <a:avLst/>
-          </a:prstGeom>
-        </p:spPr>
-        <p:style>
-          <a:lnRef idx="2">
-            <a:schemeClr val="accent1"/>
-          </a:lnRef>
-          <a:fillRef idx="1">
-            <a:schemeClr val="lt1"/>
-          </a:fillRef>
-          <a:effectRef idx="0">
-            <a:schemeClr val="accent1"/>
-          </a:effectRef>
-          <a:fontRef idx="minor">
-            <a:schemeClr val="dk1"/>
-          </a:fontRef>
-        </p:style>
-        <p:txBody>
-          <a:bodyPr rtlCol="0" anchor="ctr"/>
-          <a:lstStyle/>
-          <a:p>
-            <a:pPr algn="ctr"/>
-            <a:endParaRPr lang="pt-PT"/>
-          </a:p>
-        </p:txBody>
-      </p:sp>
-      <p:sp>
-        <p:nvSpPr>
-          <p:cNvPr id="33" name="Seta para a direita 32"/>
-          <p:cNvSpPr/>
-          <p:nvPr/>
-        </p:nvSpPr>
-        <p:spPr>
-          <a:xfrm flipH="1">
-            <a:off x="3899653" y="3463457"/>
-            <a:ext cx="2560026" cy="104302"/>
-          </a:xfrm>
-          <a:prstGeom prst="rightArrow">
-            <a:avLst/>
-          </a:prstGeom>
-        </p:spPr>
-        <p:style>
-          <a:lnRef idx="2">
-            <a:schemeClr val="accent1"/>
-          </a:lnRef>
-          <a:fillRef idx="1">
-            <a:schemeClr val="lt1"/>
-          </a:fillRef>
-          <a:effectRef idx="0">
-            <a:schemeClr val="accent1"/>
-          </a:effectRef>
-          <a:fontRef idx="minor">
-            <a:schemeClr val="dk1"/>
-          </a:fontRef>
-        </p:style>
-        <p:txBody>
-          <a:bodyPr rtlCol="0" anchor="ctr"/>
-          <a:lstStyle/>
-          <a:p>
-            <a:pPr algn="ctr"/>
-            <a:endParaRPr lang="pt-PT"/>
-          </a:p>
-        </p:txBody>
-      </p:sp>
-      <p:sp>
-        <p:nvSpPr>
-          <p:cNvPr id="35" name="CaixaDeTexto 34"/>
-          <p:cNvSpPr txBox="1"/>
-          <p:nvPr/>
-        </p:nvSpPr>
-        <p:spPr>
-          <a:xfrm>
-            <a:off x="4145356" y="2649958"/>
-            <a:ext cx="2314323" cy="369332"/>
-          </a:xfrm>
-          <a:prstGeom prst="rect">
-            <a:avLst/>
-          </a:prstGeom>
-          <a:noFill/>
-        </p:spPr>
-        <p:txBody>
-          <a:bodyPr wrap="square" rtlCol="0">
-            <a:spAutoFit/>
-          </a:bodyPr>
-          <a:lstStyle/>
-          <a:p>
-            <a:r>
-              <a:rPr lang="pt-PT" dirty="0" smtClean="0">
-                <a:solidFill>
-                  <a:schemeClr val="tx1">
-                    <a:lumMod val="65000"/>
-                    <a:lumOff val="35000"/>
-                  </a:schemeClr>
-                </a:solidFill>
-              </a:rPr>
-              <a:t>Consulta página</a:t>
-            </a:r>
-            <a:endParaRPr lang="pt-PT" dirty="0"/>
-          </a:p>
-        </p:txBody>
-      </p:sp>
-      <p:sp>
-        <p:nvSpPr>
-          <p:cNvPr id="36" name="CaixaDeTexto 35"/>
-          <p:cNvSpPr txBox="1"/>
-          <p:nvPr/>
-        </p:nvSpPr>
-        <p:spPr>
-          <a:xfrm>
-            <a:off x="4233633" y="3574061"/>
-            <a:ext cx="2314323" cy="646331"/>
-          </a:xfrm>
-          <a:prstGeom prst="rect">
-            <a:avLst/>
-          </a:prstGeom>
-          <a:noFill/>
-        </p:spPr>
-        <p:txBody>
-          <a:bodyPr wrap="square" rtlCol="0">
-            <a:spAutoFit/>
-          </a:bodyPr>
-          <a:lstStyle/>
-          <a:p>
-            <a:r>
-              <a:rPr lang="pt-PT" dirty="0" smtClean="0">
-                <a:solidFill>
-                  <a:schemeClr val="tx1">
-                    <a:lumMod val="65000"/>
-                    <a:lumOff val="35000"/>
-                  </a:schemeClr>
-                </a:solidFill>
-              </a:rPr>
-              <a:t>Retorna página </a:t>
-            </a:r>
-            <a:r>
-              <a:rPr lang="pt-PT" dirty="0" err="1" smtClean="0">
-                <a:solidFill>
-                  <a:schemeClr val="tx1">
-                    <a:lumMod val="65000"/>
-                    <a:lumOff val="35000"/>
-                  </a:schemeClr>
-                </a:solidFill>
-              </a:rPr>
-              <a:t>renderizada</a:t>
-            </a:r>
-            <a:endParaRPr lang="pt-PT" dirty="0"/>
-          </a:p>
-        </p:txBody>
-      </p:sp>
-      <p:sp>
-        <p:nvSpPr>
-          <p:cNvPr id="37" name="CaixaDeTexto 36"/>
-          <p:cNvSpPr txBox="1"/>
-          <p:nvPr/>
-        </p:nvSpPr>
-        <p:spPr>
-          <a:xfrm>
-            <a:off x="8269974" y="2649958"/>
-            <a:ext cx="1844987" cy="646331"/>
-          </a:xfrm>
-          <a:prstGeom prst="rect">
-            <a:avLst/>
-          </a:prstGeom>
-          <a:noFill/>
-        </p:spPr>
-        <p:txBody>
-          <a:bodyPr wrap="square" rtlCol="0">
-            <a:spAutoFit/>
-          </a:bodyPr>
-          <a:lstStyle/>
-          <a:p>
-            <a:r>
-              <a:rPr lang="pt-PT" dirty="0" err="1" smtClean="0">
-                <a:solidFill>
-                  <a:schemeClr val="tx1">
-                    <a:lumMod val="65000"/>
-                    <a:lumOff val="35000"/>
-                  </a:schemeClr>
-                </a:solidFill>
-              </a:rPr>
-              <a:t>Renderiza</a:t>
-            </a:r>
-            <a:r>
-              <a:rPr lang="pt-PT" dirty="0" smtClean="0">
-                <a:solidFill>
-                  <a:schemeClr val="tx1">
-                    <a:lumMod val="65000"/>
-                    <a:lumOff val="35000"/>
-                  </a:schemeClr>
-                </a:solidFill>
-              </a:rPr>
-              <a:t> página</a:t>
-            </a:r>
-            <a:endParaRPr lang="pt-PT" dirty="0"/>
-          </a:p>
-        </p:txBody>
-      </p:sp>
-      <p:sp>
-        <p:nvSpPr>
-          <p:cNvPr id="15" name="Marcador de Posição do Rodapé 3"/>
-          <p:cNvSpPr>
-            <a:spLocks noGrp="1"/>
-          </p:cNvSpPr>
-          <p:nvPr>
-            <p:ph type="ftr" sz="quarter" idx="11"/>
-          </p:nvPr>
-        </p:nvSpPr>
-        <p:spPr>
-          <a:xfrm>
-            <a:off x="11026318" y="97822"/>
-            <a:ext cx="999947" cy="365125"/>
-          </a:xfrm>
-        </p:spPr>
-        <p:txBody>
-          <a:bodyPr/>
-          <a:lstStyle/>
-          <a:p>
-            <a:r>
-              <a:rPr lang="pt-PT" b="1" dirty="0" smtClean="0">
-                <a:solidFill>
-                  <a:srgbClr val="FE0000"/>
-                </a:solidFill>
-              </a:rPr>
-              <a:t>#PGGD26</a:t>
-            </a:r>
-            <a:endParaRPr lang="pt-PT" b="1" dirty="0">
-              <a:solidFill>
-                <a:srgbClr val="FE0000"/>
-              </a:solidFill>
-            </a:endParaRPr>
-          </a:p>
-        </p:txBody>
-      </p:sp>
-      <p:pic>
-        <p:nvPicPr>
-          <p:cNvPr id="16" name="Imagem 15"/>
-          <p:cNvPicPr>
-            <a:picLocks noChangeAspect="1"/>
-          </p:cNvPicPr>
-          <p:nvPr/>
-        </p:nvPicPr>
-        <p:blipFill>
-          <a:blip r:embed="rId4">
-            <a:extLst>
-              <a:ext uri="{28A0092B-C50C-407E-A947-70E740481C1C}">
-                <a14:useLocalDpi xmlns:a14="http://schemas.microsoft.com/office/drawing/2010/main" val="0"/>
-              </a:ext>
-            </a:extLst>
-          </a:blip>
-          <a:stretch>
-            <a:fillRect/>
-          </a:stretch>
-        </p:blipFill>
-        <p:spPr>
-          <a:xfrm>
-            <a:off x="153748" y="147921"/>
-            <a:ext cx="1326294" cy="891213"/>
-          </a:xfrm>
-          <a:prstGeom prst="rect">
-            <a:avLst/>
-          </a:prstGeom>
-        </p:spPr>
-      </p:pic>
-      <p:pic>
-        <p:nvPicPr>
-          <p:cNvPr id="2" name="Imagem 1"/>
-          <p:cNvPicPr>
-            <a:picLocks noChangeAspect="1"/>
-          </p:cNvPicPr>
-          <p:nvPr/>
-        </p:nvPicPr>
-        <p:blipFill>
-          <a:blip r:embed="rId5" cstate="print">
-            <a:extLst>
-              <a:ext uri="{28A0092B-C50C-407E-A947-70E740481C1C}">
-                <a14:useLocalDpi xmlns:a14="http://schemas.microsoft.com/office/drawing/2010/main" val="0"/>
-              </a:ext>
-            </a:extLst>
-          </a:blip>
-          <a:stretch>
-            <a:fillRect/>
-          </a:stretch>
-        </p:blipFill>
-        <p:spPr>
-          <a:xfrm>
-            <a:off x="1714933" y="2649958"/>
-            <a:ext cx="2132490" cy="1285766"/>
-          </a:xfrm>
-          <a:prstGeom prst="rect">
-            <a:avLst/>
-          </a:prstGeom>
-        </p:spPr>
-      </p:pic>
-      <p:sp>
-        <p:nvSpPr>
-          <p:cNvPr id="52" name="Oval 51"/>
-          <p:cNvSpPr/>
-          <p:nvPr/>
-        </p:nvSpPr>
-        <p:spPr>
-          <a:xfrm>
-            <a:off x="3487586" y="2986574"/>
-            <a:ext cx="129473" cy="129473"/>
-          </a:xfrm>
-          <a:prstGeom prst="ellipse">
-            <a:avLst/>
-          </a:prstGeom>
-        </p:spPr>
-        <p:style>
-          <a:lnRef idx="2">
-            <a:schemeClr val="accent5">
-              <a:shade val="50000"/>
-            </a:schemeClr>
-          </a:lnRef>
-          <a:fillRef idx="1">
-            <a:schemeClr val="accent5"/>
-          </a:fillRef>
-          <a:effectRef idx="0">
-            <a:schemeClr val="accent5"/>
-          </a:effectRef>
-          <a:fontRef idx="minor">
-            <a:schemeClr val="lt1"/>
-          </a:fontRef>
-        </p:style>
-        <p:txBody>
-          <a:bodyPr rtlCol="0" anchor="ctr"/>
-          <a:lstStyle/>
-          <a:p>
-            <a:pPr algn="ctr"/>
-            <a:endParaRPr lang="pt-PT"/>
-          </a:p>
-        </p:txBody>
-      </p:sp>
-    </p:spTree>
-    <p:extLst>
-      <p:ext uri="{BB962C8B-B14F-4D97-AF65-F5344CB8AC3E}">
-        <p14:creationId xmlns:p14="http://schemas.microsoft.com/office/powerpoint/2010/main" val="559912168"/>
-      </p:ext>
-    </p:extLst>
-  </p:cSld>
-  <p:clrMapOvr>
-    <a:masterClrMapping/>
-  </p:clrMapOvr>
-  <p:timing>
-    <p:tnLst>
-      <p:par>
-        <p:cTn id="1" dur="indefinite" restart="never" nodeType="tmRoot">
-          <p:childTnLst>
-            <p:seq concurrent="1" nextAc="seek">
-              <p:cTn id="2" dur="indefinite" nodeType="mainSeq">
-                <p:childTnLst>
-                  <p:par>
-                    <p:cTn id="3" fill="hold">
-                      <p:stCondLst>
-                        <p:cond delay="indefinite"/>
-                      </p:stCondLst>
-                      <p:childTnLst>
-                        <p:par>
-                          <p:cTn id="4" fill="hold">
-                            <p:stCondLst>
-                              <p:cond delay="0"/>
-                            </p:stCondLst>
-                            <p:childTnLst>
-                              <p:par>
-                                <p:cTn id="5" presetID="10" presetClass="entr" presetSubtype="0" fill="hold" grpId="4" nodeType="clickEffect">
-                                  <p:stCondLst>
-                                    <p:cond delay="0"/>
-                                  </p:stCondLst>
-                                  <p:childTnLst>
-                                    <p:set>
-                                      <p:cBhvr>
-                                        <p:cTn id="6" dur="1" fill="hold">
-                                          <p:stCondLst>
-                                            <p:cond delay="0"/>
-                                          </p:stCondLst>
-                                        </p:cTn>
-                                        <p:tgtEl>
-                                          <p:spTgt spid="52"/>
-                                        </p:tgtEl>
-                                        <p:attrNameLst>
-                                          <p:attrName>style.visibility</p:attrName>
-                                        </p:attrNameLst>
-                                      </p:cBhvr>
-                                      <p:to>
-                                        <p:strVal val="visible"/>
-                                      </p:to>
-                                    </p:set>
-                                    <p:animEffect transition="in" filter="fade">
-                                      <p:cBhvr>
-                                        <p:cTn id="7" dur="500"/>
-                                        <p:tgtEl>
-                                          <p:spTgt spid="52"/>
-                                        </p:tgtEl>
-                                      </p:cBhvr>
-                                    </p:animEffect>
-                                  </p:childTnLst>
-                                </p:cTn>
-                              </p:par>
-                            </p:childTnLst>
-                          </p:cTn>
-                        </p:par>
-                        <p:par>
-                          <p:cTn id="8" fill="hold">
-                            <p:stCondLst>
-                              <p:cond delay="500"/>
-                            </p:stCondLst>
-                            <p:childTnLst>
-                              <p:par>
-                                <p:cTn id="9" presetID="42" presetClass="path" presetSubtype="0" accel="50000" decel="50000" fill="hold" grpId="0" nodeType="afterEffect">
-                                  <p:stCondLst>
-                                    <p:cond delay="0"/>
-                                  </p:stCondLst>
-                                  <p:childTnLst>
-                                    <p:animMotion origin="layout" path="M 0.00533 0.00208 L 0.2582 -0.00579 " pathEditMode="relative" rAng="0" ptsTypes="AA">
-                                      <p:cBhvr>
-                                        <p:cTn id="10" dur="2000" fill="hold"/>
-                                        <p:tgtEl>
-                                          <p:spTgt spid="52"/>
-                                        </p:tgtEl>
-                                        <p:attrNameLst>
-                                          <p:attrName>ppt_x</p:attrName>
-                                          <p:attrName>ppt_y</p:attrName>
-                                        </p:attrNameLst>
-                                      </p:cBhvr>
-                                      <p:rCtr x="12643" y="-394"/>
-                                    </p:animMotion>
-                                  </p:childTnLst>
-                                </p:cTn>
-                              </p:par>
-                            </p:childTnLst>
-                          </p:cTn>
-                        </p:par>
-                      </p:childTnLst>
-                    </p:cTn>
-                  </p:par>
-                  <p:par>
-                    <p:cTn id="11" fill="hold">
-                      <p:stCondLst>
-                        <p:cond delay="indefinite"/>
-                      </p:stCondLst>
-                      <p:childTnLst>
-                        <p:par>
-                          <p:cTn id="12" fill="hold">
-                            <p:stCondLst>
-                              <p:cond delay="0"/>
-                            </p:stCondLst>
-                            <p:childTnLst>
-                              <p:par>
-                                <p:cTn id="13" presetID="1" presetClass="path" presetSubtype="0" accel="50000" decel="50000" fill="hold" grpId="1" nodeType="clickEffect">
-                                  <p:stCondLst>
-                                    <p:cond delay="0"/>
-                                  </p:stCondLst>
-                                  <p:childTnLst>
-                                    <p:animMotion origin="layout" path="M 0.26914 -0.00579 C 0.27825 -0.00718 0.28645 0.00856 0.28737 0.02963 C 0.28815 0.05023 0.28125 0.06852 0.272 0.06944 C 0.26289 0.0706 0.25481 0.0544 0.2539 0.03379 C 0.25312 0.01273 0.25989 -0.00486 0.26914 -0.00579 Z " pathEditMode="relative" rAng="21360000" ptsTypes="AAAAA">
-                                      <p:cBhvr>
-                                        <p:cTn id="14" dur="2000" fill="hold"/>
-                                        <p:tgtEl>
-                                          <p:spTgt spid="52"/>
-                                        </p:tgtEl>
-                                        <p:attrNameLst>
-                                          <p:attrName>ppt_x</p:attrName>
-                                          <p:attrName>ppt_y</p:attrName>
-                                        </p:attrNameLst>
-                                      </p:cBhvr>
-                                      <p:rCtr x="143" y="3750"/>
-                                    </p:animMotion>
-                                  </p:childTnLst>
-                                </p:cTn>
-                              </p:par>
-                            </p:childTnLst>
-                          </p:cTn>
-                        </p:par>
-                        <p:par>
-                          <p:cTn id="15" fill="hold">
-                            <p:stCondLst>
-                              <p:cond delay="2000"/>
-                            </p:stCondLst>
-                            <p:childTnLst>
-                              <p:par>
-                                <p:cTn id="16" presetID="58" presetClass="path" presetSubtype="0" accel="50000" decel="50000" fill="hold" grpId="3" nodeType="afterEffect">
-                                  <p:stCondLst>
-                                    <p:cond delay="0"/>
-                                  </p:stCondLst>
-                                  <p:childTnLst>
-                                    <p:animMotion origin="layout" path="M 0.27239 -0.00579 L 0.28346 0.01574 C 0.28606 0.02037 0.2875 0.02708 0.2875 0.03426 C 0.2875 0.04236 0.28606 0.04884 0.28346 0.05347 L 0.27239 0.07523 " pathEditMode="relative" rAng="0" ptsTypes="AAAAA">
-                                      <p:cBhvr>
-                                        <p:cTn id="17" dur="2000" fill="hold"/>
-                                        <p:tgtEl>
-                                          <p:spTgt spid="52"/>
-                                        </p:tgtEl>
-                                        <p:attrNameLst>
-                                          <p:attrName>ppt_x</p:attrName>
-                                          <p:attrName>ppt_y</p:attrName>
-                                        </p:attrNameLst>
-                                      </p:cBhvr>
-                                      <p:rCtr x="755" y="4051"/>
-                                    </p:animMotion>
-                                  </p:childTnLst>
-                                </p:cTn>
-                              </p:par>
-                            </p:childTnLst>
-                          </p:cTn>
-                        </p:par>
-                      </p:childTnLst>
-                    </p:cTn>
-                  </p:par>
-                  <p:par>
-                    <p:cTn id="18" fill="hold">
-                      <p:stCondLst>
-                        <p:cond delay="indefinite"/>
-                      </p:stCondLst>
-                      <p:childTnLst>
-                        <p:par>
-                          <p:cTn id="19" fill="hold">
-                            <p:stCondLst>
-                              <p:cond delay="0"/>
-                            </p:stCondLst>
-                            <p:childTnLst>
-                              <p:par>
-                                <p:cTn id="20" presetID="42" presetClass="path" presetSubtype="0" accel="50000" decel="50000" fill="hold" grpId="2" nodeType="clickEffect">
-                                  <p:stCondLst>
-                                    <p:cond delay="0"/>
-                                  </p:stCondLst>
-                                  <p:childTnLst>
-                                    <p:animMotion origin="layout" path="M 0.26054 0.06967 L 0.00612 0.0618 " pathEditMode="relative" rAng="0" ptsTypes="AA">
-                                      <p:cBhvr>
-                                        <p:cTn id="21" dur="2000" fill="hold"/>
-                                        <p:tgtEl>
-                                          <p:spTgt spid="52"/>
-                                        </p:tgtEl>
-                                        <p:attrNameLst>
-                                          <p:attrName>ppt_x</p:attrName>
-                                          <p:attrName>ppt_y</p:attrName>
-                                        </p:attrNameLst>
-                                      </p:cBhvr>
-                                      <p:rCtr x="-12721" y="-394"/>
-                                    </p:animMotion>
-                                  </p:childTnLst>
-                                </p:cTn>
-                              </p:par>
-                            </p:childTnLst>
-                          </p:cTn>
-                        </p:par>
-                        <p:par>
-                          <p:cTn id="22" fill="hold">
-                            <p:stCondLst>
-                              <p:cond delay="2000"/>
-                            </p:stCondLst>
-                            <p:childTnLst>
-                              <p:par>
-                                <p:cTn id="23" presetID="10" presetClass="exit" presetSubtype="0" fill="hold" grpId="5" nodeType="afterEffect">
-                                  <p:stCondLst>
-                                    <p:cond delay="0"/>
-                                  </p:stCondLst>
-                                  <p:childTnLst>
-                                    <p:animEffect transition="out" filter="fade">
-                                      <p:cBhvr>
-                                        <p:cTn id="24" dur="500"/>
-                                        <p:tgtEl>
-                                          <p:spTgt spid="52"/>
-                                        </p:tgtEl>
-                                      </p:cBhvr>
-                                    </p:animEffect>
-                                    <p:set>
-                                      <p:cBhvr>
-                                        <p:cTn id="25" dur="1" fill="hold">
-                                          <p:stCondLst>
-                                            <p:cond delay="499"/>
-                                          </p:stCondLst>
-                                        </p:cTn>
-                                        <p:tgtEl>
-                                          <p:spTgt spid="52"/>
-                                        </p:tgtEl>
-                                        <p:attrNameLst>
-                                          <p:attrName>style.visibility</p:attrName>
-                                        </p:attrNameLst>
-                                      </p:cBhvr>
-                                      <p:to>
-                                        <p:strVal val="hidden"/>
-                                      </p:to>
-                                    </p:set>
-                                  </p:childTnLst>
-                                </p:cTn>
-                              </p:par>
-                            </p:childTnLst>
-                          </p:cTn>
-                        </p:par>
-                      </p:childTnLst>
-                    </p:cTn>
-                  </p:par>
-                </p:childTnLst>
-              </p:cTn>
-              <p:prevCondLst>
-                <p:cond evt="onPrev" delay="0">
-                  <p:tgtEl>
-                    <p:sldTgt/>
-                  </p:tgtEl>
-                </p:cond>
-              </p:prevCondLst>
-              <p:nextCondLst>
-                <p:cond evt="onNext" delay="0">
-                  <p:tgtEl>
-                    <p:sldTgt/>
-                  </p:tgtEl>
-                </p:cond>
-              </p:nextCondLst>
-            </p:seq>
-          </p:childTnLst>
-        </p:cTn>
-      </p:par>
-    </p:tnLst>
-    <p:bldLst>
-      <p:bldP spid="52" grpId="0" animBg="1"/>
-      <p:bldP spid="52" grpId="1" animBg="1"/>
-      <p:bldP spid="52" grpId="2" animBg="1"/>
-      <p:bldP spid="52" grpId="3" animBg="1"/>
-      <p:bldP spid="52" grpId="4" animBg="1"/>
-      <p:bldP spid="52" grpId="5" animBg="1"/>
     </p:bldLst>
   </p:timing>
 </p:sld>
